--- a/slides/chapter_1_PET_intro_pictures.pptx
+++ b/slides/chapter_1_PET_intro_pictures.pptx
@@ -131,7 +131,7 @@
   <p1510:revLst>
     <p1510:client id="{29B45E11-44C7-C472-D27B-888E7AB6330A}" v="146" dt="2024-09-25T09:51:52.340"/>
     <p1510:client id="{86B4F03C-F518-27EE-3D49-7697C43E39D0}" v="763" dt="2024-09-25T09:58:24.165"/>
-    <p1510:client id="{A77B0E0F-CD3B-E586-4830-6CF3DD1773A0}" v="4" dt="2024-09-25T11:36:40.028"/>
+    <p1510:client id="{A77B0E0F-CD3B-E586-4830-6CF3DD1773A0}" v="47" dt="2024-09-25T12:20:34.055"/>
     <p1510:client id="{F1C00EDB-B352-162E-CE99-5D3EA9B440DD}" v="10" dt="2024-09-25T11:20:56.359"/>
   </p1510:revLst>
 </p1510:revInfo>
@@ -11245,7 +11245,7 @@
           <p:nvPr>
             <p:extLst>
               <p:ext uri="{D42A27DB-BD31-4B8C-83A1-F6EECF244321}">
-                <p14:modId xmlns:p14="http://schemas.microsoft.com/office/powerpoint/2010/main" val="2801791854"/>
+                <p14:modId xmlns:p14="http://schemas.microsoft.com/office/powerpoint/2010/main" val="513398561"/>
               </p:ext>
             </p:extLst>
           </p:nvPr>
@@ -11286,7 +11286,7 @@
                         <a:buNone/>
                       </a:pPr>
                       <a:r>
-                        <a:rPr lang="en-US" sz="2000" b="0" i="0" u="none" strike="noStrike" noProof="0">
+                        <a:rPr lang="en-US" sz="2000" b="0" i="0" u="none" strike="noStrike" noProof="0" dirty="0">
                           <a:solidFill>
                             <a:srgbClr val="000000"/>
                           </a:solidFill>
@@ -11294,7 +11294,7 @@
                         </a:rPr>
                         <a:t>Charles</a:t>
                       </a:r>
-                      <a:endParaRPr lang="en-US" sz="2000"/>
+                      <a:endParaRPr lang="en-US" sz="2000" dirty="0"/>
                     </a:p>
                   </a:txBody>
                   <a:tcPr/>
@@ -11305,7 +11305,7 @@
                     <a:lstStyle/>
                     <a:p>
                       <a:r>
-                        <a:rPr lang="en-US" sz="2000"/>
+                        <a:rPr lang="en-US" sz="2000" dirty="0"/>
                         <a:t>50</a:t>
                       </a:r>
                     </a:p>
@@ -11328,7 +11328,7 @@
                         <a:buNone/>
                       </a:pPr>
                       <a:r>
-                        <a:rPr lang="en-US" sz="2000" b="0" i="0" u="none" strike="noStrike" noProof="0">
+                        <a:rPr lang="en-US" sz="2000" b="0" i="0" u="none" strike="noStrike" noProof="0" dirty="0">
                           <a:solidFill>
                             <a:srgbClr val="000000"/>
                           </a:solidFill>
@@ -11336,7 +11336,7 @@
                         </a:rPr>
                         <a:t>Brandi</a:t>
                       </a:r>
-                      <a:endParaRPr lang="en-US" sz="2000"/>
+                      <a:endParaRPr lang="en-US" sz="2000" dirty="0"/>
                     </a:p>
                   </a:txBody>
                   <a:tcPr/>
@@ -11347,7 +11347,7 @@
                     <a:lstStyle/>
                     <a:p>
                       <a:r>
-                        <a:rPr lang="en-US" sz="2000"/>
+                        <a:rPr lang="en-US" sz="2000" dirty="0"/>
                         <a:t>45</a:t>
                       </a:r>
                     </a:p>
@@ -11370,9 +11370,10 @@
                         <a:buNone/>
                       </a:pPr>
                       <a:r>
-                        <a:rPr lang="en-US" sz="2000" err="1"/>
-                        <a:t>Cunliang</a:t>
+                        <a:rPr lang="en-US" sz="2000"/>
+                        <a:t>Jez</a:t>
                       </a:r>
+                      <a:endParaRPr lang="en-US" sz="2000" err="1"/>
                     </a:p>
                   </a:txBody>
                   <a:tcPr/>
@@ -11386,7 +11387,7 @@
                         <a:buNone/>
                       </a:pPr>
                       <a:r>
-                        <a:rPr lang="en-US" sz="2000"/>
+                        <a:rPr lang="en-US" sz="2000" dirty="0"/>
                         <a:t>33</a:t>
                       </a:r>
                     </a:p>
@@ -11409,8 +11410,8 @@
                         <a:buNone/>
                       </a:pPr>
                       <a:r>
-                        <a:rPr lang="en-US" sz="2000"/>
-                        <a:t>Dani</a:t>
+                        <a:rPr lang="en-US" sz="2000" dirty="0"/>
+                        <a:t>Dionne</a:t>
                       </a:r>
                     </a:p>
                   </a:txBody>
@@ -11425,7 +11426,7 @@
                         <a:buNone/>
                       </a:pPr>
                       <a:r>
-                        <a:rPr lang="en-US" sz="2000"/>
+                        <a:rPr lang="en-US" sz="2000" dirty="0"/>
                         <a:t>25</a:t>
                       </a:r>
                     </a:p>
@@ -11457,7 +11458,7 @@
           <p:nvPr>
             <p:extLst>
               <p:ext uri="{D42A27DB-BD31-4B8C-83A1-F6EECF244321}">
-                <p14:modId xmlns:p14="http://schemas.microsoft.com/office/powerpoint/2010/main" val="1405579042"/>
+                <p14:modId xmlns:p14="http://schemas.microsoft.com/office/powerpoint/2010/main" val="1666370721"/>
               </p:ext>
             </p:extLst>
           </p:nvPr>
@@ -11498,7 +11499,7 @@
                         <a:buNone/>
                       </a:pPr>
                       <a:r>
-                        <a:rPr lang="en-US" sz="2000" b="0" i="0" u="none" strike="noStrike" noProof="0">
+                        <a:rPr lang="en-US" sz="2000" b="0" i="0" u="none" strike="noStrike" noProof="0" dirty="0">
                           <a:solidFill>
                             <a:srgbClr val="000000"/>
                           </a:solidFill>
@@ -11506,7 +11507,7 @@
                         </a:rPr>
                         <a:t>Charles</a:t>
                       </a:r>
-                      <a:endParaRPr lang="en-US" sz="2000"/>
+                      <a:endParaRPr lang="en-US" sz="2000" dirty="0"/>
                     </a:p>
                   </a:txBody>
                   <a:tcPr/>
@@ -11517,7 +11518,7 @@
                     <a:lstStyle/>
                     <a:p>
                       <a:r>
-                        <a:rPr lang="en-US" sz="2000"/>
+                        <a:rPr lang="en-US" sz="2000" dirty="0"/>
                         <a:t>170</a:t>
                       </a:r>
                     </a:p>
@@ -11540,7 +11541,7 @@
                         <a:buNone/>
                       </a:pPr>
                       <a:r>
-                        <a:rPr lang="en-US" sz="2000" b="0" i="0" u="none" strike="noStrike" noProof="0">
+                        <a:rPr lang="en-US" sz="2000" b="0" i="0" u="none" strike="noStrike" noProof="0" dirty="0">
                           <a:solidFill>
                             <a:srgbClr val="000000"/>
                           </a:solidFill>
@@ -11548,7 +11549,7 @@
                         </a:rPr>
                         <a:t>Brandi</a:t>
                       </a:r>
-                      <a:endParaRPr lang="en-US" sz="2000"/>
+                      <a:endParaRPr lang="en-US" sz="2000" dirty="0"/>
                     </a:p>
                   </a:txBody>
                   <a:tcPr/>
@@ -11559,7 +11560,7 @@
                     <a:lstStyle/>
                     <a:p>
                       <a:r>
-                        <a:rPr lang="en-US" sz="2000"/>
+                        <a:rPr lang="en-US" sz="2000" dirty="0"/>
                         <a:t>163</a:t>
                       </a:r>
                     </a:p>
@@ -11582,8 +11583,8 @@
                         <a:buNone/>
                       </a:pPr>
                       <a:r>
-                        <a:rPr lang="en-US" sz="2000" err="1"/>
-                        <a:t>Cunliang</a:t>
+                        <a:rPr lang="en-US" sz="2000" dirty="0"/>
+                        <a:t>Jez</a:t>
                       </a:r>
                     </a:p>
                   </a:txBody>
@@ -11598,7 +11599,7 @@
                         <a:buNone/>
                       </a:pPr>
                       <a:r>
-                        <a:rPr lang="en-US" sz="2000"/>
+                        <a:rPr lang="en-US" sz="2000" dirty="0"/>
                         <a:t>193</a:t>
                       </a:r>
                     </a:p>
@@ -11621,10 +11622,9 @@
                         <a:buNone/>
                       </a:pPr>
                       <a:r>
-                        <a:rPr lang="en-US" sz="2000"/>
-                        <a:t>Dani</a:t>
+                        <a:rPr lang="en-US" sz="2000" dirty="0"/>
+                        <a:t>Dionne</a:t>
                       </a:r>
-                      <a:endParaRPr lang="en-US"/>
                     </a:p>
                   </a:txBody>
                   <a:tcPr/>
@@ -11638,7 +11638,7 @@
                         <a:buNone/>
                       </a:pPr>
                       <a:r>
-                        <a:rPr lang="en-US" sz="2000"/>
+                        <a:rPr lang="en-US" sz="2000" dirty="0"/>
                         <a:t>168</a:t>
                       </a:r>
                     </a:p>

--- a/slides/chapter_1_PET_intro_pictures.pptx
+++ b/slides/chapter_1_PET_intro_pictures.pptx
@@ -5,7 +5,7 @@
     <p:sldMasterId id="2147483660" r:id="rId1"/>
   </p:sldMasterIdLst>
   <p:notesMasterIdLst>
-    <p:notesMasterId r:id="rId14"/>
+    <p:notesMasterId r:id="rId15"/>
   </p:notesMasterIdLst>
   <p:sldIdLst>
     <p:sldId id="267" r:id="rId2"/>
@@ -20,6 +20,7 @@
     <p:sldId id="277" r:id="rId11"/>
     <p:sldId id="279" r:id="rId12"/>
     <p:sldId id="280" r:id="rId13"/>
+    <p:sldId id="281" r:id="rId14"/>
   </p:sldIdLst>
   <p:sldSz cx="12192000" cy="6858000"/>
   <p:notesSz cx="6858000" cy="9144000"/>
@@ -129,10 +130,11 @@
 <file path=ppt/revisionInfo.xml><?xml version="1.0" encoding="utf-8"?>
 <p1510:revInfo xmlns:a="http://schemas.openxmlformats.org/drawingml/2006/main" xmlns:r="http://schemas.openxmlformats.org/officeDocument/2006/relationships" xmlns:p1510="http://schemas.microsoft.com/office/powerpoint/2015/10/main">
   <p1510:revLst>
-    <p1510:client id="{29B45E11-44C7-C472-D27B-888E7AB6330A}" v="146" dt="2024-09-25T09:51:52.340"/>
-    <p1510:client id="{86B4F03C-F518-27EE-3D49-7697C43E39D0}" v="763" dt="2024-09-25T09:58:24.165"/>
-    <p1510:client id="{A77B0E0F-CD3B-E586-4830-6CF3DD1773A0}" v="47" dt="2024-09-25T12:20:34.055"/>
-    <p1510:client id="{F1C00EDB-B352-162E-CE99-5D3EA9B440DD}" v="10" dt="2024-09-25T11:20:56.359"/>
+    <p1510:client id="{1579E94A-335D-2766-1AFB-C4621F2E552D}" v="18" dt="2024-10-01T09:15:18.809"/>
+    <p1510:client id="{3E487141-E486-E6FF-CA59-47D83C95C674}" v="140" dt="2024-10-01T09:12:39.332"/>
+    <p1510:client id="{632A70E9-12EA-FA1E-E705-F179889B0B8A}" v="79" dt="2024-10-01T09:18:33.502"/>
+    <p1510:client id="{9FB44175-986C-A441-F97B-D0E53CAD467D}" v="495" dt="2024-10-01T11:51:01.111"/>
+    <p1510:client id="{A929E680-1F64-277D-B154-78EFC43DE705}" v="16" dt="2024-10-01T09:16:38.403"/>
   </p1510:revLst>
 </p1510:revInfo>
 </file>
@@ -218,7 +220,7 @@
           </a:lstStyle>
           <a:p>
             <a:fld id="{8DDFE0EB-EF8C-458B-BE82-0E49E1AB7123}" type="datetimeFigureOut">
-              <a:t>9/25/2024</a:t>
+              <a:t>10/1/2024</a:t>
             </a:fld>
             <a:endParaRPr lang="en-US"/>
           </a:p>
@@ -708,7 +710,7 @@
           <a:p>
             <a:fld id="{846CE7D5-CF57-46EF-B807-FDD0502418D4}" type="datetimeFigureOut">
               <a:rPr lang="en-US" smtClean="0"/>
-              <a:t>9/25/2024</a:t>
+              <a:t>10/1/2024</a:t>
             </a:fld>
             <a:endParaRPr lang="en-US"/>
           </a:p>
@@ -876,7 +878,7 @@
           <a:p>
             <a:fld id="{846CE7D5-CF57-46EF-B807-FDD0502418D4}" type="datetimeFigureOut">
               <a:rPr lang="en-US" smtClean="0"/>
-              <a:t>9/25/2024</a:t>
+              <a:t>10/1/2024</a:t>
             </a:fld>
             <a:endParaRPr lang="en-US"/>
           </a:p>
@@ -1054,7 +1056,7 @@
           <a:p>
             <a:fld id="{846CE7D5-CF57-46EF-B807-FDD0502418D4}" type="datetimeFigureOut">
               <a:rPr lang="en-US" smtClean="0"/>
-              <a:t>9/25/2024</a:t>
+              <a:t>10/1/2024</a:t>
             </a:fld>
             <a:endParaRPr lang="en-US"/>
           </a:p>
@@ -1222,7 +1224,7 @@
           <a:p>
             <a:fld id="{846CE7D5-CF57-46EF-B807-FDD0502418D4}" type="datetimeFigureOut">
               <a:rPr lang="en-US" smtClean="0"/>
-              <a:t>9/25/2024</a:t>
+              <a:t>10/1/2024</a:t>
             </a:fld>
             <a:endParaRPr lang="en-US"/>
           </a:p>
@@ -1467,7 +1469,7 @@
           <a:p>
             <a:fld id="{846CE7D5-CF57-46EF-B807-FDD0502418D4}" type="datetimeFigureOut">
               <a:rPr lang="en-US" smtClean="0"/>
-              <a:t>9/25/2024</a:t>
+              <a:t>10/1/2024</a:t>
             </a:fld>
             <a:endParaRPr lang="en-US"/>
           </a:p>
@@ -1696,7 +1698,7 @@
           <a:p>
             <a:fld id="{846CE7D5-CF57-46EF-B807-FDD0502418D4}" type="datetimeFigureOut">
               <a:rPr lang="en-US" smtClean="0"/>
-              <a:t>9/25/2024</a:t>
+              <a:t>10/1/2024</a:t>
             </a:fld>
             <a:endParaRPr lang="en-US"/>
           </a:p>
@@ -2060,7 +2062,7 @@
           <a:p>
             <a:fld id="{846CE7D5-CF57-46EF-B807-FDD0502418D4}" type="datetimeFigureOut">
               <a:rPr lang="en-US" smtClean="0"/>
-              <a:t>9/25/2024</a:t>
+              <a:t>10/1/2024</a:t>
             </a:fld>
             <a:endParaRPr lang="en-US"/>
           </a:p>
@@ -2177,7 +2179,7 @@
           <a:p>
             <a:fld id="{846CE7D5-CF57-46EF-B807-FDD0502418D4}" type="datetimeFigureOut">
               <a:rPr lang="en-US" smtClean="0"/>
-              <a:t>9/25/2024</a:t>
+              <a:t>10/1/2024</a:t>
             </a:fld>
             <a:endParaRPr lang="en-US"/>
           </a:p>
@@ -2272,7 +2274,7 @@
           <a:p>
             <a:fld id="{846CE7D5-CF57-46EF-B807-FDD0502418D4}" type="datetimeFigureOut">
               <a:rPr lang="en-US" smtClean="0"/>
-              <a:t>9/25/2024</a:t>
+              <a:t>10/1/2024</a:t>
             </a:fld>
             <a:endParaRPr lang="en-US"/>
           </a:p>
@@ -2547,7 +2549,7 @@
           <a:p>
             <a:fld id="{846CE7D5-CF57-46EF-B807-FDD0502418D4}" type="datetimeFigureOut">
               <a:rPr lang="en-US" smtClean="0"/>
-              <a:t>9/25/2024</a:t>
+              <a:t>10/1/2024</a:t>
             </a:fld>
             <a:endParaRPr lang="en-US"/>
           </a:p>
@@ -2802,7 +2804,7 @@
           <a:p>
             <a:fld id="{846CE7D5-CF57-46EF-B807-FDD0502418D4}" type="datetimeFigureOut">
               <a:rPr lang="en-US" smtClean="0"/>
-              <a:t>9/25/2024</a:t>
+              <a:t>10/1/2024</a:t>
             </a:fld>
             <a:endParaRPr lang="en-US"/>
           </a:p>
@@ -3013,7 +3015,7 @@
           <a:p>
             <a:fld id="{846CE7D5-CF57-46EF-B807-FDD0502418D4}" type="datetimeFigureOut">
               <a:rPr lang="en-US" smtClean="0"/>
-              <a:t>9/25/2024</a:t>
+              <a:t>10/1/2024</a:t>
             </a:fld>
             <a:endParaRPr lang="en-US"/>
           </a:p>
@@ -3572,10 +3574,10 @@
       </p:pic>
       <p:pic>
         <p:nvPicPr>
-          <p:cNvPr id="98" name="Graphic 97" descr="Schoolhouse with solid fill">
-            <a:extLst>
-              <a:ext uri="{FF2B5EF4-FFF2-40B4-BE49-F238E27FC236}">
-                <a16:creationId xmlns:a16="http://schemas.microsoft.com/office/drawing/2014/main" id="{5A803901-3D87-52A4-5FB0-44E5696E4C26}"/>
+          <p:cNvPr id="3" name="Picture 2" descr="A close up of a weight&#10;&#10;Description automatically generated">
+            <a:extLst>
+              <a:ext uri="{FF2B5EF4-FFF2-40B4-BE49-F238E27FC236}">
+                <a16:creationId xmlns:a16="http://schemas.microsoft.com/office/drawing/2014/main" id="{27176B90-892F-D8C5-3702-FD2906AEB4D3}"/>
               </a:ext>
             </a:extLst>
           </p:cNvPr>
@@ -3585,10 +3587,129 @@
           <p:nvPr/>
         </p:nvPicPr>
         <p:blipFill>
-          <a:blip r:embed="rId4">
+          <a:blip r:embed="rId4"/>
+          <a:stretch>
+            <a:fillRect/>
+          </a:stretch>
+        </p:blipFill>
+        <p:spPr>
+          <a:xfrm>
+            <a:off x="1038995" y="4284374"/>
+            <a:ext cx="3219491" cy="1193488"/>
+          </a:xfrm>
+          <a:prstGeom prst="rect">
+            <a:avLst/>
+          </a:prstGeom>
+        </p:spPr>
+      </p:pic>
+      <p:pic>
+        <p:nvPicPr>
+          <p:cNvPr id="4" name="Picture 3" descr="A blue and white box with text&#10;&#10;Description automatically generated">
+            <a:extLst>
+              <a:ext uri="{FF2B5EF4-FFF2-40B4-BE49-F238E27FC236}">
+                <a16:creationId xmlns:a16="http://schemas.microsoft.com/office/drawing/2014/main" id="{06287FBD-30F8-5E3B-52CD-72BD88A878A5}"/>
+              </a:ext>
+            </a:extLst>
+          </p:cNvPr>
+          <p:cNvPicPr>
+            <a:picLocks noChangeAspect="1"/>
+          </p:cNvPicPr>
+          <p:nvPr/>
+        </p:nvPicPr>
+        <p:blipFill>
+          <a:blip r:embed="rId5"/>
+          <a:stretch>
+            <a:fillRect/>
+          </a:stretch>
+        </p:blipFill>
+        <p:spPr>
+          <a:xfrm>
+            <a:off x="1110207" y="1686809"/>
+            <a:ext cx="3215055" cy="1174458"/>
+          </a:xfrm>
+          <a:prstGeom prst="rect">
+            <a:avLst/>
+          </a:prstGeom>
+        </p:spPr>
+      </p:pic>
+      <p:pic>
+        <p:nvPicPr>
+          <p:cNvPr id="6" name="Picture 5" descr="A blue and white box with text&#10;&#10;Description automatically generated">
+            <a:extLst>
+              <a:ext uri="{FF2B5EF4-FFF2-40B4-BE49-F238E27FC236}">
+                <a16:creationId xmlns:a16="http://schemas.microsoft.com/office/drawing/2014/main" id="{7E13C96A-C4E0-A930-C189-4AE516B50279}"/>
+              </a:ext>
+            </a:extLst>
+          </p:cNvPr>
+          <p:cNvPicPr>
+            <a:picLocks noChangeAspect="1"/>
+          </p:cNvPicPr>
+          <p:nvPr/>
+        </p:nvPicPr>
+        <p:blipFill>
+          <a:blip r:embed="rId5"/>
+          <a:stretch>
+            <a:fillRect/>
+          </a:stretch>
+        </p:blipFill>
+        <p:spPr>
+          <a:xfrm>
+            <a:off x="7392060" y="2634662"/>
+            <a:ext cx="3215055" cy="1174458"/>
+          </a:xfrm>
+          <a:prstGeom prst="rect">
+            <a:avLst/>
+          </a:prstGeom>
+        </p:spPr>
+      </p:pic>
+      <p:pic>
+        <p:nvPicPr>
+          <p:cNvPr id="7" name="Picture 6" descr="A close up of a weight&#10;&#10;Description automatically generated">
+            <a:extLst>
+              <a:ext uri="{FF2B5EF4-FFF2-40B4-BE49-F238E27FC236}">
+                <a16:creationId xmlns:a16="http://schemas.microsoft.com/office/drawing/2014/main" id="{BCF4A22D-AA9D-1EF7-F949-ED50CCE77B4F}"/>
+              </a:ext>
+            </a:extLst>
+          </p:cNvPr>
+          <p:cNvPicPr>
+            <a:picLocks noChangeAspect="1"/>
+          </p:cNvPicPr>
+          <p:nvPr/>
+        </p:nvPicPr>
+        <p:blipFill>
+          <a:blip r:embed="rId4"/>
+          <a:srcRect l="-69" t="34715" r="262" b="518"/>
+          <a:stretch/>
+        </p:blipFill>
+        <p:spPr>
+          <a:xfrm>
+            <a:off x="7392950" y="3751592"/>
+            <a:ext cx="3213303" cy="772986"/>
+          </a:xfrm>
+          <a:prstGeom prst="rect">
+            <a:avLst/>
+          </a:prstGeom>
+        </p:spPr>
+      </p:pic>
+      <p:pic>
+        <p:nvPicPr>
+          <p:cNvPr id="98" name="Graphic 97" descr="Schoolhouse with solid fill">
+            <a:extLst>
+              <a:ext uri="{FF2B5EF4-FFF2-40B4-BE49-F238E27FC236}">
+                <a16:creationId xmlns:a16="http://schemas.microsoft.com/office/drawing/2014/main" id="{5A803901-3D87-52A4-5FB0-44E5696E4C26}"/>
+              </a:ext>
+            </a:extLst>
+          </p:cNvPr>
+          <p:cNvPicPr>
+            <a:picLocks noChangeAspect="1"/>
+          </p:cNvPicPr>
+          <p:nvPr/>
+        </p:nvPicPr>
+        <p:blipFill>
+          <a:blip r:embed="rId6">
             <a:extLst>
               <a:ext uri="{96DAC541-7B7A-43D3-8B79-37D633B846F1}">
-                <asvg:svgBlip xmlns:asvg="http://schemas.microsoft.com/office/drawing/2016/SVG/main" r:embed="rId5"/>
+                <asvg:svgBlip xmlns:asvg="http://schemas.microsoft.com/office/drawing/2016/SVG/main" r:embed="rId7"/>
               </a:ext>
             </a:extLst>
           </a:blip>
@@ -3600,126 +3721,6 @@
           <a:xfrm>
             <a:off x="10293179" y="3054179"/>
             <a:ext cx="1065427" cy="1086021"/>
-          </a:xfrm>
-          <a:prstGeom prst="rect">
-            <a:avLst/>
-          </a:prstGeom>
-        </p:spPr>
-      </p:pic>
-      <p:pic>
-        <p:nvPicPr>
-          <p:cNvPr id="7" name="Picture 6" descr="A close-up of numbers&#10;&#10;Description automatically generated">
-            <a:extLst>
-              <a:ext uri="{FF2B5EF4-FFF2-40B4-BE49-F238E27FC236}">
-                <a16:creationId xmlns:a16="http://schemas.microsoft.com/office/drawing/2014/main" id="{655807CC-A593-B81B-F19D-C17ACA6B52AF}"/>
-              </a:ext>
-            </a:extLst>
-          </p:cNvPr>
-          <p:cNvPicPr>
-            <a:picLocks noChangeAspect="1"/>
-          </p:cNvPicPr>
-          <p:nvPr/>
-        </p:nvPicPr>
-        <p:blipFill>
-          <a:blip r:embed="rId6"/>
-          <a:stretch>
-            <a:fillRect/>
-          </a:stretch>
-        </p:blipFill>
-        <p:spPr>
-          <a:xfrm>
-            <a:off x="1127093" y="1974921"/>
-            <a:ext cx="2899617" cy="768197"/>
-          </a:xfrm>
-          <a:prstGeom prst="rect">
-            <a:avLst/>
-          </a:prstGeom>
-        </p:spPr>
-      </p:pic>
-      <p:pic>
-        <p:nvPicPr>
-          <p:cNvPr id="9" name="Picture 8" descr="A close up of numbers&#10;&#10;Description automatically generated">
-            <a:extLst>
-              <a:ext uri="{FF2B5EF4-FFF2-40B4-BE49-F238E27FC236}">
-                <a16:creationId xmlns:a16="http://schemas.microsoft.com/office/drawing/2014/main" id="{200EB985-1BA8-1065-E1DE-2E5C9F2ED0B5}"/>
-              </a:ext>
-            </a:extLst>
-          </p:cNvPr>
-          <p:cNvPicPr>
-            <a:picLocks noChangeAspect="1"/>
-          </p:cNvPicPr>
-          <p:nvPr/>
-        </p:nvPicPr>
-        <p:blipFill>
-          <a:blip r:embed="rId7"/>
-          <a:stretch>
-            <a:fillRect/>
-          </a:stretch>
-        </p:blipFill>
-        <p:spPr>
-          <a:xfrm>
-            <a:off x="1123742" y="4507601"/>
-            <a:ext cx="2890092" cy="787247"/>
-          </a:xfrm>
-          <a:prstGeom prst="rect">
-            <a:avLst/>
-          </a:prstGeom>
-        </p:spPr>
-      </p:pic>
-      <p:pic>
-        <p:nvPicPr>
-          <p:cNvPr id="11" name="Picture 10" descr="A close up of numbers&#10;&#10;Description automatically generated">
-            <a:extLst>
-              <a:ext uri="{FF2B5EF4-FFF2-40B4-BE49-F238E27FC236}">
-                <a16:creationId xmlns:a16="http://schemas.microsoft.com/office/drawing/2014/main" id="{6A37AF49-1150-A909-C087-A9952F6440F4}"/>
-              </a:ext>
-            </a:extLst>
-          </p:cNvPr>
-          <p:cNvPicPr>
-            <a:picLocks noChangeAspect="1"/>
-          </p:cNvPicPr>
-          <p:nvPr/>
-        </p:nvPicPr>
-        <p:blipFill>
-          <a:blip r:embed="rId7"/>
-          <a:stretch>
-            <a:fillRect/>
-          </a:stretch>
-        </p:blipFill>
-        <p:spPr>
-          <a:xfrm>
-            <a:off x="7403356" y="3855769"/>
-            <a:ext cx="2890092" cy="787247"/>
-          </a:xfrm>
-          <a:prstGeom prst="rect">
-            <a:avLst/>
-          </a:prstGeom>
-        </p:spPr>
-      </p:pic>
-      <p:pic>
-        <p:nvPicPr>
-          <p:cNvPr id="10" name="Picture 9" descr="A close-up of numbers&#10;&#10;Description automatically generated">
-            <a:extLst>
-              <a:ext uri="{FF2B5EF4-FFF2-40B4-BE49-F238E27FC236}">
-                <a16:creationId xmlns:a16="http://schemas.microsoft.com/office/drawing/2014/main" id="{1D712DFE-B699-5E26-C6EA-AE3A3B8213B0}"/>
-              </a:ext>
-            </a:extLst>
-          </p:cNvPr>
-          <p:cNvPicPr>
-            <a:picLocks noChangeAspect="1"/>
-          </p:cNvPicPr>
-          <p:nvPr/>
-        </p:nvPicPr>
-        <p:blipFill>
-          <a:blip r:embed="rId6"/>
-          <a:stretch>
-            <a:fillRect/>
-          </a:stretch>
-        </p:blipFill>
-        <p:spPr>
-          <a:xfrm>
-            <a:off x="7406707" y="3085788"/>
-            <a:ext cx="2899617" cy="768197"/>
           </a:xfrm>
           <a:prstGeom prst="rect">
             <a:avLst/>
@@ -4468,37 +4469,37 @@
           <p:nvPr>
             <p:extLst>
               <p:ext uri="{D42A27DB-BD31-4B8C-83A1-F6EECF244321}">
-                <p14:modId xmlns:p14="http://schemas.microsoft.com/office/powerpoint/2010/main" val="3948452364"/>
+                <p14:modId xmlns:p14="http://schemas.microsoft.com/office/powerpoint/2010/main" val="3275498541"/>
               </p:ext>
             </p:extLst>
           </p:nvPr>
         </p:nvGraphicFramePr>
         <p:xfrm>
-          <a:off x="908800" y="863949"/>
-          <a:ext cx="3364104" cy="876300"/>
+          <a:off x="733441" y="357353"/>
+          <a:ext cx="3659301" cy="1234474"/>
         </p:xfrm>
         <a:graphic>
           <a:graphicData uri="http://schemas.openxmlformats.org/drawingml/2006/table">
             <a:tbl>
-              <a:tblPr bandRow="1">
-                <a:tableStyleId>{5C22544A-7EE6-4342-B048-85BDC9FD1C3A}</a:tableStyleId>
+              <a:tblPr firstRow="1" firstCol="1" bandRow="1">
+                <a:tableStyleId>{9DCAF9ED-07DC-4A11-8D7F-57B35C25682E}</a:tableStyleId>
               </a:tblPr>
               <a:tblGrid>
-                <a:gridCol w="1121368">
+                <a:gridCol w="1219767">
                   <a:extLst>
                     <a:ext uri="{9D8B030D-6E8A-4147-A177-3AD203B41FA5}">
                       <a16:colId xmlns:a16="http://schemas.microsoft.com/office/drawing/2014/main" val="2913625203"/>
                     </a:ext>
                   </a:extLst>
                 </a:gridCol>
-                <a:gridCol w="1121368">
+                <a:gridCol w="1219767">
                   <a:extLst>
                     <a:ext uri="{9D8B030D-6E8A-4147-A177-3AD203B41FA5}">
                       <a16:colId xmlns:a16="http://schemas.microsoft.com/office/drawing/2014/main" val="2558964253"/>
                     </a:ext>
                   </a:extLst>
                 </a:gridCol>
-                <a:gridCol w="1121368">
+                <a:gridCol w="1219767">
                   <a:extLst>
                     <a:ext uri="{9D8B030D-6E8A-4147-A177-3AD203B41FA5}">
                       <a16:colId xmlns:a16="http://schemas.microsoft.com/office/drawing/2014/main" val="1977891800"/>
@@ -4506,500 +4507,26 @@
                   </a:extLst>
                 </a:gridCol>
               </a:tblGrid>
-              <a:tr h="438150">
+              <a:tr h="398162">
                 <a:tc>
                   <a:txBody>
                     <a:bodyPr/>
                     <a:lstStyle/>
                     <a:p>
-                      <a:pPr fontAlgn="base">
+                      <a:pPr lvl="0">
                         <a:lnSpc>
                           <a:spcPts val="2400"/>
                         </a:lnSpc>
+                        <a:buNone/>
                       </a:pPr>
                       <a:r>
                         <a:rPr lang="en-US" sz="2000">
-                          <a:effectLst/>
-                          <a:latin typeface="Aptos" panose="020B0004020202020204" pitchFamily="34" charset="0"/>
-                        </a:rPr>
-                        <a:t>Charles</a:t>
-                      </a:r>
-                      <a:endParaRPr lang="en-US">
-                        <a:effectLst/>
-                      </a:endParaRPr>
-                    </a:p>
-                  </a:txBody>
-                  <a:tcPr>
-                    <a:lnL w="13173" cap="flat" cmpd="sng" algn="ctr">
-                      <a:solidFill>
-                        <a:srgbClr val="FFFFFF"/>
-                      </a:solidFill>
-                      <a:prstDash val="solid"/>
-                      <a:round/>
-                      <a:headEnd type="none" w="med" len="med"/>
-                      <a:tailEnd type="none" w="med" len="med"/>
-                    </a:lnL>
-                    <a:lnR w="13173" cap="flat" cmpd="sng" algn="ctr">
-                      <a:solidFill>
-                        <a:srgbClr val="FFFFFF"/>
-                      </a:solidFill>
-                      <a:prstDash val="solid"/>
-                      <a:round/>
-                      <a:headEnd type="none" w="med" len="med"/>
-                      <a:tailEnd type="none" w="med" len="med"/>
-                    </a:lnR>
-                    <a:lnT w="13173" cap="flat" cmpd="sng" algn="ctr">
-                      <a:solidFill>
-                        <a:srgbClr val="FFFFFF"/>
-                      </a:solidFill>
-                      <a:prstDash val="solid"/>
-                      <a:round/>
-                      <a:headEnd type="none" w="med" len="med"/>
-                      <a:tailEnd type="none" w="med" len="med"/>
-                    </a:lnT>
-                    <a:lnB w="13173" cap="flat" cmpd="sng" algn="ctr">
-                      <a:solidFill>
-                        <a:srgbClr val="FFFFFF"/>
-                      </a:solidFill>
-                      <a:prstDash val="solid"/>
-                      <a:round/>
-                      <a:headEnd type="none" w="med" len="med"/>
-                      <a:tailEnd type="none" w="med" len="med"/>
-                    </a:lnB>
-                    <a:solidFill>
-                      <a:srgbClr val="F7D5CD"/>
-                    </a:solidFill>
-                  </a:tcPr>
-                </a:tc>
-                <a:tc>
-                  <a:txBody>
-                    <a:bodyPr/>
-                    <a:lstStyle/>
-                    <a:p>
-                      <a:pPr fontAlgn="base">
-                        <a:lnSpc>
-                          <a:spcPts val="2400"/>
-                        </a:lnSpc>
-                      </a:pPr>
-                      <a:r>
-                        <a:rPr lang="en-US" sz="2000">
-                          <a:effectLst/>
-                          <a:latin typeface="Aptos" panose="020B0004020202020204" pitchFamily="34" charset="0"/>
-                        </a:rPr>
-                        <a:t>50</a:t>
-                      </a:r>
-                      <a:endParaRPr lang="en-US">
-                        <a:effectLst/>
-                      </a:endParaRPr>
-                    </a:p>
-                  </a:txBody>
-                  <a:tcPr>
-                    <a:lnL w="13173" cap="flat" cmpd="sng" algn="ctr">
-                      <a:solidFill>
-                        <a:srgbClr val="FFFFFF"/>
-                      </a:solidFill>
-                      <a:prstDash val="solid"/>
-                      <a:round/>
-                      <a:headEnd type="none" w="med" len="med"/>
-                      <a:tailEnd type="none" w="med" len="med"/>
-                    </a:lnL>
-                    <a:lnR w="13173" cap="flat" cmpd="sng" algn="ctr">
-                      <a:solidFill>
-                        <a:srgbClr val="FFFFFF"/>
-                      </a:solidFill>
-                      <a:prstDash val="solid"/>
-                      <a:round/>
-                      <a:headEnd type="none" w="med" len="med"/>
-                      <a:tailEnd type="none" w="med" len="med"/>
-                    </a:lnR>
-                    <a:lnT w="13173" cap="flat" cmpd="sng" algn="ctr">
-                      <a:solidFill>
-                        <a:srgbClr val="FFFFFF"/>
-                      </a:solidFill>
-                      <a:prstDash val="solid"/>
-                      <a:round/>
-                      <a:headEnd type="none" w="med" len="med"/>
-                      <a:tailEnd type="none" w="med" len="med"/>
-                    </a:lnT>
-                    <a:lnB w="13173" cap="flat" cmpd="sng" algn="ctr">
-                      <a:solidFill>
-                        <a:srgbClr val="FFFFFF"/>
-                      </a:solidFill>
-                      <a:prstDash val="solid"/>
-                      <a:round/>
-                      <a:headEnd type="none" w="med" len="med"/>
-                      <a:tailEnd type="none" w="med" len="med"/>
-                    </a:lnB>
-                    <a:solidFill>
-                      <a:srgbClr val="F7D5CD"/>
-                    </a:solidFill>
-                  </a:tcPr>
-                </a:tc>
-                <a:tc>
-                  <a:txBody>
-                    <a:bodyPr/>
-                    <a:lstStyle/>
-                    <a:p>
-                      <a:pPr fontAlgn="base">
-                        <a:lnSpc>
-                          <a:spcPts val="2400"/>
-                        </a:lnSpc>
-                      </a:pPr>
-                      <a:r>
-                        <a:rPr lang="en-US" sz="2000">
-                          <a:effectLst/>
-                          <a:latin typeface="Aptos" panose="020B0004020202020204" pitchFamily="34" charset="0"/>
-                        </a:rPr>
-                        <a:t>170</a:t>
-                      </a:r>
-                      <a:endParaRPr lang="en-US">
-                        <a:effectLst/>
-                      </a:endParaRPr>
-                    </a:p>
-                  </a:txBody>
-                  <a:tcPr>
-                    <a:lnL w="13173" cap="flat" cmpd="sng" algn="ctr">
-                      <a:solidFill>
-                        <a:srgbClr val="FFFFFF"/>
-                      </a:solidFill>
-                      <a:prstDash val="solid"/>
-                      <a:round/>
-                      <a:headEnd type="none" w="med" len="med"/>
-                      <a:tailEnd type="none" w="med" len="med"/>
-                    </a:lnL>
-                    <a:lnR w="13173" cap="flat" cmpd="sng" algn="ctr">
-                      <a:solidFill>
-                        <a:srgbClr val="FFFFFF"/>
-                      </a:solidFill>
-                      <a:prstDash val="solid"/>
-                      <a:round/>
-                      <a:headEnd type="none" w="med" len="med"/>
-                      <a:tailEnd type="none" w="med" len="med"/>
-                    </a:lnR>
-                    <a:lnT w="13173" cap="flat" cmpd="sng" algn="ctr">
-                      <a:solidFill>
-                        <a:srgbClr val="FFFFFF"/>
-                      </a:solidFill>
-                      <a:prstDash val="solid"/>
-                      <a:round/>
-                      <a:headEnd type="none" w="med" len="med"/>
-                      <a:tailEnd type="none" w="med" len="med"/>
-                    </a:lnT>
-                    <a:lnB w="13173" cap="flat" cmpd="sng" algn="ctr">
-                      <a:solidFill>
-                        <a:srgbClr val="FFFFFF"/>
-                      </a:solidFill>
-                      <a:prstDash val="solid"/>
-                      <a:round/>
-                      <a:headEnd type="none" w="med" len="med"/>
-                      <a:tailEnd type="none" w="med" len="med"/>
-                    </a:lnB>
-                    <a:solidFill>
-                      <a:srgbClr val="F7D5CD"/>
-                    </a:solidFill>
-                  </a:tcPr>
-                </a:tc>
-                <a:extLst>
-                  <a:ext uri="{0D108BD9-81ED-4DB2-BD59-A6C34878D82A}">
-                    <a16:rowId xmlns:a16="http://schemas.microsoft.com/office/drawing/2014/main" val="662868256"/>
-                  </a:ext>
-                </a:extLst>
-              </a:tr>
-              <a:tr h="438150">
-                <a:tc>
-                  <a:txBody>
-                    <a:bodyPr/>
-                    <a:lstStyle/>
-                    <a:p>
-                      <a:pPr fontAlgn="base">
-                        <a:lnSpc>
-                          <a:spcPts val="2400"/>
-                        </a:lnSpc>
-                      </a:pPr>
-                      <a:r>
-                        <a:rPr lang="en-US" sz="2000">
-                          <a:effectLst/>
-                          <a:latin typeface="Aptos" panose="020B0004020202020204" pitchFamily="34" charset="0"/>
-                        </a:rPr>
-                        <a:t>Brandi</a:t>
-                      </a:r>
-                      <a:endParaRPr lang="en-US">
-                        <a:effectLst/>
-                      </a:endParaRPr>
-                    </a:p>
-                  </a:txBody>
-                  <a:tcPr>
-                    <a:lnL w="13173" cap="flat" cmpd="sng" algn="ctr">
-                      <a:solidFill>
-                        <a:srgbClr val="FFFFFF"/>
-                      </a:solidFill>
-                      <a:prstDash val="solid"/>
-                      <a:round/>
-                      <a:headEnd type="none" w="med" len="med"/>
-                      <a:tailEnd type="none" w="med" len="med"/>
-                    </a:lnL>
-                    <a:lnR w="13173" cap="flat" cmpd="sng" algn="ctr">
-                      <a:solidFill>
-                        <a:srgbClr val="FFFFFF"/>
-                      </a:solidFill>
-                      <a:prstDash val="solid"/>
-                      <a:round/>
-                      <a:headEnd type="none" w="med" len="med"/>
-                      <a:tailEnd type="none" w="med" len="med"/>
-                    </a:lnR>
-                    <a:lnT w="13173" cap="flat" cmpd="sng" algn="ctr">
-                      <a:solidFill>
-                        <a:srgbClr val="FFFFFF"/>
-                      </a:solidFill>
-                      <a:prstDash val="solid"/>
-                      <a:round/>
-                      <a:headEnd type="none" w="med" len="med"/>
-                      <a:tailEnd type="none" w="med" len="med"/>
-                    </a:lnT>
-                    <a:lnB w="13173" cap="flat" cmpd="sng" algn="ctr">
-                      <a:solidFill>
-                        <a:srgbClr val="FFFFFF"/>
-                      </a:solidFill>
-                      <a:prstDash val="solid"/>
-                      <a:round/>
-                      <a:headEnd type="none" w="med" len="med"/>
-                      <a:tailEnd type="none" w="med" len="med"/>
-                    </a:lnB>
-                    <a:solidFill>
-                      <a:srgbClr val="FBEBE8"/>
-                    </a:solidFill>
-                  </a:tcPr>
-                </a:tc>
-                <a:tc>
-                  <a:txBody>
-                    <a:bodyPr/>
-                    <a:lstStyle/>
-                    <a:p>
-                      <a:pPr fontAlgn="base">
-                        <a:lnSpc>
-                          <a:spcPts val="2400"/>
-                        </a:lnSpc>
-                      </a:pPr>
-                      <a:r>
-                        <a:rPr lang="en-US" sz="2000">
-                          <a:effectLst/>
-                          <a:latin typeface="Aptos" panose="020B0004020202020204" pitchFamily="34" charset="0"/>
-                        </a:rPr>
-                        <a:t>45</a:t>
-                      </a:r>
-                      <a:endParaRPr lang="en-US">
-                        <a:effectLst/>
-                      </a:endParaRPr>
-                    </a:p>
-                  </a:txBody>
-                  <a:tcPr>
-                    <a:lnL w="13173" cap="flat" cmpd="sng" algn="ctr">
-                      <a:solidFill>
-                        <a:srgbClr val="FFFFFF"/>
-                      </a:solidFill>
-                      <a:prstDash val="solid"/>
-                      <a:round/>
-                      <a:headEnd type="none" w="med" len="med"/>
-                      <a:tailEnd type="none" w="med" len="med"/>
-                    </a:lnL>
-                    <a:lnR w="13173" cap="flat" cmpd="sng" algn="ctr">
-                      <a:solidFill>
-                        <a:srgbClr val="FFFFFF"/>
-                      </a:solidFill>
-                      <a:prstDash val="solid"/>
-                      <a:round/>
-                      <a:headEnd type="none" w="med" len="med"/>
-                      <a:tailEnd type="none" w="med" len="med"/>
-                    </a:lnR>
-                    <a:lnT w="13173" cap="flat" cmpd="sng" algn="ctr">
-                      <a:solidFill>
-                        <a:srgbClr val="FFFFFF"/>
-                      </a:solidFill>
-                      <a:prstDash val="solid"/>
-                      <a:round/>
-                      <a:headEnd type="none" w="med" len="med"/>
-                      <a:tailEnd type="none" w="med" len="med"/>
-                    </a:lnT>
-                    <a:lnB w="13173" cap="flat" cmpd="sng" algn="ctr">
-                      <a:solidFill>
-                        <a:srgbClr val="FFFFFF"/>
-                      </a:solidFill>
-                      <a:prstDash val="solid"/>
-                      <a:round/>
-                      <a:headEnd type="none" w="med" len="med"/>
-                      <a:tailEnd type="none" w="med" len="med"/>
-                    </a:lnB>
-                    <a:solidFill>
-                      <a:srgbClr val="FBEBE8"/>
-                    </a:solidFill>
-                  </a:tcPr>
-                </a:tc>
-                <a:tc>
-                  <a:txBody>
-                    <a:bodyPr/>
-                    <a:lstStyle/>
-                    <a:p>
-                      <a:pPr fontAlgn="base">
-                        <a:lnSpc>
-                          <a:spcPts val="2400"/>
-                        </a:lnSpc>
-                      </a:pPr>
-                      <a:r>
-                        <a:rPr lang="en-US" sz="2000">
-                          <a:effectLst/>
-                          <a:latin typeface="Aptos" panose="020B0004020202020204" pitchFamily="34" charset="0"/>
-                        </a:rPr>
-                        <a:t>163</a:t>
-                      </a:r>
-                      <a:endParaRPr lang="en-US">
-                        <a:effectLst/>
-                      </a:endParaRPr>
-                    </a:p>
-                  </a:txBody>
-                  <a:tcPr>
-                    <a:lnL w="13173" cap="flat" cmpd="sng" algn="ctr">
-                      <a:solidFill>
-                        <a:srgbClr val="FFFFFF"/>
-                      </a:solidFill>
-                      <a:prstDash val="solid"/>
-                      <a:round/>
-                      <a:headEnd type="none" w="med" len="med"/>
-                      <a:tailEnd type="none" w="med" len="med"/>
-                    </a:lnL>
-                    <a:lnR w="13173" cap="flat" cmpd="sng" algn="ctr">
-                      <a:solidFill>
-                        <a:srgbClr val="FFFFFF"/>
-                      </a:solidFill>
-                      <a:prstDash val="solid"/>
-                      <a:round/>
-                      <a:headEnd type="none" w="med" len="med"/>
-                      <a:tailEnd type="none" w="med" len="med"/>
-                    </a:lnR>
-                    <a:lnT w="13173" cap="flat" cmpd="sng" algn="ctr">
-                      <a:solidFill>
-                        <a:srgbClr val="FFFFFF"/>
-                      </a:solidFill>
-                      <a:prstDash val="solid"/>
-                      <a:round/>
-                      <a:headEnd type="none" w="med" len="med"/>
-                      <a:tailEnd type="none" w="med" len="med"/>
-                    </a:lnT>
-                    <a:lnB w="13173" cap="flat" cmpd="sng" algn="ctr">
-                      <a:solidFill>
-                        <a:srgbClr val="FFFFFF"/>
-                      </a:solidFill>
-                      <a:prstDash val="solid"/>
-                      <a:round/>
-                      <a:headEnd type="none" w="med" len="med"/>
-                      <a:tailEnd type="none" w="med" len="med"/>
-                    </a:lnB>
-                    <a:solidFill>
-                      <a:srgbClr val="FBEBE8"/>
-                    </a:solidFill>
-                  </a:tcPr>
-                </a:tc>
-                <a:extLst>
-                  <a:ext uri="{0D108BD9-81ED-4DB2-BD59-A6C34878D82A}">
-                    <a16:rowId xmlns:a16="http://schemas.microsoft.com/office/drawing/2014/main" val="2347825567"/>
-                  </a:ext>
-                </a:extLst>
-              </a:tr>
-            </a:tbl>
-          </a:graphicData>
-        </a:graphic>
-      </p:graphicFrame>
-      <p:graphicFrame>
-        <p:nvGraphicFramePr>
-          <p:cNvPr id="10" name="Table 9">
-            <a:extLst>
-              <a:ext uri="{FF2B5EF4-FFF2-40B4-BE49-F238E27FC236}">
-                <a16:creationId xmlns:a16="http://schemas.microsoft.com/office/drawing/2014/main" id="{B417BD9B-9844-5293-D64E-098130E5C477}"/>
-              </a:ext>
-            </a:extLst>
-          </p:cNvPr>
-          <p:cNvGraphicFramePr>
-            <a:graphicFrameLocks noGrp="1"/>
-          </p:cNvGraphicFramePr>
-          <p:nvPr>
-            <p:extLst>
-              <p:ext uri="{D42A27DB-BD31-4B8C-83A1-F6EECF244321}">
-                <p14:modId xmlns:p14="http://schemas.microsoft.com/office/powerpoint/2010/main" val="3340040740"/>
-              </p:ext>
-            </p:extLst>
-          </p:nvPr>
-        </p:nvGraphicFramePr>
-        <p:xfrm>
-          <a:off x="908799" y="3777970"/>
-          <a:ext cx="3364161" cy="876300"/>
-        </p:xfrm>
-        <a:graphic>
-          <a:graphicData uri="http://schemas.openxmlformats.org/drawingml/2006/table">
-            <a:tbl>
-              <a:tblPr bandRow="1">
-                <a:tableStyleId>{00A15C55-8517-42AA-B614-E9B94910E393}</a:tableStyleId>
-              </a:tblPr>
-              <a:tblGrid>
-                <a:gridCol w="1121387">
-                  <a:extLst>
-                    <a:ext uri="{9D8B030D-6E8A-4147-A177-3AD203B41FA5}">
-                      <a16:colId xmlns:a16="http://schemas.microsoft.com/office/drawing/2014/main" val="2913625203"/>
-                    </a:ext>
-                  </a:extLst>
-                </a:gridCol>
-                <a:gridCol w="1121387">
-                  <a:extLst>
-                    <a:ext uri="{9D8B030D-6E8A-4147-A177-3AD203B41FA5}">
-                      <a16:colId xmlns:a16="http://schemas.microsoft.com/office/drawing/2014/main" val="2558964253"/>
-                    </a:ext>
-                  </a:extLst>
-                </a:gridCol>
-                <a:gridCol w="1121387">
-                  <a:extLst>
-                    <a:ext uri="{9D8B030D-6E8A-4147-A177-3AD203B41FA5}">
-                      <a16:colId xmlns:a16="http://schemas.microsoft.com/office/drawing/2014/main" val="1977891800"/>
-                    </a:ext>
-                  </a:extLst>
-                </a:gridCol>
-              </a:tblGrid>
-              <a:tr h="438150">
-                <a:tc>
-                  <a:txBody>
-                    <a:bodyPr/>
-                    <a:lstStyle/>
-                    <a:p>
-                      <a:pPr fontAlgn="base">
-                        <a:lnSpc>
-                          <a:spcPts val="2400"/>
-                        </a:lnSpc>
-                      </a:pPr>
-                      <a:r>
-                        <a:rPr lang="en-US" sz="2000">
+                          <a:solidFill>
+                            <a:schemeClr val="bg1"/>
+                          </a:solidFill>
                           <a:effectLst/>
                         </a:rPr>
-                        <a:t>Bahati</a:t>
-                      </a:r>
-                      <a:endParaRPr lang="en-US">
-                        <a:effectLst/>
-                      </a:endParaRPr>
-                    </a:p>
-                  </a:txBody>
-                  <a:tcPr/>
-                </a:tc>
-                <a:tc>
-                  <a:txBody>
-                    <a:bodyPr/>
-                    <a:lstStyle/>
-                    <a:p>
-                      <a:pPr fontAlgn="base">
-                        <a:lnSpc>
-                          <a:spcPts val="2400"/>
-                        </a:lnSpc>
-                      </a:pPr>
-                      <a:r>
-                        <a:rPr lang="en-US" sz="2000">
-                          <a:effectLst/>
-                        </a:rPr>
-                        <a:t>20</a:t>
+                        <a:t>Name</a:t>
                       </a:r>
                     </a:p>
                   </a:txBody>
@@ -5020,9 +4547,111 @@
                         <a:rPr lang="en-US" sz="2000">
                           <a:effectLst/>
                         </a:rPr>
-                        <a:t>180</a:t>
+                        <a:t>Weight</a:t>
                       </a:r>
-                      <a:endParaRPr lang="en-US"/>
+                    </a:p>
+                  </a:txBody>
+                  <a:tcPr/>
+                </a:tc>
+                <a:tc>
+                  <a:txBody>
+                    <a:bodyPr/>
+                    <a:lstStyle/>
+                    <a:p>
+                      <a:pPr lvl="0">
+                        <a:lnSpc>
+                          <a:spcPts val="2400"/>
+                        </a:lnSpc>
+                        <a:buNone/>
+                      </a:pPr>
+                      <a:r>
+                        <a:rPr lang="en-US" sz="2000">
+                          <a:effectLst/>
+                        </a:rPr>
+                        <a:t>Height</a:t>
+                      </a:r>
+                    </a:p>
+                  </a:txBody>
+                  <a:tcPr/>
+                </a:tc>
+                <a:extLst>
+                  <a:ext uri="{0D108BD9-81ED-4DB2-BD59-A6C34878D82A}">
+                    <a16:rowId xmlns:a16="http://schemas.microsoft.com/office/drawing/2014/main" val="1662013796"/>
+                  </a:ext>
+                </a:extLst>
+              </a:tr>
+              <a:tr h="398162">
+                <a:tc>
+                  <a:txBody>
+                    <a:bodyPr/>
+                    <a:lstStyle/>
+                    <a:p>
+                      <a:pPr fontAlgn="base">
+                        <a:lnSpc>
+                          <a:spcPts val="2400"/>
+                        </a:lnSpc>
+                      </a:pPr>
+                      <a:r>
+                        <a:rPr lang="en-US" sz="2000" b="1">
+                          <a:solidFill>
+                            <a:schemeClr val="tx1"/>
+                          </a:solidFill>
+                          <a:effectLst/>
+                        </a:rPr>
+                        <a:t>Charles</a:t>
+                      </a:r>
+                      <a:endParaRPr lang="en-US" b="1">
+                        <a:solidFill>
+                          <a:schemeClr val="tx1"/>
+                        </a:solidFill>
+                        <a:effectLst/>
+                      </a:endParaRPr>
+                    </a:p>
+                  </a:txBody>
+                  <a:tcPr/>
+                </a:tc>
+                <a:tc>
+                  <a:txBody>
+                    <a:bodyPr/>
+                    <a:lstStyle/>
+                    <a:p>
+                      <a:pPr fontAlgn="base">
+                        <a:lnSpc>
+                          <a:spcPts val="2400"/>
+                        </a:lnSpc>
+                      </a:pPr>
+                      <a:r>
+                        <a:rPr lang="en-US" sz="2000" b="0">
+                          <a:effectLst/>
+                        </a:rPr>
+                        <a:t>50</a:t>
+                      </a:r>
+                      <a:endParaRPr lang="en-US" b="0">
+                        <a:effectLst/>
+                      </a:endParaRPr>
+                    </a:p>
+                  </a:txBody>
+                  <a:tcPr/>
+                </a:tc>
+                <a:tc>
+                  <a:txBody>
+                    <a:bodyPr/>
+                    <a:lstStyle/>
+                    <a:p>
+                      <a:pPr fontAlgn="base">
+                        <a:lnSpc>
+                          <a:spcPts val="2400"/>
+                        </a:lnSpc>
+                      </a:pPr>
+                      <a:r>
+                        <a:rPr lang="en-US" sz="2000" b="0">
+                          <a:effectLst/>
+                        </a:rPr>
+                        <a:t>170</a:t>
+                      </a:r>
+                      <a:endParaRPr lang="en-US" b="0">
+                        <a:effectLst/>
+                      </a:endParaRPr>
                     </a:p>
                   </a:txBody>
                   <a:tcPr/>
@@ -5045,12 +4674,12 @@
                         </a:lnSpc>
                       </a:pPr>
                       <a:r>
-                        <a:rPr lang="en-US" sz="2000">
+                        <a:rPr lang="en-US" sz="2000" b="1">
                           <a:effectLst/>
                         </a:rPr>
-                        <a:t>Winifred</a:t>
+                        <a:t>Brandi</a:t>
                       </a:r>
-                      <a:endParaRPr lang="en-US">
+                      <a:endParaRPr lang="en-US" b="1">
                         <a:effectLst/>
                       </a:endParaRPr>
                     </a:p>
@@ -5068,10 +4697,476 @@
                         </a:lnSpc>
                       </a:pPr>
                       <a:r>
+                        <a:rPr lang="en-US" sz="2000" b="0">
+                          <a:effectLst/>
+                        </a:rPr>
+                        <a:t>45</a:t>
+                      </a:r>
+                      <a:endParaRPr lang="en-US" b="0">
+                        <a:effectLst/>
+                      </a:endParaRPr>
+                    </a:p>
+                  </a:txBody>
+                  <a:tcPr/>
+                </a:tc>
+                <a:tc>
+                  <a:txBody>
+                    <a:bodyPr/>
+                    <a:lstStyle/>
+                    <a:p>
+                      <a:pPr fontAlgn="base">
+                        <a:lnSpc>
+                          <a:spcPts val="2400"/>
+                        </a:lnSpc>
+                      </a:pPr>
+                      <a:r>
+                        <a:rPr lang="en-US" sz="2000" b="0">
+                          <a:effectLst/>
+                        </a:rPr>
+                        <a:t>163</a:t>
+                      </a:r>
+                      <a:endParaRPr lang="en-US" b="0">
+                        <a:effectLst/>
+                      </a:endParaRPr>
+                    </a:p>
+                  </a:txBody>
+                  <a:tcPr/>
+                </a:tc>
+                <a:extLst>
+                  <a:ext uri="{0D108BD9-81ED-4DB2-BD59-A6C34878D82A}">
+                    <a16:rowId xmlns:a16="http://schemas.microsoft.com/office/drawing/2014/main" val="2347825567"/>
+                  </a:ext>
+                </a:extLst>
+              </a:tr>
+            </a:tbl>
+          </a:graphicData>
+        </a:graphic>
+      </p:graphicFrame>
+      <p:graphicFrame>
+        <p:nvGraphicFramePr>
+          <p:cNvPr id="3" name="Table 2">
+            <a:extLst>
+              <a:ext uri="{FF2B5EF4-FFF2-40B4-BE49-F238E27FC236}">
+                <a16:creationId xmlns:a16="http://schemas.microsoft.com/office/drawing/2014/main" id="{82D42FEF-4298-CFF2-6892-B42466C7A885}"/>
+              </a:ext>
+            </a:extLst>
+          </p:cNvPr>
+          <p:cNvGraphicFramePr>
+            <a:graphicFrameLocks noGrp="1"/>
+          </p:cNvGraphicFramePr>
+          <p:nvPr>
+            <p:extLst>
+              <p:ext uri="{D42A27DB-BD31-4B8C-83A1-F6EECF244321}">
+                <p14:modId xmlns:p14="http://schemas.microsoft.com/office/powerpoint/2010/main" val="2765604220"/>
+              </p:ext>
+            </p:extLst>
+          </p:nvPr>
+        </p:nvGraphicFramePr>
+        <p:xfrm>
+          <a:off x="734763" y="3076274"/>
+          <a:ext cx="3656892" cy="1234474"/>
+        </p:xfrm>
+        <a:graphic>
+          <a:graphicData uri="http://schemas.openxmlformats.org/drawingml/2006/table">
+            <a:tbl>
+              <a:tblPr firstRow="1" firstCol="1" bandRow="1">
+                <a:tableStyleId>{1E171933-4619-4E11-9A3F-F7608DF75F80}</a:tableStyleId>
+              </a:tblPr>
+              <a:tblGrid>
+                <a:gridCol w="1218964">
+                  <a:extLst>
+                    <a:ext uri="{9D8B030D-6E8A-4147-A177-3AD203B41FA5}">
+                      <a16:colId xmlns:a16="http://schemas.microsoft.com/office/drawing/2014/main" val="2913625203"/>
+                    </a:ext>
+                  </a:extLst>
+                </a:gridCol>
+                <a:gridCol w="1218964">
+                  <a:extLst>
+                    <a:ext uri="{9D8B030D-6E8A-4147-A177-3AD203B41FA5}">
+                      <a16:colId xmlns:a16="http://schemas.microsoft.com/office/drawing/2014/main" val="2558964253"/>
+                    </a:ext>
+                  </a:extLst>
+                </a:gridCol>
+                <a:gridCol w="1218964">
+                  <a:extLst>
+                    <a:ext uri="{9D8B030D-6E8A-4147-A177-3AD203B41FA5}">
+                      <a16:colId xmlns:a16="http://schemas.microsoft.com/office/drawing/2014/main" val="1977891800"/>
+                    </a:ext>
+                  </a:extLst>
+                </a:gridCol>
+              </a:tblGrid>
+              <a:tr h="398162">
+                <a:tc>
+                  <a:txBody>
+                    <a:bodyPr/>
+                    <a:lstStyle/>
+                    <a:p>
+                      <a:pPr lvl="0">
+                        <a:lnSpc>
+                          <a:spcPts val="2400"/>
+                        </a:lnSpc>
+                        <a:buNone/>
+                      </a:pPr>
+                      <a:r>
+                        <a:rPr lang="en-US" sz="2000" dirty="0">
+                          <a:solidFill>
+                            <a:srgbClr val="FFFFFF"/>
+                          </a:solidFill>
+                          <a:effectLst/>
+                        </a:rPr>
+                        <a:t>Name</a:t>
+                      </a:r>
+                    </a:p>
+                  </a:txBody>
+                  <a:tcPr/>
+                </a:tc>
+                <a:tc>
+                  <a:txBody>
+                    <a:bodyPr/>
+                    <a:lstStyle/>
+                    <a:p>
+                      <a:pPr lvl="0">
+                        <a:lnSpc>
+                          <a:spcPts val="2400"/>
+                        </a:lnSpc>
+                        <a:buNone/>
+                      </a:pPr>
+                      <a:r>
+                        <a:rPr lang="en-US" sz="2000" dirty="0">
+                          <a:effectLst/>
+                        </a:rPr>
+                        <a:t>Weight</a:t>
+                      </a:r>
+                    </a:p>
+                  </a:txBody>
+                  <a:tcPr/>
+                </a:tc>
+                <a:tc>
+                  <a:txBody>
+                    <a:bodyPr/>
+                    <a:lstStyle/>
+                    <a:p>
+                      <a:pPr lvl="0">
+                        <a:lnSpc>
+                          <a:spcPts val="2400"/>
+                        </a:lnSpc>
+                        <a:buNone/>
+                      </a:pPr>
+                      <a:r>
+                        <a:rPr lang="en-US" sz="2000" dirty="0">
+                          <a:effectLst/>
+                        </a:rPr>
+                        <a:t>Height</a:t>
+                      </a:r>
+                    </a:p>
+                  </a:txBody>
+                  <a:tcPr/>
+                </a:tc>
+                <a:extLst>
+                  <a:ext uri="{0D108BD9-81ED-4DB2-BD59-A6C34878D82A}">
+                    <a16:rowId xmlns:a16="http://schemas.microsoft.com/office/drawing/2014/main" val="1662013796"/>
+                  </a:ext>
+                </a:extLst>
+              </a:tr>
+              <a:tr h="398162">
+                <a:tc>
+                  <a:txBody>
+                    <a:bodyPr/>
+                    <a:lstStyle/>
+                    <a:p>
+                      <a:pPr lvl="0">
+                        <a:lnSpc>
+                          <a:spcPts val="2400"/>
+                        </a:lnSpc>
+                        <a:buNone/>
+                      </a:pPr>
+                      <a:r>
+                        <a:rPr lang="en-US" sz="2000" dirty="0">
+                          <a:effectLst/>
+                        </a:rPr>
+                        <a:t>Bahati</a:t>
+                      </a:r>
+                      <a:endParaRPr lang="en-US" dirty="0">
+                        <a:effectLst/>
+                      </a:endParaRPr>
+                    </a:p>
+                  </a:txBody>
+                  <a:tcPr/>
+                </a:tc>
+                <a:tc>
+                  <a:txBody>
+                    <a:bodyPr/>
+                    <a:lstStyle/>
+                    <a:p>
+                      <a:pPr lvl="0">
+                        <a:lnSpc>
+                          <a:spcPts val="2400"/>
+                        </a:lnSpc>
+                        <a:buNone/>
+                      </a:pPr>
+                      <a:r>
+                        <a:rPr lang="en-US" sz="2000" dirty="0">
+                          <a:effectLst/>
+                        </a:rPr>
+                        <a:t>20</a:t>
+                      </a:r>
+                      <a:endParaRPr lang="en-US" dirty="0"/>
+                    </a:p>
+                  </a:txBody>
+                  <a:tcPr/>
+                </a:tc>
+                <a:tc>
+                  <a:txBody>
+                    <a:bodyPr/>
+                    <a:lstStyle/>
+                    <a:p>
+                      <a:pPr lvl="0">
+                        <a:lnSpc>
+                          <a:spcPts val="2400"/>
+                        </a:lnSpc>
+                        <a:buNone/>
+                      </a:pPr>
+                      <a:r>
+                        <a:rPr lang="en-US" sz="2000" dirty="0">
+                          <a:effectLst/>
+                        </a:rPr>
+                        <a:t>180</a:t>
+                      </a:r>
+                      <a:endParaRPr lang="en-US" dirty="0"/>
+                    </a:p>
+                  </a:txBody>
+                  <a:tcPr/>
+                </a:tc>
+                <a:extLst>
+                  <a:ext uri="{0D108BD9-81ED-4DB2-BD59-A6C34878D82A}">
+                    <a16:rowId xmlns:a16="http://schemas.microsoft.com/office/drawing/2014/main" val="662868256"/>
+                  </a:ext>
+                </a:extLst>
+              </a:tr>
+              <a:tr h="438150">
+                <a:tc>
+                  <a:txBody>
+                    <a:bodyPr/>
+                    <a:lstStyle/>
+                    <a:p>
+                      <a:pPr lvl="0">
+                        <a:lnSpc>
+                          <a:spcPts val="2400"/>
+                        </a:lnSpc>
+                        <a:buNone/>
+                      </a:pPr>
+                      <a:r>
+                        <a:rPr lang="en-US" sz="2000" dirty="0">
+                          <a:effectLst/>
+                        </a:rPr>
+                        <a:t>Winifred</a:t>
+                      </a:r>
+                      <a:endParaRPr lang="en-US" dirty="0">
+                        <a:effectLst/>
+                      </a:endParaRPr>
+                    </a:p>
+                  </a:txBody>
+                  <a:tcPr/>
+                </a:tc>
+                <a:tc>
+                  <a:txBody>
+                    <a:bodyPr/>
+                    <a:lstStyle/>
+                    <a:p>
+                      <a:pPr lvl="0">
+                        <a:lnSpc>
+                          <a:spcPts val="2400"/>
+                        </a:lnSpc>
+                        <a:buNone/>
+                      </a:pPr>
+                      <a:r>
+                        <a:rPr lang="en-US" sz="2000" dirty="0">
+                          <a:effectLst/>
+                        </a:rPr>
+                        <a:t>80</a:t>
+                      </a:r>
+                      <a:endParaRPr lang="en-US" dirty="0">
+                        <a:effectLst/>
+                      </a:endParaRPr>
+                    </a:p>
+                  </a:txBody>
+                  <a:tcPr/>
+                </a:tc>
+                <a:tc>
+                  <a:txBody>
+                    <a:bodyPr/>
+                    <a:lstStyle/>
+                    <a:p>
+                      <a:pPr lvl="0">
+                        <a:lnSpc>
+                          <a:spcPts val="2400"/>
+                        </a:lnSpc>
+                        <a:buNone/>
+                      </a:pPr>
+                      <a:r>
+                        <a:rPr lang="en-US" sz="2000" dirty="0">
+                          <a:effectLst/>
+                        </a:rPr>
+                        <a:t>153</a:t>
+                      </a:r>
+                      <a:endParaRPr lang="en-US" dirty="0"/>
+                    </a:p>
+                  </a:txBody>
+                  <a:tcPr/>
+                </a:tc>
+                <a:extLst>
+                  <a:ext uri="{0D108BD9-81ED-4DB2-BD59-A6C34878D82A}">
+                    <a16:rowId xmlns:a16="http://schemas.microsoft.com/office/drawing/2014/main" val="2347825567"/>
+                  </a:ext>
+                </a:extLst>
+              </a:tr>
+            </a:tbl>
+          </a:graphicData>
+        </a:graphic>
+      </p:graphicFrame>
+      <p:graphicFrame>
+        <p:nvGraphicFramePr>
+          <p:cNvPr id="5" name="Table 4">
+            <a:extLst>
+              <a:ext uri="{FF2B5EF4-FFF2-40B4-BE49-F238E27FC236}">
+                <a16:creationId xmlns:a16="http://schemas.microsoft.com/office/drawing/2014/main" id="{94EC0946-C1A6-752C-8FB5-F1726E8DD239}"/>
+              </a:ext>
+            </a:extLst>
+          </p:cNvPr>
+          <p:cNvGraphicFramePr>
+            <a:graphicFrameLocks noGrp="1"/>
+          </p:cNvGraphicFramePr>
+          <p:nvPr>
+            <p:extLst>
+              <p:ext uri="{D42A27DB-BD31-4B8C-83A1-F6EECF244321}">
+                <p14:modId xmlns:p14="http://schemas.microsoft.com/office/powerpoint/2010/main" val="3322541143"/>
+              </p:ext>
+            </p:extLst>
+          </p:nvPr>
+        </p:nvGraphicFramePr>
+        <p:xfrm>
+          <a:off x="734763" y="1713346"/>
+          <a:ext cx="3656892" cy="1234474"/>
+        </p:xfrm>
+        <a:graphic>
+          <a:graphicData uri="http://schemas.openxmlformats.org/drawingml/2006/table">
+            <a:tbl>
+              <a:tblPr firstRow="1" firstCol="1" bandRow="1">
+                <a:tableStyleId>{9DCAF9ED-07DC-4A11-8D7F-57B35C25682E}</a:tableStyleId>
+              </a:tblPr>
+              <a:tblGrid>
+                <a:gridCol w="1218964">
+                  <a:extLst>
+                    <a:ext uri="{9D8B030D-6E8A-4147-A177-3AD203B41FA5}">
+                      <a16:colId xmlns:a16="http://schemas.microsoft.com/office/drawing/2014/main" val="2913625203"/>
+                    </a:ext>
+                  </a:extLst>
+                </a:gridCol>
+                <a:gridCol w="1218964">
+                  <a:extLst>
+                    <a:ext uri="{9D8B030D-6E8A-4147-A177-3AD203B41FA5}">
+                      <a16:colId xmlns:a16="http://schemas.microsoft.com/office/drawing/2014/main" val="2558964253"/>
+                    </a:ext>
+                  </a:extLst>
+                </a:gridCol>
+                <a:gridCol w="1218964">
+                  <a:extLst>
+                    <a:ext uri="{9D8B030D-6E8A-4147-A177-3AD203B41FA5}">
+                      <a16:colId xmlns:a16="http://schemas.microsoft.com/office/drawing/2014/main" val="1977891800"/>
+                    </a:ext>
+                  </a:extLst>
+                </a:gridCol>
+              </a:tblGrid>
+              <a:tr h="398162">
+                <a:tc>
+                  <a:txBody>
+                    <a:bodyPr/>
+                    <a:lstStyle/>
+                    <a:p>
+                      <a:pPr lvl="0">
+                        <a:lnSpc>
+                          <a:spcPts val="2400"/>
+                        </a:lnSpc>
+                        <a:buNone/>
+                      </a:pPr>
+                      <a:r>
+                        <a:rPr lang="en-US" sz="2000">
+                          <a:solidFill>
+                            <a:schemeClr val="bg1"/>
+                          </a:solidFill>
+                          <a:effectLst/>
+                        </a:rPr>
+                        <a:t>Name</a:t>
+                      </a:r>
+                    </a:p>
+                  </a:txBody>
+                  <a:tcPr/>
+                </a:tc>
+                <a:tc>
+                  <a:txBody>
+                    <a:bodyPr/>
+                    <a:lstStyle/>
+                    <a:p>
+                      <a:pPr lvl="0">
+                        <a:lnSpc>
+                          <a:spcPts val="2400"/>
+                        </a:lnSpc>
+                        <a:buNone/>
+                      </a:pPr>
+                      <a:r>
                         <a:rPr lang="en-US" sz="2000">
                           <a:effectLst/>
                         </a:rPr>
-                        <a:t>80</a:t>
+                        <a:t>Weight</a:t>
+                      </a:r>
+                    </a:p>
+                  </a:txBody>
+                  <a:tcPr/>
+                </a:tc>
+                <a:tc>
+                  <a:txBody>
+                    <a:bodyPr/>
+                    <a:lstStyle/>
+                    <a:p>
+                      <a:pPr lvl="0">
+                        <a:lnSpc>
+                          <a:spcPts val="2400"/>
+                        </a:lnSpc>
+                        <a:buNone/>
+                      </a:pPr>
+                      <a:r>
+                        <a:rPr lang="en-US" sz="2000">
+                          <a:effectLst/>
+                        </a:rPr>
+                        <a:t>Height</a:t>
+                      </a:r>
+                    </a:p>
+                  </a:txBody>
+                  <a:tcPr/>
+                </a:tc>
+                <a:extLst>
+                  <a:ext uri="{0D108BD9-81ED-4DB2-BD59-A6C34878D82A}">
+                    <a16:rowId xmlns:a16="http://schemas.microsoft.com/office/drawing/2014/main" val="1662013796"/>
+                  </a:ext>
+                </a:extLst>
+              </a:tr>
+              <a:tr h="398162">
+                <a:tc>
+                  <a:txBody>
+                    <a:bodyPr/>
+                    <a:lstStyle/>
+                    <a:p>
+                      <a:pPr lvl="0">
+                        <a:lnSpc>
+                          <a:spcPts val="2400"/>
+                        </a:lnSpc>
+                        <a:buNone/>
+                      </a:pPr>
+                      <a:r>
+                        <a:rPr lang="en-US" sz="2000">
+                          <a:effectLst/>
+                        </a:rPr>
+                        <a:t>Jez</a:t>
                       </a:r>
                       <a:endParaRPr lang="en-US">
                         <a:effectLst/>
@@ -5095,7 +5190,104 @@
                         <a:rPr lang="en-US" sz="2000">
                           <a:effectLst/>
                         </a:rPr>
-                        <a:t>153</a:t>
+                        <a:t>33</a:t>
+                      </a:r>
+                      <a:endParaRPr lang="en-US"/>
+                    </a:p>
+                  </a:txBody>
+                  <a:tcPr/>
+                </a:tc>
+                <a:tc>
+                  <a:txBody>
+                    <a:bodyPr/>
+                    <a:lstStyle/>
+                    <a:p>
+                      <a:pPr lvl="0">
+                        <a:lnSpc>
+                          <a:spcPts val="2400"/>
+                        </a:lnSpc>
+                        <a:buNone/>
+                      </a:pPr>
+                      <a:r>
+                        <a:rPr lang="en-US" sz="2000">
+                          <a:effectLst/>
+                        </a:rPr>
+                        <a:t>193</a:t>
+                      </a:r>
+                      <a:endParaRPr lang="en-US"/>
+                    </a:p>
+                  </a:txBody>
+                  <a:tcPr/>
+                </a:tc>
+                <a:extLst>
+                  <a:ext uri="{0D108BD9-81ED-4DB2-BD59-A6C34878D82A}">
+                    <a16:rowId xmlns:a16="http://schemas.microsoft.com/office/drawing/2014/main" val="662868256"/>
+                  </a:ext>
+                </a:extLst>
+              </a:tr>
+              <a:tr h="438150">
+                <a:tc>
+                  <a:txBody>
+                    <a:bodyPr/>
+                    <a:lstStyle/>
+                    <a:p>
+                      <a:pPr lvl="0">
+                        <a:lnSpc>
+                          <a:spcPts val="2400"/>
+                        </a:lnSpc>
+                        <a:buNone/>
+                      </a:pPr>
+                      <a:r>
+                        <a:rPr lang="en-US" sz="2000">
+                          <a:effectLst/>
+                        </a:rPr>
+                        <a:t>Deonne</a:t>
+                      </a:r>
+                      <a:endParaRPr lang="en-US">
+                        <a:effectLst/>
+                      </a:endParaRPr>
+                    </a:p>
+                  </a:txBody>
+                  <a:tcPr/>
+                </a:tc>
+                <a:tc>
+                  <a:txBody>
+                    <a:bodyPr/>
+                    <a:lstStyle/>
+                    <a:p>
+                      <a:pPr lvl="0">
+                        <a:lnSpc>
+                          <a:spcPts val="2400"/>
+                        </a:lnSpc>
+                        <a:buNone/>
+                      </a:pPr>
+                      <a:r>
+                        <a:rPr lang="en-US" sz="2000">
+                          <a:effectLst/>
+                        </a:rPr>
+                        <a:t>25</a:t>
+                      </a:r>
+                      <a:endParaRPr lang="en-US"/>
+                    </a:p>
+                  </a:txBody>
+                  <a:tcPr/>
+                </a:tc>
+                <a:tc>
+                  <a:txBody>
+                    <a:bodyPr/>
+                    <a:lstStyle/>
+                    <a:p>
+                      <a:pPr lvl="0">
+                        <a:lnSpc>
+                          <a:spcPts val="2400"/>
+                        </a:lnSpc>
+                        <a:buNone/>
+                      </a:pPr>
+                      <a:r>
+                        <a:rPr lang="en-US" sz="2000">
+                          <a:effectLst/>
+                        </a:rPr>
+                        <a:t>168</a:t>
                       </a:r>
                       <a:endParaRPr lang="en-US"/>
                     </a:p>
@@ -5114,10 +5306,10 @@
       </p:graphicFrame>
       <p:graphicFrame>
         <p:nvGraphicFramePr>
-          <p:cNvPr id="11" name="Table 10">
-            <a:extLst>
-              <a:ext uri="{FF2B5EF4-FFF2-40B4-BE49-F238E27FC236}">
-                <a16:creationId xmlns:a16="http://schemas.microsoft.com/office/drawing/2014/main" id="{9DC9B821-7D94-599B-276B-B24B4AE9BE78}"/>
+          <p:cNvPr id="6" name="Table 5">
+            <a:extLst>
+              <a:ext uri="{FF2B5EF4-FFF2-40B4-BE49-F238E27FC236}">
+                <a16:creationId xmlns:a16="http://schemas.microsoft.com/office/drawing/2014/main" id="{B009E53A-37FA-3ABC-20EE-D4C3AFCF5624}"/>
               </a:ext>
             </a:extLst>
           </p:cNvPr>
@@ -5127,37 +5319,37 @@
           <p:nvPr>
             <p:extLst>
               <p:ext uri="{D42A27DB-BD31-4B8C-83A1-F6EECF244321}">
-                <p14:modId xmlns:p14="http://schemas.microsoft.com/office/powerpoint/2010/main" val="3626388411"/>
+                <p14:modId xmlns:p14="http://schemas.microsoft.com/office/powerpoint/2010/main" val="446217066"/>
               </p:ext>
             </p:extLst>
           </p:nvPr>
         </p:nvGraphicFramePr>
         <p:xfrm>
-          <a:off x="908799" y="1986014"/>
-          <a:ext cx="3354978" cy="876300"/>
+          <a:off x="734763" y="4309743"/>
+          <a:ext cx="3656892" cy="1234474"/>
         </p:xfrm>
         <a:graphic>
           <a:graphicData uri="http://schemas.openxmlformats.org/drawingml/2006/table">
             <a:tbl>
-              <a:tblPr bandRow="1">
-                <a:tableStyleId>{5C22544A-7EE6-4342-B048-85BDC9FD1C3A}</a:tableStyleId>
+              <a:tblPr firstRow="1" firstCol="1" bandRow="1">
+                <a:tableStyleId>{1E171933-4619-4E11-9A3F-F7608DF75F80}</a:tableStyleId>
               </a:tblPr>
               <a:tblGrid>
-                <a:gridCol w="1118326">
+                <a:gridCol w="1218964">
                   <a:extLst>
                     <a:ext uri="{9D8B030D-6E8A-4147-A177-3AD203B41FA5}">
                       <a16:colId xmlns:a16="http://schemas.microsoft.com/office/drawing/2014/main" val="2913625203"/>
                     </a:ext>
                   </a:extLst>
                 </a:gridCol>
-                <a:gridCol w="1118326">
+                <a:gridCol w="1218964">
                   <a:extLst>
                     <a:ext uri="{9D8B030D-6E8A-4147-A177-3AD203B41FA5}">
                       <a16:colId xmlns:a16="http://schemas.microsoft.com/office/drawing/2014/main" val="2558964253"/>
                     </a:ext>
                   </a:extLst>
                 </a:gridCol>
-                <a:gridCol w="1118326">
+                <a:gridCol w="1218964">
                   <a:extLst>
                     <a:ext uri="{9D8B030D-6E8A-4147-A177-3AD203B41FA5}">
                       <a16:colId xmlns:a16="http://schemas.microsoft.com/office/drawing/2014/main" val="1977891800"/>
@@ -5165,131 +5357,30 @@
                   </a:extLst>
                 </a:gridCol>
               </a:tblGrid>
-              <a:tr h="438150">
+              <a:tr h="398162">
                 <a:tc>
                   <a:txBody>
                     <a:bodyPr/>
                     <a:lstStyle/>
                     <a:p>
-                      <a:pPr fontAlgn="base">
+                      <a:pPr lvl="0">
                         <a:lnSpc>
                           <a:spcPts val="2400"/>
                         </a:lnSpc>
+                        <a:buNone/>
                       </a:pPr>
                       <a:r>
                         <a:rPr lang="en-US" sz="2000">
+                          <a:solidFill>
+                            <a:srgbClr val="FFFFFF"/>
+                          </a:solidFill>
                           <a:effectLst/>
-                          <a:latin typeface="Aptos"/>
                         </a:rPr>
-                        <a:t>Jez</a:t>
-                      </a:r>
-                      <a:endParaRPr lang="en-US">
-                        <a:effectLst/>
-                      </a:endParaRPr>
-                    </a:p>
-                  </a:txBody>
-                  <a:tcPr>
-                    <a:lnL w="13173" cap="flat" cmpd="sng" algn="ctr">
-                      <a:solidFill>
-                        <a:srgbClr val="FFFFFF"/>
-                      </a:solidFill>
-                      <a:prstDash val="solid"/>
-                      <a:round/>
-                      <a:headEnd type="none" w="med" len="med"/>
-                      <a:tailEnd type="none" w="med" len="med"/>
-                    </a:lnL>
-                    <a:lnR w="13173" cap="flat" cmpd="sng" algn="ctr">
-                      <a:solidFill>
-                        <a:srgbClr val="FFFFFF"/>
-                      </a:solidFill>
-                      <a:prstDash val="solid"/>
-                      <a:round/>
-                      <a:headEnd type="none" w="med" len="med"/>
-                      <a:tailEnd type="none" w="med" len="med"/>
-                    </a:lnR>
-                    <a:lnT w="13173" cap="flat" cmpd="sng" algn="ctr">
-                      <a:solidFill>
-                        <a:srgbClr val="FFFFFF"/>
-                      </a:solidFill>
-                      <a:prstDash val="solid"/>
-                      <a:round/>
-                      <a:headEnd type="none" w="med" len="med"/>
-                      <a:tailEnd type="none" w="med" len="med"/>
-                    </a:lnT>
-                    <a:lnB w="13173" cap="flat" cmpd="sng" algn="ctr">
-                      <a:solidFill>
-                        <a:srgbClr val="FFFFFF"/>
-                      </a:solidFill>
-                      <a:prstDash val="solid"/>
-                      <a:round/>
-                      <a:headEnd type="none" w="med" len="med"/>
-                      <a:tailEnd type="none" w="med" len="med"/>
-                    </a:lnB>
-                    <a:solidFill>
-                      <a:srgbClr val="F7D5CD"/>
-                    </a:solidFill>
-                  </a:tcPr>
-                </a:tc>
-                <a:tc>
-                  <a:txBody>
-                    <a:bodyPr/>
-                    <a:lstStyle/>
-                    <a:p>
-                      <a:pPr fontAlgn="base">
-                        <a:lnSpc>
-                          <a:spcPts val="2400"/>
-                        </a:lnSpc>
-                      </a:pPr>
-                      <a:r>
-                        <a:rPr lang="en-US" sz="2000">
-                          <a:effectLst/>
-                          <a:latin typeface="Aptos"/>
-                        </a:rPr>
-                        <a:t>33</a:t>
+                        <a:t>Name</a:t>
                       </a:r>
                     </a:p>
                   </a:txBody>
-                  <a:tcPr>
-                    <a:lnL w="13173" cap="flat" cmpd="sng" algn="ctr">
-                      <a:solidFill>
-                        <a:srgbClr val="FFFFFF"/>
-                      </a:solidFill>
-                      <a:prstDash val="solid"/>
-                      <a:round/>
-                      <a:headEnd type="none" w="med" len="med"/>
-                      <a:tailEnd type="none" w="med" len="med"/>
-                    </a:lnL>
-                    <a:lnR w="13173" cap="flat" cmpd="sng" algn="ctr">
-                      <a:solidFill>
-                        <a:srgbClr val="FFFFFF"/>
-                      </a:solidFill>
-                      <a:prstDash val="solid"/>
-                      <a:round/>
-                      <a:headEnd type="none" w="med" len="med"/>
-                      <a:tailEnd type="none" w="med" len="med"/>
-                    </a:lnR>
-                    <a:lnT w="13173" cap="flat" cmpd="sng" algn="ctr">
-                      <a:solidFill>
-                        <a:srgbClr val="FFFFFF"/>
-                      </a:solidFill>
-                      <a:prstDash val="solid"/>
-                      <a:round/>
-                      <a:headEnd type="none" w="med" len="med"/>
-                      <a:tailEnd type="none" w="med" len="med"/>
-                    </a:lnT>
-                    <a:lnB w="13173" cap="flat" cmpd="sng" algn="ctr">
-                      <a:solidFill>
-                        <a:srgbClr val="FFFFFF"/>
-                      </a:solidFill>
-                      <a:prstDash val="solid"/>
-                      <a:round/>
-                      <a:headEnd type="none" w="med" len="med"/>
-                      <a:tailEnd type="none" w="med" len="med"/>
-                    </a:lnB>
-                    <a:solidFill>
-                      <a:srgbClr val="F7D5CD"/>
-                    </a:solidFill>
-                  </a:tcPr>
+                  <a:tcPr/>
                 </a:tc>
                 <a:tc>
                   <a:txBody>
@@ -5305,326 +5396,51 @@
                       <a:r>
                         <a:rPr lang="en-US" sz="2000">
                           <a:effectLst/>
-                          <a:latin typeface="Aptos"/>
                         </a:rPr>
-                        <a:t>193</a:t>
+                        <a:t>Weight</a:t>
                       </a:r>
-                      <a:endParaRPr lang="en-US"/>
                     </a:p>
                   </a:txBody>
-                  <a:tcPr>
-                    <a:lnL w="13173" cap="flat" cmpd="sng" algn="ctr">
-                      <a:solidFill>
-                        <a:srgbClr val="FFFFFF"/>
-                      </a:solidFill>
-                      <a:prstDash val="solid"/>
-                      <a:round/>
-                      <a:headEnd type="none" w="med" len="med"/>
-                      <a:tailEnd type="none" w="med" len="med"/>
-                    </a:lnL>
-                    <a:lnR w="13173" cap="flat" cmpd="sng" algn="ctr">
-                      <a:solidFill>
-                        <a:srgbClr val="FFFFFF"/>
-                      </a:solidFill>
-                      <a:prstDash val="solid"/>
-                      <a:round/>
-                      <a:headEnd type="none" w="med" len="med"/>
-                      <a:tailEnd type="none" w="med" len="med"/>
-                    </a:lnR>
-                    <a:lnT w="13173" cap="flat" cmpd="sng" algn="ctr">
-                      <a:solidFill>
-                        <a:srgbClr val="FFFFFF"/>
-                      </a:solidFill>
-                      <a:prstDash val="solid"/>
-                      <a:round/>
-                      <a:headEnd type="none" w="med" len="med"/>
-                      <a:tailEnd type="none" w="med" len="med"/>
-                    </a:lnT>
-                    <a:lnB w="13173" cap="flat" cmpd="sng" algn="ctr">
-                      <a:solidFill>
-                        <a:srgbClr val="FFFFFF"/>
-                      </a:solidFill>
-                      <a:prstDash val="solid"/>
-                      <a:round/>
-                      <a:headEnd type="none" w="med" len="med"/>
-                      <a:tailEnd type="none" w="med" len="med"/>
-                    </a:lnB>
-                    <a:solidFill>
-                      <a:srgbClr val="F7D5CD"/>
-                    </a:solidFill>
-                  </a:tcPr>
-                </a:tc>
-                <a:extLst>
-                  <a:ext uri="{0D108BD9-81ED-4DB2-BD59-A6C34878D82A}">
-                    <a16:rowId xmlns:a16="http://schemas.microsoft.com/office/drawing/2014/main" val="662868256"/>
-                  </a:ext>
-                </a:extLst>
-              </a:tr>
-              <a:tr h="438150">
-                <a:tc>
-                  <a:txBody>
-                    <a:bodyPr/>
-                    <a:lstStyle/>
-                    <a:p>
-                      <a:pPr fontAlgn="base">
-                        <a:lnSpc>
-                          <a:spcPts val="2400"/>
-                        </a:lnSpc>
-                      </a:pPr>
-                      <a:r>
-                        <a:rPr lang="en-US" sz="2000">
-                          <a:effectLst/>
-                          <a:latin typeface="Aptos"/>
-                        </a:rPr>
-                        <a:t>Deonne</a:t>
-                      </a:r>
-                      <a:endParaRPr lang="en-US">
-                        <a:effectLst/>
-                        <a:latin typeface="Aptos"/>
-                      </a:endParaRPr>
-                    </a:p>
-                  </a:txBody>
-                  <a:tcPr>
-                    <a:lnL w="13173" cap="flat" cmpd="sng" algn="ctr">
-                      <a:solidFill>
-                        <a:srgbClr val="FFFFFF"/>
-                      </a:solidFill>
-                      <a:prstDash val="solid"/>
-                      <a:round/>
-                      <a:headEnd type="none" w="med" len="med"/>
-                      <a:tailEnd type="none" w="med" len="med"/>
-                    </a:lnL>
-                    <a:lnR w="13173" cap="flat" cmpd="sng" algn="ctr">
-                      <a:solidFill>
-                        <a:srgbClr val="FFFFFF"/>
-                      </a:solidFill>
-                      <a:prstDash val="solid"/>
-                      <a:round/>
-                      <a:headEnd type="none" w="med" len="med"/>
-                      <a:tailEnd type="none" w="med" len="med"/>
-                    </a:lnR>
-                    <a:lnT w="13173" cap="flat" cmpd="sng" algn="ctr">
-                      <a:solidFill>
-                        <a:srgbClr val="FFFFFF"/>
-                      </a:solidFill>
-                      <a:prstDash val="solid"/>
-                      <a:round/>
-                      <a:headEnd type="none" w="med" len="med"/>
-                      <a:tailEnd type="none" w="med" len="med"/>
-                    </a:lnT>
-                    <a:lnB w="13173" cap="flat" cmpd="sng" algn="ctr">
-                      <a:solidFill>
-                        <a:srgbClr val="FFFFFF"/>
-                      </a:solidFill>
-                      <a:prstDash val="solid"/>
-                      <a:round/>
-                      <a:headEnd type="none" w="med" len="med"/>
-                      <a:tailEnd type="none" w="med" len="med"/>
-                    </a:lnB>
-                    <a:solidFill>
-                      <a:srgbClr val="FBEBE8"/>
-                    </a:solidFill>
-                  </a:tcPr>
+                  <a:tcPr/>
                 </a:tc>
                 <a:tc>
                   <a:txBody>
                     <a:bodyPr/>
                     <a:lstStyle/>
                     <a:p>
-                      <a:pPr fontAlgn="base">
+                      <a:pPr lvl="0">
                         <a:lnSpc>
                           <a:spcPts val="2400"/>
                         </a:lnSpc>
+                        <a:buNone/>
                       </a:pPr>
                       <a:r>
                         <a:rPr lang="en-US" sz="2000">
                           <a:effectLst/>
-                          <a:latin typeface="Aptos"/>
                         </a:rPr>
-                        <a:t>25</a:t>
+                        <a:t>Height</a:t>
                       </a:r>
                     </a:p>
                   </a:txBody>
-                  <a:tcPr>
-                    <a:lnL w="13173" cap="flat" cmpd="sng" algn="ctr">
-                      <a:solidFill>
-                        <a:srgbClr val="FFFFFF"/>
-                      </a:solidFill>
-                      <a:prstDash val="solid"/>
-                      <a:round/>
-                      <a:headEnd type="none" w="med" len="med"/>
-                      <a:tailEnd type="none" w="med" len="med"/>
-                    </a:lnL>
-                    <a:lnR w="13173" cap="flat" cmpd="sng" algn="ctr">
-                      <a:solidFill>
-                        <a:srgbClr val="FFFFFF"/>
-                      </a:solidFill>
-                      <a:prstDash val="solid"/>
-                      <a:round/>
-                      <a:headEnd type="none" w="med" len="med"/>
-                      <a:tailEnd type="none" w="med" len="med"/>
-                    </a:lnR>
-                    <a:lnT w="13173" cap="flat" cmpd="sng" algn="ctr">
-                      <a:solidFill>
-                        <a:srgbClr val="FFFFFF"/>
-                      </a:solidFill>
-                      <a:prstDash val="solid"/>
-                      <a:round/>
-                      <a:headEnd type="none" w="med" len="med"/>
-                      <a:tailEnd type="none" w="med" len="med"/>
-                    </a:lnT>
-                    <a:lnB w="13173" cap="flat" cmpd="sng" algn="ctr">
-                      <a:solidFill>
-                        <a:srgbClr val="FFFFFF"/>
-                      </a:solidFill>
-                      <a:prstDash val="solid"/>
-                      <a:round/>
-                      <a:headEnd type="none" w="med" len="med"/>
-                      <a:tailEnd type="none" w="med" len="med"/>
-                    </a:lnB>
-                    <a:solidFill>
-                      <a:srgbClr val="FBEBE8"/>
-                    </a:solidFill>
-                  </a:tcPr>
+                  <a:tcPr/>
                 </a:tc>
+                <a:extLst>
+                  <a:ext uri="{0D108BD9-81ED-4DB2-BD59-A6C34878D82A}">
+                    <a16:rowId xmlns:a16="http://schemas.microsoft.com/office/drawing/2014/main" val="1662013796"/>
+                  </a:ext>
+                </a:extLst>
+              </a:tr>
+              <a:tr h="398162">
                 <a:tc>
                   <a:txBody>
                     <a:bodyPr/>
                     <a:lstStyle/>
                     <a:p>
-                      <a:pPr fontAlgn="base">
+                      <a:pPr lvl="0">
                         <a:lnSpc>
                           <a:spcPts val="2400"/>
                         </a:lnSpc>
-                      </a:pPr>
-                      <a:r>
-                        <a:rPr lang="en-US" sz="2000">
-                          <a:effectLst/>
-                          <a:latin typeface="Aptos"/>
-                        </a:rPr>
-                        <a:t>168</a:t>
-                      </a:r>
-                      <a:endParaRPr lang="en-US">
-                        <a:effectLst/>
-                        <a:latin typeface="Aptos"/>
-                      </a:endParaRPr>
-                    </a:p>
-                  </a:txBody>
-                  <a:tcPr>
-                    <a:lnL w="13173" cap="flat" cmpd="sng" algn="ctr">
-                      <a:solidFill>
-                        <a:srgbClr val="FFFFFF"/>
-                      </a:solidFill>
-                      <a:prstDash val="solid"/>
-                      <a:round/>
-                      <a:headEnd type="none" w="med" len="med"/>
-                      <a:tailEnd type="none" w="med" len="med"/>
-                    </a:lnL>
-                    <a:lnR w="13173" cap="flat" cmpd="sng" algn="ctr">
-                      <a:solidFill>
-                        <a:srgbClr val="FFFFFF"/>
-                      </a:solidFill>
-                      <a:prstDash val="solid"/>
-                      <a:round/>
-                      <a:headEnd type="none" w="med" len="med"/>
-                      <a:tailEnd type="none" w="med" len="med"/>
-                    </a:lnR>
-                    <a:lnT w="13173" cap="flat" cmpd="sng" algn="ctr">
-                      <a:solidFill>
-                        <a:srgbClr val="FFFFFF"/>
-                      </a:solidFill>
-                      <a:prstDash val="solid"/>
-                      <a:round/>
-                      <a:headEnd type="none" w="med" len="med"/>
-                      <a:tailEnd type="none" w="med" len="med"/>
-                    </a:lnT>
-                    <a:lnB w="13173" cap="flat" cmpd="sng" algn="ctr">
-                      <a:solidFill>
-                        <a:srgbClr val="FFFFFF"/>
-                      </a:solidFill>
-                      <a:prstDash val="solid"/>
-                      <a:round/>
-                      <a:headEnd type="none" w="med" len="med"/>
-                      <a:tailEnd type="none" w="med" len="med"/>
-                    </a:lnB>
-                    <a:solidFill>
-                      <a:srgbClr val="FBEBE8"/>
-                    </a:solidFill>
-                  </a:tcPr>
-                </a:tc>
-                <a:extLst>
-                  <a:ext uri="{0D108BD9-81ED-4DB2-BD59-A6C34878D82A}">
-                    <a16:rowId xmlns:a16="http://schemas.microsoft.com/office/drawing/2014/main" val="2347825567"/>
-                  </a:ext>
-                </a:extLst>
-              </a:tr>
-            </a:tbl>
-          </a:graphicData>
-        </a:graphic>
-      </p:graphicFrame>
-      <p:graphicFrame>
-        <p:nvGraphicFramePr>
-          <p:cNvPr id="12" name="Table 11">
-            <a:extLst>
-              <a:ext uri="{FF2B5EF4-FFF2-40B4-BE49-F238E27FC236}">
-                <a16:creationId xmlns:a16="http://schemas.microsoft.com/office/drawing/2014/main" id="{941418A3-3CE6-8D51-A038-2944CD12DC51}"/>
-              </a:ext>
-            </a:extLst>
-          </p:cNvPr>
-          <p:cNvGraphicFramePr>
-            <a:graphicFrameLocks noGrp="1"/>
-          </p:cNvGraphicFramePr>
-          <p:nvPr>
-            <p:extLst>
-              <p:ext uri="{D42A27DB-BD31-4B8C-83A1-F6EECF244321}">
-                <p14:modId xmlns:p14="http://schemas.microsoft.com/office/powerpoint/2010/main" val="2142286826"/>
-              </p:ext>
-            </p:extLst>
-          </p:nvPr>
-        </p:nvGraphicFramePr>
-        <p:xfrm>
-          <a:off x="908798" y="4849794"/>
-          <a:ext cx="3354978" cy="876300"/>
-        </p:xfrm>
-        <a:graphic>
-          <a:graphicData uri="http://schemas.openxmlformats.org/drawingml/2006/table">
-            <a:tbl>
-              <a:tblPr bandRow="1">
-                <a:tableStyleId>{00A15C55-8517-42AA-B614-E9B94910E393}</a:tableStyleId>
-              </a:tblPr>
-              <a:tblGrid>
-                <a:gridCol w="1118326">
-                  <a:extLst>
-                    <a:ext uri="{9D8B030D-6E8A-4147-A177-3AD203B41FA5}">
-                      <a16:colId xmlns:a16="http://schemas.microsoft.com/office/drawing/2014/main" val="2913625203"/>
-                    </a:ext>
-                  </a:extLst>
-                </a:gridCol>
-                <a:gridCol w="1118326">
-                  <a:extLst>
-                    <a:ext uri="{9D8B030D-6E8A-4147-A177-3AD203B41FA5}">
-                      <a16:colId xmlns:a16="http://schemas.microsoft.com/office/drawing/2014/main" val="2558964253"/>
-                    </a:ext>
-                  </a:extLst>
-                </a:gridCol>
-                <a:gridCol w="1118326">
-                  <a:extLst>
-                    <a:ext uri="{9D8B030D-6E8A-4147-A177-3AD203B41FA5}">
-                      <a16:colId xmlns:a16="http://schemas.microsoft.com/office/drawing/2014/main" val="1977891800"/>
-                    </a:ext>
-                  </a:extLst>
-                </a:gridCol>
-              </a:tblGrid>
-              <a:tr h="438150">
-                <a:tc>
-                  <a:txBody>
-                    <a:bodyPr/>
-                    <a:lstStyle/>
-                    <a:p>
-                      <a:pPr fontAlgn="base">
-                        <a:lnSpc>
-                          <a:spcPts val="2400"/>
-                        </a:lnSpc>
+                        <a:buNone/>
                       </a:pPr>
                       <a:r>
                         <a:rPr lang="en-US" sz="2000">
@@ -5656,6 +5472,7 @@
                         </a:rPr>
                         <a:t>62</a:t>
                       </a:r>
+                      <a:endParaRPr lang="en-US"/>
                     </a:p>
                   </a:txBody>
                   <a:tcPr/>
@@ -5694,10 +5511,11 @@
                     <a:bodyPr/>
                     <a:lstStyle/>
                     <a:p>
-                      <a:pPr fontAlgn="base">
+                      <a:pPr lvl="0">
                         <a:lnSpc>
                           <a:spcPts val="2400"/>
                         </a:lnSpc>
+                        <a:buNone/>
                       </a:pPr>
                       <a:r>
                         <a:rPr lang="en-US" sz="2000">
@@ -5717,10 +5535,11 @@
                     <a:bodyPr/>
                     <a:lstStyle/>
                     <a:p>
-                      <a:pPr fontAlgn="base">
+                      <a:pPr lvl="0">
                         <a:lnSpc>
                           <a:spcPts val="2400"/>
                         </a:lnSpc>
+                        <a:buNone/>
                       </a:pPr>
                       <a:r>
                         <a:rPr lang="en-US" sz="2000">
@@ -5728,6 +5547,7 @@
                         </a:rPr>
                         <a:t>18</a:t>
                       </a:r>
+                      <a:endParaRPr lang="en-US"/>
                     </a:p>
                   </a:txBody>
                   <a:tcPr/>
@@ -5764,162 +5584,12 @@
           </a:graphicData>
         </a:graphic>
       </p:graphicFrame>
-      <p:pic>
-        <p:nvPicPr>
-          <p:cNvPr id="17" name="Picture 16" descr="A close up of numbers&#10;&#10;Description automatically generated">
-            <a:extLst>
-              <a:ext uri="{FF2B5EF4-FFF2-40B4-BE49-F238E27FC236}">
-                <a16:creationId xmlns:a16="http://schemas.microsoft.com/office/drawing/2014/main" id="{03F0BC02-3EA9-29E1-5AB2-C7B58996B2C7}"/>
-              </a:ext>
-            </a:extLst>
-          </p:cNvPr>
-          <p:cNvPicPr>
-            <a:picLocks noChangeAspect="1"/>
-          </p:cNvPicPr>
-          <p:nvPr/>
-        </p:nvPicPr>
-        <p:blipFill>
-          <a:blip r:embed="rId2"/>
-          <a:stretch>
-            <a:fillRect/>
-          </a:stretch>
-        </p:blipFill>
-        <p:spPr>
-          <a:xfrm>
-            <a:off x="6570046" y="3848772"/>
-            <a:ext cx="3505200" cy="914400"/>
-          </a:xfrm>
-          <a:prstGeom prst="rect">
-            <a:avLst/>
-          </a:prstGeom>
-        </p:spPr>
-      </p:pic>
-      <p:pic>
-        <p:nvPicPr>
-          <p:cNvPr id="18" name="Picture 17" descr="A close-up of numbers&#10;&#10;Description automatically generated">
-            <a:extLst>
-              <a:ext uri="{FF2B5EF4-FFF2-40B4-BE49-F238E27FC236}">
-                <a16:creationId xmlns:a16="http://schemas.microsoft.com/office/drawing/2014/main" id="{6250A417-107F-9BA3-8E4F-193E5D34FB54}"/>
-              </a:ext>
-            </a:extLst>
-          </p:cNvPr>
-          <p:cNvPicPr>
-            <a:picLocks noChangeAspect="1"/>
-          </p:cNvPicPr>
-          <p:nvPr/>
-        </p:nvPicPr>
-        <p:blipFill>
-          <a:blip r:embed="rId3"/>
-          <a:stretch>
-            <a:fillRect/>
-          </a:stretch>
-        </p:blipFill>
-        <p:spPr>
-          <a:xfrm>
-            <a:off x="6571261" y="2837909"/>
-            <a:ext cx="3514725" cy="933450"/>
-          </a:xfrm>
-          <a:prstGeom prst="rect">
-            <a:avLst/>
-          </a:prstGeom>
-        </p:spPr>
-      </p:pic>
-      <p:pic>
-        <p:nvPicPr>
-          <p:cNvPr id="19" name="Picture 18" descr="A close up of numbers&#10;&#10;Description automatically generated">
-            <a:extLst>
-              <a:ext uri="{FF2B5EF4-FFF2-40B4-BE49-F238E27FC236}">
-                <a16:creationId xmlns:a16="http://schemas.microsoft.com/office/drawing/2014/main" id="{E2E9D1E8-EAFD-976A-C681-FBDCF3C99F82}"/>
-              </a:ext>
-            </a:extLst>
-          </p:cNvPr>
-          <p:cNvPicPr>
-            <a:picLocks noChangeAspect="1"/>
-          </p:cNvPicPr>
-          <p:nvPr/>
-        </p:nvPicPr>
-        <p:blipFill>
-          <a:blip r:embed="rId4"/>
-          <a:stretch>
-            <a:fillRect/>
-          </a:stretch>
-        </p:blipFill>
-        <p:spPr>
-          <a:xfrm>
-            <a:off x="6609100" y="1714872"/>
-            <a:ext cx="3476625" cy="933450"/>
-          </a:xfrm>
-          <a:prstGeom prst="rect">
-            <a:avLst/>
-          </a:prstGeom>
-        </p:spPr>
-      </p:pic>
-      <p:pic>
-        <p:nvPicPr>
-          <p:cNvPr id="20" name="Picture 19" descr="A close up of numbers&#10;&#10;Description automatically generated">
-            <a:extLst>
-              <a:ext uri="{FF2B5EF4-FFF2-40B4-BE49-F238E27FC236}">
-                <a16:creationId xmlns:a16="http://schemas.microsoft.com/office/drawing/2014/main" id="{A5EA7E8D-F13C-DF0E-800A-75F862DEB716}"/>
-              </a:ext>
-            </a:extLst>
-          </p:cNvPr>
-          <p:cNvPicPr>
-            <a:picLocks noChangeAspect="1"/>
-          </p:cNvPicPr>
-          <p:nvPr/>
-        </p:nvPicPr>
-        <p:blipFill>
-          <a:blip r:embed="rId5"/>
-          <a:stretch>
-            <a:fillRect/>
-          </a:stretch>
-        </p:blipFill>
-        <p:spPr>
-          <a:xfrm>
-            <a:off x="6613814" y="706782"/>
-            <a:ext cx="3505200" cy="952500"/>
-          </a:xfrm>
-          <a:prstGeom prst="rect">
-            <a:avLst/>
-          </a:prstGeom>
-        </p:spPr>
-      </p:pic>
-      <p:pic>
-        <p:nvPicPr>
-          <p:cNvPr id="21" name="Picture 20" descr="A close up of numbers&#10;&#10;Description automatically generated">
-            <a:extLst>
-              <a:ext uri="{FF2B5EF4-FFF2-40B4-BE49-F238E27FC236}">
-                <a16:creationId xmlns:a16="http://schemas.microsoft.com/office/drawing/2014/main" id="{0B9B5344-0F9D-E8E9-8B98-DAF6F90FEBD3}"/>
-              </a:ext>
-            </a:extLst>
-          </p:cNvPr>
-          <p:cNvPicPr>
-            <a:picLocks noChangeAspect="1"/>
-          </p:cNvPicPr>
-          <p:nvPr/>
-        </p:nvPicPr>
-        <p:blipFill>
-          <a:blip r:embed="rId2"/>
-          <a:stretch>
-            <a:fillRect/>
-          </a:stretch>
-        </p:blipFill>
-        <p:spPr>
-          <a:xfrm>
-            <a:off x="6570045" y="4803567"/>
-            <a:ext cx="3505200" cy="914400"/>
-          </a:xfrm>
-          <a:prstGeom prst="rect">
-            <a:avLst/>
-          </a:prstGeom>
-        </p:spPr>
-      </p:pic>
       <p:graphicFrame>
         <p:nvGraphicFramePr>
-          <p:cNvPr id="22" name="Table 21">
-            <a:extLst>
-              <a:ext uri="{FF2B5EF4-FFF2-40B4-BE49-F238E27FC236}">
-                <a16:creationId xmlns:a16="http://schemas.microsoft.com/office/drawing/2014/main" id="{80876EB6-D1B3-6E54-DD18-C9FF79904772}"/>
+          <p:cNvPr id="2" name="Table 1">
+            <a:extLst>
+              <a:ext uri="{FF2B5EF4-FFF2-40B4-BE49-F238E27FC236}">
+                <a16:creationId xmlns:a16="http://schemas.microsoft.com/office/drawing/2014/main" id="{0307FD64-7947-0D30-E0B4-6ADC832261D9}"/>
               </a:ext>
             </a:extLst>
           </p:cNvPr>
@@ -5929,37 +5599,37 @@
           <p:nvPr>
             <p:extLst>
               <p:ext uri="{D42A27DB-BD31-4B8C-83A1-F6EECF244321}">
-                <p14:modId xmlns:p14="http://schemas.microsoft.com/office/powerpoint/2010/main" val="3294195212"/>
+                <p14:modId xmlns:p14="http://schemas.microsoft.com/office/powerpoint/2010/main" val="3233750039"/>
               </p:ext>
             </p:extLst>
           </p:nvPr>
         </p:nvGraphicFramePr>
         <p:xfrm>
-          <a:off x="908797" y="5859673"/>
-          <a:ext cx="3354978" cy="876300"/>
+          <a:off x="734762" y="5622467"/>
+          <a:ext cx="3656892" cy="1234474"/>
         </p:xfrm>
         <a:graphic>
           <a:graphicData uri="http://schemas.openxmlformats.org/drawingml/2006/table">
             <a:tbl>
-              <a:tblPr bandRow="1">
-                <a:tableStyleId>{F5AB1C69-6EDB-4FF4-983F-18BD219EF322}</a:tableStyleId>
+              <a:tblPr firstRow="1" firstCol="1" bandRow="1">
+                <a:tableStyleId>{1FECB4D8-DB02-4DC6-A0A2-4F2EBAE1DC90}</a:tableStyleId>
               </a:tblPr>
               <a:tblGrid>
-                <a:gridCol w="1118326">
+                <a:gridCol w="1218964">
                   <a:extLst>
                     <a:ext uri="{9D8B030D-6E8A-4147-A177-3AD203B41FA5}">
                       <a16:colId xmlns:a16="http://schemas.microsoft.com/office/drawing/2014/main" val="2913625203"/>
                     </a:ext>
                   </a:extLst>
                 </a:gridCol>
-                <a:gridCol w="1118326">
+                <a:gridCol w="1218964">
                   <a:extLst>
                     <a:ext uri="{9D8B030D-6E8A-4147-A177-3AD203B41FA5}">
                       <a16:colId xmlns:a16="http://schemas.microsoft.com/office/drawing/2014/main" val="2558964253"/>
                     </a:ext>
                   </a:extLst>
                 </a:gridCol>
-                <a:gridCol w="1118326">
+                <a:gridCol w="1218964">
                   <a:extLst>
                     <a:ext uri="{9D8B030D-6E8A-4147-A177-3AD203B41FA5}">
                       <a16:colId xmlns:a16="http://schemas.microsoft.com/office/drawing/2014/main" val="1977891800"/>
@@ -5967,16 +5637,90 @@
                   </a:extLst>
                 </a:gridCol>
               </a:tblGrid>
-              <a:tr h="438150">
+              <a:tr h="398162">
                 <a:tc>
                   <a:txBody>
                     <a:bodyPr/>
                     <a:lstStyle/>
                     <a:p>
-                      <a:pPr fontAlgn="base">
+                      <a:pPr lvl="0">
                         <a:lnSpc>
                           <a:spcPts val="2400"/>
                         </a:lnSpc>
+                        <a:buNone/>
+                      </a:pPr>
+                      <a:r>
+                        <a:rPr lang="en-US" sz="2000">
+                          <a:solidFill>
+                            <a:srgbClr val="FFFFFF"/>
+                          </a:solidFill>
+                          <a:effectLst/>
+                        </a:rPr>
+                        <a:t>Name</a:t>
+                      </a:r>
+                    </a:p>
+                  </a:txBody>
+                  <a:tcPr/>
+                </a:tc>
+                <a:tc>
+                  <a:txBody>
+                    <a:bodyPr/>
+                    <a:lstStyle/>
+                    <a:p>
+                      <a:pPr lvl="0">
+                        <a:lnSpc>
+                          <a:spcPts val="2400"/>
+                        </a:lnSpc>
+                        <a:buNone/>
+                      </a:pPr>
+                      <a:r>
+                        <a:rPr lang="en-US" sz="2000">
+                          <a:effectLst/>
+                        </a:rPr>
+                        <a:t>Weight</a:t>
+                      </a:r>
+                    </a:p>
+                  </a:txBody>
+                  <a:tcPr/>
+                </a:tc>
+                <a:tc>
+                  <a:txBody>
+                    <a:bodyPr/>
+                    <a:lstStyle/>
+                    <a:p>
+                      <a:pPr lvl="0">
+                        <a:lnSpc>
+                          <a:spcPts val="2400"/>
+                        </a:lnSpc>
+                        <a:buNone/>
+                      </a:pPr>
+                      <a:r>
+                        <a:rPr lang="en-US" sz="2000">
+                          <a:effectLst/>
+                        </a:rPr>
+                        <a:t>Height</a:t>
+                      </a:r>
+                    </a:p>
+                  </a:txBody>
+                  <a:tcPr/>
+                </a:tc>
+                <a:extLst>
+                  <a:ext uri="{0D108BD9-81ED-4DB2-BD59-A6C34878D82A}">
+                    <a16:rowId xmlns:a16="http://schemas.microsoft.com/office/drawing/2014/main" val="1662013796"/>
+                  </a:ext>
+                </a:extLst>
+              </a:tr>
+              <a:tr h="398162">
+                <a:tc>
+                  <a:txBody>
+                    <a:bodyPr/>
+                    <a:lstStyle/>
+                    <a:p>
+                      <a:pPr lvl="0">
+                        <a:lnSpc>
+                          <a:spcPts val="2400"/>
+                        </a:lnSpc>
+                        <a:buNone/>
                       </a:pPr>
                       <a:r>
                         <a:rPr lang="en-US" sz="2000">
@@ -6008,6 +5752,7 @@
                         </a:rPr>
                         <a:t>53</a:t>
                       </a:r>
+                      <a:endParaRPr lang="en-US"/>
                     </a:p>
                   </a:txBody>
                   <a:tcPr/>
@@ -6046,10 +5791,11 @@
                     <a:bodyPr/>
                     <a:lstStyle/>
                     <a:p>
-                      <a:pPr fontAlgn="base">
+                      <a:pPr lvl="0">
                         <a:lnSpc>
                           <a:spcPts val="2400"/>
                         </a:lnSpc>
+                        <a:buNone/>
                       </a:pPr>
                       <a:r>
                         <a:rPr lang="en-US" sz="2000">
@@ -6069,10 +5815,11 @@
                     <a:bodyPr/>
                     <a:lstStyle/>
                     <a:p>
-                      <a:pPr fontAlgn="base">
+                      <a:pPr lvl="0">
                         <a:lnSpc>
                           <a:spcPts val="2400"/>
                         </a:lnSpc>
+                        <a:buNone/>
                       </a:pPr>
                       <a:r>
                         <a:rPr lang="en-US" sz="2000">
@@ -6080,6 +5827,7 @@
                         </a:rPr>
                         <a:t>19</a:t>
                       </a:r>
+                      <a:endParaRPr lang="en-US"/>
                     </a:p>
                   </a:txBody>
                   <a:tcPr/>
@@ -6118,10 +5866,130 @@
       </p:graphicFrame>
       <p:pic>
         <p:nvPicPr>
-          <p:cNvPr id="23" name="Picture 22" descr="A close-up of numbers&#10;&#10;Description automatically generated">
-            <a:extLst>
-              <a:ext uri="{FF2B5EF4-FFF2-40B4-BE49-F238E27FC236}">
-                <a16:creationId xmlns:a16="http://schemas.microsoft.com/office/drawing/2014/main" id="{01010179-6724-FA1D-B2BC-0955FABC5A6B}"/>
+          <p:cNvPr id="4" name="Picture 3" descr="A close up of a weight&#10;&#10;Description automatically generated">
+            <a:extLst>
+              <a:ext uri="{FF2B5EF4-FFF2-40B4-BE49-F238E27FC236}">
+                <a16:creationId xmlns:a16="http://schemas.microsoft.com/office/drawing/2014/main" id="{9F672524-E8B2-FD0A-F3EC-24DCD31AA50E}"/>
+              </a:ext>
+            </a:extLst>
+          </p:cNvPr>
+          <p:cNvPicPr>
+            <a:picLocks noChangeAspect="1"/>
+          </p:cNvPicPr>
+          <p:nvPr/>
+        </p:nvPicPr>
+        <p:blipFill>
+          <a:blip r:embed="rId2"/>
+          <a:stretch>
+            <a:fillRect/>
+          </a:stretch>
+        </p:blipFill>
+        <p:spPr>
+          <a:xfrm>
+            <a:off x="6744138" y="117731"/>
+            <a:ext cx="3661104" cy="1306056"/>
+          </a:xfrm>
+          <a:prstGeom prst="rect">
+            <a:avLst/>
+          </a:prstGeom>
+        </p:spPr>
+      </p:pic>
+      <p:pic>
+        <p:nvPicPr>
+          <p:cNvPr id="7" name="Picture 6" descr="A screenshot of a weight&#10;&#10;Description automatically generated">
+            <a:extLst>
+              <a:ext uri="{FF2B5EF4-FFF2-40B4-BE49-F238E27FC236}">
+                <a16:creationId xmlns:a16="http://schemas.microsoft.com/office/drawing/2014/main" id="{E90503FE-1538-F406-F897-90499EEC808A}"/>
+              </a:ext>
+            </a:extLst>
+          </p:cNvPr>
+          <p:cNvPicPr>
+            <a:picLocks noChangeAspect="1"/>
+          </p:cNvPicPr>
+          <p:nvPr/>
+        </p:nvPicPr>
+        <p:blipFill>
+          <a:blip r:embed="rId3"/>
+          <a:stretch>
+            <a:fillRect/>
+          </a:stretch>
+        </p:blipFill>
+        <p:spPr>
+          <a:xfrm>
+            <a:off x="6735379" y="1470476"/>
+            <a:ext cx="3661104" cy="1289462"/>
+          </a:xfrm>
+          <a:prstGeom prst="rect">
+            <a:avLst/>
+          </a:prstGeom>
+        </p:spPr>
+      </p:pic>
+      <p:pic>
+        <p:nvPicPr>
+          <p:cNvPr id="8" name="Picture 7" descr="A blue and white box with text&#10;&#10;Description automatically generated">
+            <a:extLst>
+              <a:ext uri="{FF2B5EF4-FFF2-40B4-BE49-F238E27FC236}">
+                <a16:creationId xmlns:a16="http://schemas.microsoft.com/office/drawing/2014/main" id="{D779F31F-78CA-590A-194E-45C1EAA4C076}"/>
+              </a:ext>
+            </a:extLst>
+          </p:cNvPr>
+          <p:cNvPicPr>
+            <a:picLocks noChangeAspect="1"/>
+          </p:cNvPicPr>
+          <p:nvPr/>
+        </p:nvPicPr>
+        <p:blipFill>
+          <a:blip r:embed="rId4"/>
+          <a:stretch>
+            <a:fillRect/>
+          </a:stretch>
+        </p:blipFill>
+        <p:spPr>
+          <a:xfrm>
+            <a:off x="6735378" y="2832906"/>
+            <a:ext cx="3661103" cy="1279774"/>
+          </a:xfrm>
+          <a:prstGeom prst="rect">
+            <a:avLst/>
+          </a:prstGeom>
+        </p:spPr>
+      </p:pic>
+      <p:pic>
+        <p:nvPicPr>
+          <p:cNvPr id="10" name="Picture 9" descr="A blue and white box with black text&#10;&#10;Description automatically generated">
+            <a:extLst>
+              <a:ext uri="{FF2B5EF4-FFF2-40B4-BE49-F238E27FC236}">
+                <a16:creationId xmlns:a16="http://schemas.microsoft.com/office/drawing/2014/main" id="{1EFA809B-E614-11C9-6053-6204B75BD0FA}"/>
+              </a:ext>
+            </a:extLst>
+          </p:cNvPr>
+          <p:cNvPicPr>
+            <a:picLocks noChangeAspect="1"/>
+          </p:cNvPicPr>
+          <p:nvPr/>
+        </p:nvPicPr>
+        <p:blipFill>
+          <a:blip r:embed="rId5"/>
+          <a:stretch>
+            <a:fillRect/>
+          </a:stretch>
+        </p:blipFill>
+        <p:spPr>
+          <a:xfrm>
+            <a:off x="6674068" y="4117819"/>
+            <a:ext cx="3722414" cy="1232432"/>
+          </a:xfrm>
+          <a:prstGeom prst="rect">
+            <a:avLst/>
+          </a:prstGeom>
+        </p:spPr>
+      </p:pic>
+      <p:pic>
+        <p:nvPicPr>
+          <p:cNvPr id="11" name="Picture 10" descr="A green and white box with black text&#10;&#10;Description automatically generated">
+            <a:extLst>
+              <a:ext uri="{FF2B5EF4-FFF2-40B4-BE49-F238E27FC236}">
+                <a16:creationId xmlns:a16="http://schemas.microsoft.com/office/drawing/2014/main" id="{0F84BE33-731C-AF45-B22A-46134F1BEEE9}"/>
               </a:ext>
             </a:extLst>
           </p:cNvPr>
@@ -6138,8 +6006,8 @@
         </p:blipFill>
         <p:spPr>
           <a:xfrm>
-            <a:off x="8773633" y="2595563"/>
-            <a:ext cx="3505200" cy="904875"/>
+            <a:off x="6674068" y="5542261"/>
+            <a:ext cx="3722415" cy="1317686"/>
           </a:xfrm>
           <a:prstGeom prst="rect">
             <a:avLst/>
@@ -6150,6 +6018,727 @@
     <p:extLst>
       <p:ext uri="{BB962C8B-B14F-4D97-AF65-F5344CB8AC3E}">
         <p14:creationId xmlns:p14="http://schemas.microsoft.com/office/powerpoint/2010/main" val="2284934943"/>
+      </p:ext>
+    </p:extLst>
+  </p:cSld>
+  <p:clrMapOvr>
+    <a:masterClrMapping/>
+  </p:clrMapOvr>
+</p:sld>
+</file>
+
+<file path=ppt/slides/slide13.xml><?xml version="1.0" encoding="utf-8"?>
+<p:sld xmlns:a="http://schemas.openxmlformats.org/drawingml/2006/main" xmlns:r="http://schemas.openxmlformats.org/officeDocument/2006/relationships" xmlns:p="http://schemas.openxmlformats.org/presentationml/2006/main">
+  <p:cSld>
+    <p:spTree>
+      <p:nvGrpSpPr>
+        <p:cNvPr id="1" name=""/>
+        <p:cNvGrpSpPr/>
+        <p:nvPr/>
+      </p:nvGrpSpPr>
+      <p:grpSpPr>
+        <a:xfrm>
+          <a:off x="0" y="0"/>
+          <a:ext cx="0" cy="0"/>
+          <a:chOff x="0" y="0"/>
+          <a:chExt cx="0" cy="0"/>
+        </a:xfrm>
+      </p:grpSpPr>
+      <p:graphicFrame>
+        <p:nvGraphicFramePr>
+          <p:cNvPr id="11" name="Table 10">
+            <a:extLst>
+              <a:ext uri="{FF2B5EF4-FFF2-40B4-BE49-F238E27FC236}">
+                <a16:creationId xmlns:a16="http://schemas.microsoft.com/office/drawing/2014/main" id="{B074EE88-D841-56A2-43EC-E8EDE1894F28}"/>
+              </a:ext>
+            </a:extLst>
+          </p:cNvPr>
+          <p:cNvGraphicFramePr>
+            <a:graphicFrameLocks noGrp="1"/>
+          </p:cNvGraphicFramePr>
+          <p:nvPr>
+            <p:extLst>
+              <p:ext uri="{D42A27DB-BD31-4B8C-83A1-F6EECF244321}">
+                <p14:modId xmlns:p14="http://schemas.microsoft.com/office/powerpoint/2010/main" val="1934415802"/>
+              </p:ext>
+            </p:extLst>
+          </p:nvPr>
+        </p:nvGraphicFramePr>
+        <p:xfrm>
+          <a:off x="610861" y="567250"/>
+          <a:ext cx="3202508" cy="2110772"/>
+        </p:xfrm>
+        <a:graphic>
+          <a:graphicData uri="http://schemas.openxmlformats.org/drawingml/2006/table">
+            <a:tbl>
+              <a:tblPr firstRow="1" firstCol="1" bandRow="1">
+                <a:tableStyleId>{1E171933-4619-4E11-9A3F-F7608DF75F80}</a:tableStyleId>
+              </a:tblPr>
+              <a:tblGrid>
+                <a:gridCol w="1601254">
+                  <a:extLst>
+                    <a:ext uri="{9D8B030D-6E8A-4147-A177-3AD203B41FA5}">
+                      <a16:colId xmlns:a16="http://schemas.microsoft.com/office/drawing/2014/main" val="2913625203"/>
+                    </a:ext>
+                  </a:extLst>
+                </a:gridCol>
+                <a:gridCol w="1601254">
+                  <a:extLst>
+                    <a:ext uri="{9D8B030D-6E8A-4147-A177-3AD203B41FA5}">
+                      <a16:colId xmlns:a16="http://schemas.microsoft.com/office/drawing/2014/main" val="2558964253"/>
+                    </a:ext>
+                  </a:extLst>
+                </a:gridCol>
+              </a:tblGrid>
+              <a:tr h="398162">
+                <a:tc>
+                  <a:txBody>
+                    <a:bodyPr/>
+                    <a:lstStyle/>
+                    <a:p>
+                      <a:pPr lvl="0">
+                        <a:lnSpc>
+                          <a:spcPts val="2400"/>
+                        </a:lnSpc>
+                        <a:buNone/>
+                      </a:pPr>
+                      <a:r>
+                        <a:rPr lang="en-US" sz="2000" dirty="0">
+                          <a:solidFill>
+                            <a:srgbClr val="FFFFFF"/>
+                          </a:solidFill>
+                          <a:effectLst/>
+                        </a:rPr>
+                        <a:t>Name</a:t>
+                      </a:r>
+                    </a:p>
+                  </a:txBody>
+                  <a:tcPr/>
+                </a:tc>
+                <a:tc>
+                  <a:txBody>
+                    <a:bodyPr/>
+                    <a:lstStyle/>
+                    <a:p>
+                      <a:pPr lvl="0">
+                        <a:lnSpc>
+                          <a:spcPts val="2400"/>
+                        </a:lnSpc>
+                        <a:buNone/>
+                      </a:pPr>
+                      <a:r>
+                        <a:rPr lang="en-US" sz="2000" dirty="0">
+                          <a:effectLst/>
+                        </a:rPr>
+                        <a:t>Weight</a:t>
+                      </a:r>
+                      <a:endParaRPr lang="en-US"/>
+                    </a:p>
+                  </a:txBody>
+                  <a:tcPr/>
+                </a:tc>
+                <a:extLst>
+                  <a:ext uri="{0D108BD9-81ED-4DB2-BD59-A6C34878D82A}">
+                    <a16:rowId xmlns:a16="http://schemas.microsoft.com/office/drawing/2014/main" val="1662013796"/>
+                  </a:ext>
+                </a:extLst>
+              </a:tr>
+              <a:tr h="398162">
+                <a:tc>
+                  <a:txBody>
+                    <a:bodyPr/>
+                    <a:lstStyle/>
+                    <a:p>
+                      <a:pPr lvl="0">
+                        <a:lnSpc>
+                          <a:spcPts val="2400"/>
+                        </a:lnSpc>
+                        <a:buNone/>
+                      </a:pPr>
+                      <a:r>
+                        <a:rPr lang="en-US" sz="2000" dirty="0">
+                          <a:effectLst/>
+                        </a:rPr>
+                        <a:t>Bahati</a:t>
+                      </a:r>
+                      <a:endParaRPr lang="en-US" dirty="0">
+                        <a:effectLst/>
+                      </a:endParaRPr>
+                    </a:p>
+                  </a:txBody>
+                  <a:tcPr/>
+                </a:tc>
+                <a:tc>
+                  <a:txBody>
+                    <a:bodyPr/>
+                    <a:lstStyle/>
+                    <a:p>
+                      <a:pPr lvl="0">
+                        <a:lnSpc>
+                          <a:spcPts val="2400"/>
+                        </a:lnSpc>
+                        <a:buNone/>
+                      </a:pPr>
+                      <a:r>
+                        <a:rPr lang="en-US" sz="2000" dirty="0">
+                          <a:effectLst/>
+                        </a:rPr>
+                        <a:t>20</a:t>
+                      </a:r>
+                      <a:endParaRPr lang="en-US"/>
+                    </a:p>
+                  </a:txBody>
+                  <a:tcPr/>
+                </a:tc>
+                <a:extLst>
+                  <a:ext uri="{0D108BD9-81ED-4DB2-BD59-A6C34878D82A}">
+                    <a16:rowId xmlns:a16="http://schemas.microsoft.com/office/drawing/2014/main" val="662868256"/>
+                  </a:ext>
+                </a:extLst>
+              </a:tr>
+              <a:tr h="438150">
+                <a:tc>
+                  <a:txBody>
+                    <a:bodyPr/>
+                    <a:lstStyle/>
+                    <a:p>
+                      <a:pPr lvl="0">
+                        <a:lnSpc>
+                          <a:spcPts val="2400"/>
+                        </a:lnSpc>
+                        <a:buNone/>
+                      </a:pPr>
+                      <a:r>
+                        <a:rPr lang="en-US" sz="2000" dirty="0">
+                          <a:effectLst/>
+                        </a:rPr>
+                        <a:t>Winifred</a:t>
+                      </a:r>
+                      <a:endParaRPr lang="en-US" dirty="0">
+                        <a:effectLst/>
+                      </a:endParaRPr>
+                    </a:p>
+                  </a:txBody>
+                  <a:tcPr/>
+                </a:tc>
+                <a:tc>
+                  <a:txBody>
+                    <a:bodyPr/>
+                    <a:lstStyle/>
+                    <a:p>
+                      <a:pPr lvl="0">
+                        <a:lnSpc>
+                          <a:spcPts val="2400"/>
+                        </a:lnSpc>
+                        <a:buNone/>
+                      </a:pPr>
+                      <a:r>
+                        <a:rPr lang="en-US" sz="2000" dirty="0">
+                          <a:effectLst/>
+                        </a:rPr>
+                        <a:t>80</a:t>
+                      </a:r>
+                      <a:endParaRPr lang="en-US">
+                        <a:effectLst/>
+                      </a:endParaRPr>
+                    </a:p>
+                  </a:txBody>
+                  <a:tcPr/>
+                </a:tc>
+                <a:extLst>
+                  <a:ext uri="{0D108BD9-81ED-4DB2-BD59-A6C34878D82A}">
+                    <a16:rowId xmlns:a16="http://schemas.microsoft.com/office/drawing/2014/main" val="2347825567"/>
+                  </a:ext>
+                </a:extLst>
+              </a:tr>
+              <a:tr h="438149">
+                <a:tc>
+                  <a:txBody>
+                    <a:bodyPr/>
+                    <a:lstStyle/>
+                    <a:p>
+                      <a:pPr lvl="0">
+                        <a:lnSpc>
+                          <a:spcPts val="2400"/>
+                        </a:lnSpc>
+                        <a:buNone/>
+                      </a:pPr>
+                      <a:r>
+                        <a:rPr lang="en-US" sz="2000" dirty="0">
+                          <a:effectLst/>
+                        </a:rPr>
+                        <a:t>Ben</a:t>
+                      </a:r>
+                      <a:endParaRPr lang="en-US" dirty="0">
+                        <a:effectLst/>
+                      </a:endParaRPr>
+                    </a:p>
+                  </a:txBody>
+                  <a:tcPr/>
+                </a:tc>
+                <a:tc>
+                  <a:txBody>
+                    <a:bodyPr/>
+                    <a:lstStyle/>
+                    <a:p>
+                      <a:pPr lvl="0">
+                        <a:lnSpc>
+                          <a:spcPts val="2400"/>
+                        </a:lnSpc>
+                        <a:buNone/>
+                      </a:pPr>
+                      <a:r>
+                        <a:rPr lang="en-US" sz="2000" dirty="0">
+                          <a:effectLst/>
+                        </a:rPr>
+                        <a:t>62</a:t>
+                      </a:r>
+                      <a:endParaRPr lang="en-US" dirty="0"/>
+                    </a:p>
+                  </a:txBody>
+                  <a:tcPr/>
+                </a:tc>
+                <a:extLst>
+                  <a:ext uri="{0D108BD9-81ED-4DB2-BD59-A6C34878D82A}">
+                    <a16:rowId xmlns:a16="http://schemas.microsoft.com/office/drawing/2014/main" val="3179729432"/>
+                  </a:ext>
+                </a:extLst>
+              </a:tr>
+              <a:tr h="438149">
+                <a:tc>
+                  <a:txBody>
+                    <a:bodyPr/>
+                    <a:lstStyle/>
+                    <a:p>
+                      <a:pPr lvl="0">
+                        <a:lnSpc>
+                          <a:spcPts val="2400"/>
+                        </a:lnSpc>
+                        <a:buNone/>
+                      </a:pPr>
+                      <a:r>
+                        <a:rPr lang="en-US" sz="2000" dirty="0">
+                          <a:effectLst/>
+                        </a:rPr>
+                        <a:t>Zayden</a:t>
+                      </a:r>
+                      <a:endParaRPr lang="en-US" dirty="0">
+                        <a:effectLst/>
+                      </a:endParaRPr>
+                    </a:p>
+                  </a:txBody>
+                  <a:tcPr/>
+                </a:tc>
+                <a:tc>
+                  <a:txBody>
+                    <a:bodyPr/>
+                    <a:lstStyle/>
+                    <a:p>
+                      <a:pPr lvl="0">
+                        <a:lnSpc>
+                          <a:spcPts val="2400"/>
+                        </a:lnSpc>
+                        <a:buNone/>
+                      </a:pPr>
+                      <a:r>
+                        <a:rPr lang="en-US" sz="2000" dirty="0">
+                          <a:effectLst/>
+                        </a:rPr>
+                        <a:t>18</a:t>
+                      </a:r>
+                      <a:endParaRPr lang="en-US" dirty="0"/>
+                    </a:p>
+                  </a:txBody>
+                  <a:tcPr/>
+                </a:tc>
+                <a:extLst>
+                  <a:ext uri="{0D108BD9-81ED-4DB2-BD59-A6C34878D82A}">
+                    <a16:rowId xmlns:a16="http://schemas.microsoft.com/office/drawing/2014/main" val="340010705"/>
+                  </a:ext>
+                </a:extLst>
+              </a:tr>
+            </a:tbl>
+          </a:graphicData>
+        </a:graphic>
+      </p:graphicFrame>
+      <p:graphicFrame>
+        <p:nvGraphicFramePr>
+          <p:cNvPr id="14" name="Table 13">
+            <a:extLst>
+              <a:ext uri="{FF2B5EF4-FFF2-40B4-BE49-F238E27FC236}">
+                <a16:creationId xmlns:a16="http://schemas.microsoft.com/office/drawing/2014/main" id="{DD84B1EB-A6E1-89BD-3DEE-CEEAE77F6189}"/>
+              </a:ext>
+            </a:extLst>
+          </p:cNvPr>
+          <p:cNvGraphicFramePr>
+            <a:graphicFrameLocks noGrp="1"/>
+          </p:cNvGraphicFramePr>
+          <p:nvPr>
+            <p:extLst>
+              <p:ext uri="{D42A27DB-BD31-4B8C-83A1-F6EECF244321}">
+                <p14:modId xmlns:p14="http://schemas.microsoft.com/office/powerpoint/2010/main" val="3738335509"/>
+              </p:ext>
+            </p:extLst>
+          </p:nvPr>
+        </p:nvGraphicFramePr>
+        <p:xfrm>
+          <a:off x="6257073" y="569950"/>
+          <a:ext cx="3277284" cy="2123054"/>
+        </p:xfrm>
+        <a:graphic>
+          <a:graphicData uri="http://schemas.openxmlformats.org/drawingml/2006/table">
+            <a:tbl>
+              <a:tblPr firstRow="1" firstCol="1" bandRow="1">
+                <a:tableStyleId>{1E171933-4619-4E11-9A3F-F7608DF75F80}</a:tableStyleId>
+              </a:tblPr>
+              <a:tblGrid>
+                <a:gridCol w="1638642">
+                  <a:extLst>
+                    <a:ext uri="{9D8B030D-6E8A-4147-A177-3AD203B41FA5}">
+                      <a16:colId xmlns:a16="http://schemas.microsoft.com/office/drawing/2014/main" val="2913625203"/>
+                    </a:ext>
+                  </a:extLst>
+                </a:gridCol>
+                <a:gridCol w="1638642">
+                  <a:extLst>
+                    <a:ext uri="{9D8B030D-6E8A-4147-A177-3AD203B41FA5}">
+                      <a16:colId xmlns:a16="http://schemas.microsoft.com/office/drawing/2014/main" val="1977891800"/>
+                    </a:ext>
+                  </a:extLst>
+                </a:gridCol>
+              </a:tblGrid>
+              <a:tr h="399796">
+                <a:tc>
+                  <a:txBody>
+                    <a:bodyPr/>
+                    <a:lstStyle/>
+                    <a:p>
+                      <a:pPr lvl="0">
+                        <a:lnSpc>
+                          <a:spcPts val="2400"/>
+                        </a:lnSpc>
+                        <a:buNone/>
+                      </a:pPr>
+                      <a:r>
+                        <a:rPr lang="en-US" sz="2000" dirty="0">
+                          <a:solidFill>
+                            <a:srgbClr val="FFFFFF"/>
+                          </a:solidFill>
+                          <a:effectLst/>
+                        </a:rPr>
+                        <a:t>Name</a:t>
+                      </a:r>
+                    </a:p>
+                  </a:txBody>
+                  <a:tcPr/>
+                </a:tc>
+                <a:tc>
+                  <a:txBody>
+                    <a:bodyPr/>
+                    <a:lstStyle/>
+                    <a:p>
+                      <a:pPr lvl="0">
+                        <a:lnSpc>
+                          <a:spcPts val="2400"/>
+                        </a:lnSpc>
+                        <a:buNone/>
+                      </a:pPr>
+                      <a:r>
+                        <a:rPr lang="en-US" sz="2000" dirty="0">
+                          <a:effectLst/>
+                        </a:rPr>
+                        <a:t>Height</a:t>
+                      </a:r>
+                    </a:p>
+                  </a:txBody>
+                  <a:tcPr/>
+                </a:tc>
+                <a:extLst>
+                  <a:ext uri="{0D108BD9-81ED-4DB2-BD59-A6C34878D82A}">
+                    <a16:rowId xmlns:a16="http://schemas.microsoft.com/office/drawing/2014/main" val="1662013796"/>
+                  </a:ext>
+                </a:extLst>
+              </a:tr>
+              <a:tr h="399796">
+                <a:tc>
+                  <a:txBody>
+                    <a:bodyPr/>
+                    <a:lstStyle/>
+                    <a:p>
+                      <a:pPr lvl="0">
+                        <a:lnSpc>
+                          <a:spcPts val="2400"/>
+                        </a:lnSpc>
+                        <a:buNone/>
+                      </a:pPr>
+                      <a:r>
+                        <a:rPr lang="en-US" sz="2000" dirty="0">
+                          <a:effectLst/>
+                        </a:rPr>
+                        <a:t>Bahati</a:t>
+                      </a:r>
+                      <a:endParaRPr lang="en-US" dirty="0">
+                        <a:effectLst/>
+                      </a:endParaRPr>
+                    </a:p>
+                  </a:txBody>
+                  <a:tcPr/>
+                </a:tc>
+                <a:tc>
+                  <a:txBody>
+                    <a:bodyPr/>
+                    <a:lstStyle/>
+                    <a:p>
+                      <a:pPr lvl="0">
+                        <a:lnSpc>
+                          <a:spcPts val="2400"/>
+                        </a:lnSpc>
+                        <a:buNone/>
+                      </a:pPr>
+                      <a:r>
+                        <a:rPr lang="en-US" sz="2000" dirty="0">
+                          <a:effectLst/>
+                        </a:rPr>
+                        <a:t>180</a:t>
+                      </a:r>
+                      <a:endParaRPr lang="en-US" dirty="0"/>
+                    </a:p>
+                  </a:txBody>
+                  <a:tcPr/>
+                </a:tc>
+                <a:extLst>
+                  <a:ext uri="{0D108BD9-81ED-4DB2-BD59-A6C34878D82A}">
+                    <a16:rowId xmlns:a16="http://schemas.microsoft.com/office/drawing/2014/main" val="662868256"/>
+                  </a:ext>
+                </a:extLst>
+              </a:tr>
+              <a:tr h="441154">
+                <a:tc>
+                  <a:txBody>
+                    <a:bodyPr/>
+                    <a:lstStyle/>
+                    <a:p>
+                      <a:pPr lvl="0">
+                        <a:lnSpc>
+                          <a:spcPts val="2400"/>
+                        </a:lnSpc>
+                        <a:buNone/>
+                      </a:pPr>
+                      <a:r>
+                        <a:rPr lang="en-US" sz="2000" dirty="0">
+                          <a:effectLst/>
+                        </a:rPr>
+                        <a:t>Winifred</a:t>
+                      </a:r>
+                      <a:endParaRPr lang="en-US" dirty="0">
+                        <a:effectLst/>
+                      </a:endParaRPr>
+                    </a:p>
+                  </a:txBody>
+                  <a:tcPr/>
+                </a:tc>
+                <a:tc>
+                  <a:txBody>
+                    <a:bodyPr/>
+                    <a:lstStyle/>
+                    <a:p>
+                      <a:pPr lvl="0">
+                        <a:lnSpc>
+                          <a:spcPts val="2400"/>
+                        </a:lnSpc>
+                        <a:buNone/>
+                      </a:pPr>
+                      <a:r>
+                        <a:rPr lang="en-US" sz="2000" dirty="0">
+                          <a:effectLst/>
+                        </a:rPr>
+                        <a:t>153</a:t>
+                      </a:r>
+                      <a:endParaRPr lang="en-US" dirty="0"/>
+                    </a:p>
+                  </a:txBody>
+                  <a:tcPr/>
+                </a:tc>
+                <a:extLst>
+                  <a:ext uri="{0D108BD9-81ED-4DB2-BD59-A6C34878D82A}">
+                    <a16:rowId xmlns:a16="http://schemas.microsoft.com/office/drawing/2014/main" val="2347825567"/>
+                  </a:ext>
+                </a:extLst>
+              </a:tr>
+              <a:tr h="441154">
+                <a:tc>
+                  <a:txBody>
+                    <a:bodyPr/>
+                    <a:lstStyle/>
+                    <a:p>
+                      <a:pPr lvl="0">
+                        <a:lnSpc>
+                          <a:spcPts val="2400"/>
+                        </a:lnSpc>
+                        <a:buNone/>
+                      </a:pPr>
+                      <a:r>
+                        <a:rPr lang="en-US" sz="2000" dirty="0">
+                          <a:effectLst/>
+                        </a:rPr>
+                        <a:t>Ben</a:t>
+                      </a:r>
+                      <a:endParaRPr lang="en-US" dirty="0">
+                        <a:effectLst/>
+                      </a:endParaRPr>
+                    </a:p>
+                  </a:txBody>
+                  <a:tcPr/>
+                </a:tc>
+                <a:tc>
+                  <a:txBody>
+                    <a:bodyPr/>
+                    <a:lstStyle/>
+                    <a:p>
+                      <a:pPr lvl="0">
+                        <a:lnSpc>
+                          <a:spcPts val="2400"/>
+                        </a:lnSpc>
+                        <a:buNone/>
+                      </a:pPr>
+                      <a:r>
+                        <a:rPr lang="en-US" sz="2000" dirty="0">
+                          <a:effectLst/>
+                        </a:rPr>
+                        <a:t>198</a:t>
+                      </a:r>
+                      <a:endParaRPr lang="en-US" dirty="0"/>
+                    </a:p>
+                  </a:txBody>
+                  <a:tcPr/>
+                </a:tc>
+                <a:extLst>
+                  <a:ext uri="{0D108BD9-81ED-4DB2-BD59-A6C34878D82A}">
+                    <a16:rowId xmlns:a16="http://schemas.microsoft.com/office/drawing/2014/main" val="3179729432"/>
+                  </a:ext>
+                </a:extLst>
+              </a:tr>
+              <a:tr h="441154">
+                <a:tc>
+                  <a:txBody>
+                    <a:bodyPr/>
+                    <a:lstStyle/>
+                    <a:p>
+                      <a:pPr lvl="0">
+                        <a:lnSpc>
+                          <a:spcPts val="2400"/>
+                        </a:lnSpc>
+                        <a:buNone/>
+                      </a:pPr>
+                      <a:r>
+                        <a:rPr lang="en-US" sz="2000" dirty="0">
+                          <a:effectLst/>
+                        </a:rPr>
+                        <a:t>Zayden</a:t>
+                      </a:r>
+                      <a:endParaRPr lang="en-US" dirty="0">
+                        <a:effectLst/>
+                      </a:endParaRPr>
+                    </a:p>
+                  </a:txBody>
+                  <a:tcPr/>
+                </a:tc>
+                <a:tc>
+                  <a:txBody>
+                    <a:bodyPr/>
+                    <a:lstStyle/>
+                    <a:p>
+                      <a:pPr lvl="0">
+                        <a:lnSpc>
+                          <a:spcPts val="2400"/>
+                        </a:lnSpc>
+                        <a:buNone/>
+                      </a:pPr>
+                      <a:r>
+                        <a:rPr lang="en-US" sz="2000" dirty="0">
+                          <a:effectLst/>
+                        </a:rPr>
+                        <a:t>182</a:t>
+                      </a:r>
+                      <a:endParaRPr lang="en-US" dirty="0"/>
+                    </a:p>
+                  </a:txBody>
+                  <a:tcPr/>
+                </a:tc>
+                <a:extLst>
+                  <a:ext uri="{0D108BD9-81ED-4DB2-BD59-A6C34878D82A}">
+                    <a16:rowId xmlns:a16="http://schemas.microsoft.com/office/drawing/2014/main" val="340010705"/>
+                  </a:ext>
+                </a:extLst>
+              </a:tr>
+            </a:tbl>
+          </a:graphicData>
+        </a:graphic>
+      </p:graphicFrame>
+      <p:pic>
+        <p:nvPicPr>
+          <p:cNvPr id="15" name="Picture 14" descr="A table with numbers and text&#10;&#10;Description automatically generated">
+            <a:extLst>
+              <a:ext uri="{FF2B5EF4-FFF2-40B4-BE49-F238E27FC236}">
+                <a16:creationId xmlns:a16="http://schemas.microsoft.com/office/drawing/2014/main" id="{01F5BD6D-8016-2DCD-2501-54323857C5B9}"/>
+              </a:ext>
+            </a:extLst>
+          </p:cNvPr>
+          <p:cNvPicPr>
+            <a:picLocks noChangeAspect="1"/>
+          </p:cNvPicPr>
+          <p:nvPr/>
+        </p:nvPicPr>
+        <p:blipFill>
+          <a:blip r:embed="rId2"/>
+          <a:stretch>
+            <a:fillRect/>
+          </a:stretch>
+        </p:blipFill>
+        <p:spPr>
+          <a:xfrm>
+            <a:off x="6254800" y="3415127"/>
+            <a:ext cx="4695825" cy="3095625"/>
+          </a:xfrm>
+          <a:prstGeom prst="rect">
+            <a:avLst/>
+          </a:prstGeom>
+        </p:spPr>
+      </p:pic>
+      <p:pic>
+        <p:nvPicPr>
+          <p:cNvPr id="16" name="Picture 15" descr="A table with numbers and text&#10;&#10;Description automatically generated">
+            <a:extLst>
+              <a:ext uri="{FF2B5EF4-FFF2-40B4-BE49-F238E27FC236}">
+                <a16:creationId xmlns:a16="http://schemas.microsoft.com/office/drawing/2014/main" id="{14B74CCD-53CE-67CC-E8A0-2D6E4D48C781}"/>
+              </a:ext>
+            </a:extLst>
+          </p:cNvPr>
+          <p:cNvPicPr>
+            <a:picLocks noChangeAspect="1"/>
+          </p:cNvPicPr>
+          <p:nvPr/>
+        </p:nvPicPr>
+        <p:blipFill>
+          <a:blip r:embed="rId3"/>
+          <a:stretch>
+            <a:fillRect/>
+          </a:stretch>
+        </p:blipFill>
+        <p:spPr>
+          <a:xfrm>
+            <a:off x="836849" y="3426317"/>
+            <a:ext cx="4581525" cy="3076575"/>
+          </a:xfrm>
+          <a:prstGeom prst="rect">
+            <a:avLst/>
+          </a:prstGeom>
+        </p:spPr>
+      </p:pic>
+    </p:spTree>
+    <p:extLst>
+      <p:ext uri="{BB962C8B-B14F-4D97-AF65-F5344CB8AC3E}">
+        <p14:creationId xmlns:p14="http://schemas.microsoft.com/office/powerpoint/2010/main" val="3276734983"/>
       </p:ext>
     </p:extLst>
   </p:cSld>
@@ -6178,10 +6767,10 @@
       </p:grpSpPr>
       <p:cxnSp>
         <p:nvCxnSpPr>
-          <p:cNvPr id="91" name="Straight Arrow Connector 90">
-            <a:extLst>
-              <a:ext uri="{FF2B5EF4-FFF2-40B4-BE49-F238E27FC236}">
-                <a16:creationId xmlns:a16="http://schemas.microsoft.com/office/drawing/2014/main" id="{82D020CB-8039-7984-C793-E5AC6CF395DB}"/>
+          <p:cNvPr id="33" name="Straight Arrow Connector 32">
+            <a:extLst>
+              <a:ext uri="{FF2B5EF4-FFF2-40B4-BE49-F238E27FC236}">
+                <a16:creationId xmlns:a16="http://schemas.microsoft.com/office/drawing/2014/main" id="{98FE9A9D-B6BB-821C-DD01-9561904B0035}"/>
               </a:ext>
             </a:extLst>
           </p:cNvPr>
@@ -6217,10 +6806,10 @@
       </p:cxnSp>
       <p:cxnSp>
         <p:nvCxnSpPr>
-          <p:cNvPr id="92" name="Straight Arrow Connector 91">
-            <a:extLst>
-              <a:ext uri="{FF2B5EF4-FFF2-40B4-BE49-F238E27FC236}">
-                <a16:creationId xmlns:a16="http://schemas.microsoft.com/office/drawing/2014/main" id="{0A7BB486-3A5A-9D49-4EFC-133038290A6D}"/>
+          <p:cNvPr id="35" name="Straight Arrow Connector 34">
+            <a:extLst>
+              <a:ext uri="{FF2B5EF4-FFF2-40B4-BE49-F238E27FC236}">
+                <a16:creationId xmlns:a16="http://schemas.microsoft.com/office/drawing/2014/main" id="{E652F433-6236-FC48-6AF0-61BC3560E95A}"/>
               </a:ext>
             </a:extLst>
           </p:cNvPr>
@@ -6258,10 +6847,10 @@
       </p:cxnSp>
       <p:pic>
         <p:nvPicPr>
-          <p:cNvPr id="96" name="Graphic 95" descr="Hospital with solid fill">
-            <a:extLst>
-              <a:ext uri="{FF2B5EF4-FFF2-40B4-BE49-F238E27FC236}">
-                <a16:creationId xmlns:a16="http://schemas.microsoft.com/office/drawing/2014/main" id="{188133AB-0F1C-9451-B33C-BDD6E1F6DD0F}"/>
+          <p:cNvPr id="37" name="Graphic 36" descr="Hospital with solid fill">
+            <a:extLst>
+              <a:ext uri="{FF2B5EF4-FFF2-40B4-BE49-F238E27FC236}">
+                <a16:creationId xmlns:a16="http://schemas.microsoft.com/office/drawing/2014/main" id="{F182B022-4A61-C91A-F58A-4CE1AC2E2880}"/>
               </a:ext>
             </a:extLst>
           </p:cNvPr>
@@ -6294,10 +6883,10 @@
       </p:pic>
       <p:pic>
         <p:nvPicPr>
-          <p:cNvPr id="97" name="Graphic 96" descr="Hospital with solid fill">
-            <a:extLst>
-              <a:ext uri="{FF2B5EF4-FFF2-40B4-BE49-F238E27FC236}">
-                <a16:creationId xmlns:a16="http://schemas.microsoft.com/office/drawing/2014/main" id="{25039AC9-D2A5-D447-6111-1407BBBFD157}"/>
+          <p:cNvPr id="39" name="Graphic 38" descr="Hospital with solid fill">
+            <a:extLst>
+              <a:ext uri="{FF2B5EF4-FFF2-40B4-BE49-F238E27FC236}">
+                <a16:creationId xmlns:a16="http://schemas.microsoft.com/office/drawing/2014/main" id="{A0D721DA-0A6B-2943-FD07-A76637A7988F}"/>
               </a:ext>
             </a:extLst>
           </p:cNvPr>
@@ -6330,10 +6919,10 @@
       </p:pic>
       <p:pic>
         <p:nvPicPr>
-          <p:cNvPr id="98" name="Graphic 97" descr="Schoolhouse with solid fill">
-            <a:extLst>
-              <a:ext uri="{FF2B5EF4-FFF2-40B4-BE49-F238E27FC236}">
-                <a16:creationId xmlns:a16="http://schemas.microsoft.com/office/drawing/2014/main" id="{5A803901-3D87-52A4-5FB0-44E5696E4C26}"/>
+          <p:cNvPr id="41" name="Picture 40" descr="A close up of a weight&#10;&#10;Description automatically generated">
+            <a:extLst>
+              <a:ext uri="{FF2B5EF4-FFF2-40B4-BE49-F238E27FC236}">
+                <a16:creationId xmlns:a16="http://schemas.microsoft.com/office/drawing/2014/main" id="{AE29FDC6-1330-37E7-9F2C-9929A7FF128D}"/>
               </a:ext>
             </a:extLst>
           </p:cNvPr>
@@ -6343,10 +6932,129 @@
           <p:nvPr/>
         </p:nvPicPr>
         <p:blipFill>
-          <a:blip r:embed="rId4">
+          <a:blip r:embed="rId4"/>
+          <a:stretch>
+            <a:fillRect/>
+          </a:stretch>
+        </p:blipFill>
+        <p:spPr>
+          <a:xfrm>
+            <a:off x="1038995" y="4284374"/>
+            <a:ext cx="3219491" cy="1193488"/>
+          </a:xfrm>
+          <a:prstGeom prst="rect">
+            <a:avLst/>
+          </a:prstGeom>
+        </p:spPr>
+      </p:pic>
+      <p:pic>
+        <p:nvPicPr>
+          <p:cNvPr id="43" name="Picture 42" descr="A blue and white box with text&#10;&#10;Description automatically generated">
+            <a:extLst>
+              <a:ext uri="{FF2B5EF4-FFF2-40B4-BE49-F238E27FC236}">
+                <a16:creationId xmlns:a16="http://schemas.microsoft.com/office/drawing/2014/main" id="{6F26E5C0-8C36-2A7E-F346-C196A8EAB91C}"/>
+              </a:ext>
+            </a:extLst>
+          </p:cNvPr>
+          <p:cNvPicPr>
+            <a:picLocks noChangeAspect="1"/>
+          </p:cNvPicPr>
+          <p:nvPr/>
+        </p:nvPicPr>
+        <p:blipFill>
+          <a:blip r:embed="rId5"/>
+          <a:stretch>
+            <a:fillRect/>
+          </a:stretch>
+        </p:blipFill>
+        <p:spPr>
+          <a:xfrm>
+            <a:off x="1042061" y="1686809"/>
+            <a:ext cx="3215055" cy="1174458"/>
+          </a:xfrm>
+          <a:prstGeom prst="rect">
+            <a:avLst/>
+          </a:prstGeom>
+        </p:spPr>
+      </p:pic>
+      <p:pic>
+        <p:nvPicPr>
+          <p:cNvPr id="45" name="Picture 44" descr="A blue and white box with text&#10;&#10;Description automatically generated">
+            <a:extLst>
+              <a:ext uri="{FF2B5EF4-FFF2-40B4-BE49-F238E27FC236}">
+                <a16:creationId xmlns:a16="http://schemas.microsoft.com/office/drawing/2014/main" id="{B1DED36A-6266-C8A2-BB7F-AFBB8FA0F210}"/>
+              </a:ext>
+            </a:extLst>
+          </p:cNvPr>
+          <p:cNvPicPr>
+            <a:picLocks noChangeAspect="1"/>
+          </p:cNvPicPr>
+          <p:nvPr/>
+        </p:nvPicPr>
+        <p:blipFill>
+          <a:blip r:embed="rId5"/>
+          <a:stretch>
+            <a:fillRect/>
+          </a:stretch>
+        </p:blipFill>
+        <p:spPr>
+          <a:xfrm>
+            <a:off x="7392060" y="2634662"/>
+            <a:ext cx="3215055" cy="1174458"/>
+          </a:xfrm>
+          <a:prstGeom prst="rect">
+            <a:avLst/>
+          </a:prstGeom>
+        </p:spPr>
+      </p:pic>
+      <p:pic>
+        <p:nvPicPr>
+          <p:cNvPr id="47" name="Picture 46" descr="A close up of a weight&#10;&#10;Description automatically generated">
+            <a:extLst>
+              <a:ext uri="{FF2B5EF4-FFF2-40B4-BE49-F238E27FC236}">
+                <a16:creationId xmlns:a16="http://schemas.microsoft.com/office/drawing/2014/main" id="{415A613F-68C3-7DFD-2DC0-778D42724E52}"/>
+              </a:ext>
+            </a:extLst>
+          </p:cNvPr>
+          <p:cNvPicPr>
+            <a:picLocks noChangeAspect="1"/>
+          </p:cNvPicPr>
+          <p:nvPr/>
+        </p:nvPicPr>
+        <p:blipFill>
+          <a:blip r:embed="rId4"/>
+          <a:srcRect l="-69" t="34715" r="262" b="518"/>
+          <a:stretch/>
+        </p:blipFill>
+        <p:spPr>
+          <a:xfrm>
+            <a:off x="7392950" y="3751592"/>
+            <a:ext cx="3213303" cy="772986"/>
+          </a:xfrm>
+          <a:prstGeom prst="rect">
+            <a:avLst/>
+          </a:prstGeom>
+        </p:spPr>
+      </p:pic>
+      <p:pic>
+        <p:nvPicPr>
+          <p:cNvPr id="49" name="Graphic 48" descr="Schoolhouse with solid fill">
+            <a:extLst>
+              <a:ext uri="{FF2B5EF4-FFF2-40B4-BE49-F238E27FC236}">
+                <a16:creationId xmlns:a16="http://schemas.microsoft.com/office/drawing/2014/main" id="{31A7B6DC-1170-2288-257B-096786B978DD}"/>
+              </a:ext>
+            </a:extLst>
+          </p:cNvPr>
+          <p:cNvPicPr>
+            <a:picLocks noChangeAspect="1"/>
+          </p:cNvPicPr>
+          <p:nvPr/>
+        </p:nvPicPr>
+        <p:blipFill>
+          <a:blip r:embed="rId6">
             <a:extLst>
               <a:ext uri="{96DAC541-7B7A-43D3-8B79-37D633B846F1}">
-                <asvg:svgBlip xmlns:asvg="http://schemas.microsoft.com/office/drawing/2016/SVG/main" r:embed="rId5"/>
+                <asvg:svgBlip xmlns:asvg="http://schemas.microsoft.com/office/drawing/2016/SVG/main" r:embed="rId7"/>
               </a:ext>
             </a:extLst>
           </a:blip>
@@ -6364,132 +7072,12 @@
           </a:prstGeom>
         </p:spPr>
       </p:pic>
-      <p:pic>
-        <p:nvPicPr>
-          <p:cNvPr id="11" name="Picture 10" descr="A close-up of numbers&#10;&#10;Description automatically generated">
-            <a:extLst>
-              <a:ext uri="{FF2B5EF4-FFF2-40B4-BE49-F238E27FC236}">
-                <a16:creationId xmlns:a16="http://schemas.microsoft.com/office/drawing/2014/main" id="{9B348DF1-B4DC-99E2-4B32-FB4EAD9D222C}"/>
-              </a:ext>
-            </a:extLst>
-          </p:cNvPr>
-          <p:cNvPicPr>
-            <a:picLocks noChangeAspect="1"/>
-          </p:cNvPicPr>
-          <p:nvPr/>
-        </p:nvPicPr>
-        <p:blipFill>
-          <a:blip r:embed="rId6"/>
-          <a:stretch>
-            <a:fillRect/>
-          </a:stretch>
-        </p:blipFill>
-        <p:spPr>
-          <a:xfrm>
-            <a:off x="1127093" y="1974921"/>
-            <a:ext cx="2899617" cy="768197"/>
-          </a:xfrm>
-          <a:prstGeom prst="rect">
-            <a:avLst/>
-          </a:prstGeom>
-        </p:spPr>
-      </p:pic>
-      <p:pic>
-        <p:nvPicPr>
-          <p:cNvPr id="14" name="Picture 13" descr="A close up of numbers&#10;&#10;Description automatically generated">
-            <a:extLst>
-              <a:ext uri="{FF2B5EF4-FFF2-40B4-BE49-F238E27FC236}">
-                <a16:creationId xmlns:a16="http://schemas.microsoft.com/office/drawing/2014/main" id="{96C9349C-C288-126F-2796-3EEBAF9ED5E6}"/>
-              </a:ext>
-            </a:extLst>
-          </p:cNvPr>
-          <p:cNvPicPr>
-            <a:picLocks noChangeAspect="1"/>
-          </p:cNvPicPr>
-          <p:nvPr/>
-        </p:nvPicPr>
-        <p:blipFill>
-          <a:blip r:embed="rId7"/>
-          <a:stretch>
-            <a:fillRect/>
-          </a:stretch>
-        </p:blipFill>
-        <p:spPr>
-          <a:xfrm>
-            <a:off x="1123742" y="4507601"/>
-            <a:ext cx="2890092" cy="787247"/>
-          </a:xfrm>
-          <a:prstGeom prst="rect">
-            <a:avLst/>
-          </a:prstGeom>
-        </p:spPr>
-      </p:pic>
-      <p:pic>
-        <p:nvPicPr>
-          <p:cNvPr id="16" name="Picture 15" descr="A close up of numbers&#10;&#10;Description automatically generated">
-            <a:extLst>
-              <a:ext uri="{FF2B5EF4-FFF2-40B4-BE49-F238E27FC236}">
-                <a16:creationId xmlns:a16="http://schemas.microsoft.com/office/drawing/2014/main" id="{21C23544-4997-9FEE-0711-0999224E891A}"/>
-              </a:ext>
-            </a:extLst>
-          </p:cNvPr>
-          <p:cNvPicPr>
-            <a:picLocks noChangeAspect="1"/>
-          </p:cNvPicPr>
-          <p:nvPr/>
-        </p:nvPicPr>
-        <p:blipFill>
-          <a:blip r:embed="rId7"/>
-          <a:stretch>
-            <a:fillRect/>
-          </a:stretch>
-        </p:blipFill>
-        <p:spPr>
-          <a:xfrm>
-            <a:off x="7403356" y="3855769"/>
-            <a:ext cx="2890092" cy="787247"/>
-          </a:xfrm>
-          <a:prstGeom prst="rect">
-            <a:avLst/>
-          </a:prstGeom>
-        </p:spPr>
-      </p:pic>
-      <p:pic>
-        <p:nvPicPr>
-          <p:cNvPr id="18" name="Picture 17" descr="A close-up of numbers&#10;&#10;Description automatically generated">
-            <a:extLst>
-              <a:ext uri="{FF2B5EF4-FFF2-40B4-BE49-F238E27FC236}">
-                <a16:creationId xmlns:a16="http://schemas.microsoft.com/office/drawing/2014/main" id="{7284D57F-FBE5-E445-5BA1-9EFD290B65CD}"/>
-              </a:ext>
-            </a:extLst>
-          </p:cNvPr>
-          <p:cNvPicPr>
-            <a:picLocks noChangeAspect="1"/>
-          </p:cNvPicPr>
-          <p:nvPr/>
-        </p:nvPicPr>
-        <p:blipFill>
-          <a:blip r:embed="rId6"/>
-          <a:stretch>
-            <a:fillRect/>
-          </a:stretch>
-        </p:blipFill>
-        <p:spPr>
-          <a:xfrm>
-            <a:off x="7406707" y="3085788"/>
-            <a:ext cx="2899617" cy="768197"/>
-          </a:xfrm>
-          <a:prstGeom prst="rect">
-            <a:avLst/>
-          </a:prstGeom>
-        </p:spPr>
-      </p:pic>
       <p:sp>
         <p:nvSpPr>
-          <p:cNvPr id="3" name="Rectangle 2">
-            <a:extLst>
-              <a:ext uri="{FF2B5EF4-FFF2-40B4-BE49-F238E27FC236}">
-                <a16:creationId xmlns:a16="http://schemas.microsoft.com/office/drawing/2014/main" id="{9A971D1E-5741-4560-2587-D655E436549D}"/>
+          <p:cNvPr id="32" name="Rectangle 31">
+            <a:extLst>
+              <a:ext uri="{FF2B5EF4-FFF2-40B4-BE49-F238E27FC236}">
+                <a16:creationId xmlns:a16="http://schemas.microsoft.com/office/drawing/2014/main" id="{D4624B0F-6ECE-2E73-F8DA-BEEFB9B8ED84}"/>
               </a:ext>
             </a:extLst>
           </p:cNvPr>
@@ -6498,7 +7086,7 @@
         </p:nvSpPr>
         <p:spPr>
           <a:xfrm>
-            <a:off x="1125341" y="1978901"/>
+            <a:off x="7409942" y="4167542"/>
             <a:ext cx="997556" cy="270127"/>
           </a:xfrm>
           <a:prstGeom prst="rect">
@@ -6538,10 +7126,10 @@
       </p:sp>
       <p:sp>
         <p:nvSpPr>
-          <p:cNvPr id="20" name="Rectangle 19">
-            <a:extLst>
-              <a:ext uri="{FF2B5EF4-FFF2-40B4-BE49-F238E27FC236}">
-                <a16:creationId xmlns:a16="http://schemas.microsoft.com/office/drawing/2014/main" id="{BA98FC6D-7F0E-44D1-6848-EA7BF02EF61B}"/>
+          <p:cNvPr id="30" name="Rectangle 29">
+            <a:extLst>
+              <a:ext uri="{FF2B5EF4-FFF2-40B4-BE49-F238E27FC236}">
+                <a16:creationId xmlns:a16="http://schemas.microsoft.com/office/drawing/2014/main" id="{BFF08183-A62B-5062-6B28-D2EC32155BDD}"/>
               </a:ext>
             </a:extLst>
           </p:cNvPr>
@@ -6550,7 +7138,7 @@
         </p:nvSpPr>
         <p:spPr>
           <a:xfrm>
-            <a:off x="1112488" y="2360819"/>
+            <a:off x="7409942" y="3811060"/>
             <a:ext cx="997556" cy="270127"/>
           </a:xfrm>
           <a:prstGeom prst="rect">
@@ -6590,10 +7178,10 @@
       </p:sp>
       <p:sp>
         <p:nvSpPr>
-          <p:cNvPr id="22" name="Rectangle 21">
-            <a:extLst>
-              <a:ext uri="{FF2B5EF4-FFF2-40B4-BE49-F238E27FC236}">
-                <a16:creationId xmlns:a16="http://schemas.microsoft.com/office/drawing/2014/main" id="{216980CB-D2FC-673C-2CBE-52B9FDD861C6}"/>
+          <p:cNvPr id="28" name="Rectangle 27">
+            <a:extLst>
+              <a:ext uri="{FF2B5EF4-FFF2-40B4-BE49-F238E27FC236}">
+                <a16:creationId xmlns:a16="http://schemas.microsoft.com/office/drawing/2014/main" id="{7E88E235-7C03-33E6-2F24-CB225CAA6E6E}"/>
               </a:ext>
             </a:extLst>
           </p:cNvPr>
@@ -6602,7 +7190,7 @@
         </p:nvSpPr>
         <p:spPr>
           <a:xfrm>
-            <a:off x="1112488" y="4564193"/>
+            <a:off x="7409942" y="3402414"/>
             <a:ext cx="997556" cy="270127"/>
           </a:xfrm>
           <a:prstGeom prst="rect">
@@ -6642,10 +7230,10 @@
       </p:sp>
       <p:sp>
         <p:nvSpPr>
-          <p:cNvPr id="24" name="Rectangle 23">
-            <a:extLst>
-              <a:ext uri="{FF2B5EF4-FFF2-40B4-BE49-F238E27FC236}">
-                <a16:creationId xmlns:a16="http://schemas.microsoft.com/office/drawing/2014/main" id="{485A99AD-5209-EAEA-A26F-EB0B44D4AB65}"/>
+          <p:cNvPr id="26" name="Rectangle 25">
+            <a:extLst>
+              <a:ext uri="{FF2B5EF4-FFF2-40B4-BE49-F238E27FC236}">
+                <a16:creationId xmlns:a16="http://schemas.microsoft.com/office/drawing/2014/main" id="{2FA515F7-8CE7-F307-6B93-12BBA691EE2C}"/>
               </a:ext>
             </a:extLst>
           </p:cNvPr>
@@ -6654,7 +7242,7 @@
         </p:nvSpPr>
         <p:spPr>
           <a:xfrm>
-            <a:off x="1125341" y="4916732"/>
+            <a:off x="7409942" y="3035185"/>
             <a:ext cx="997556" cy="270127"/>
           </a:xfrm>
           <a:prstGeom prst="rect">
@@ -6694,10 +7282,10 @@
       </p:sp>
       <p:sp>
         <p:nvSpPr>
-          <p:cNvPr id="26" name="Rectangle 25">
-            <a:extLst>
-              <a:ext uri="{FF2B5EF4-FFF2-40B4-BE49-F238E27FC236}">
-                <a16:creationId xmlns:a16="http://schemas.microsoft.com/office/drawing/2014/main" id="{2FA515F7-8CE7-F307-6B93-12BBA691EE2C}"/>
+          <p:cNvPr id="22" name="Rectangle 21">
+            <a:extLst>
+              <a:ext uri="{FF2B5EF4-FFF2-40B4-BE49-F238E27FC236}">
+                <a16:creationId xmlns:a16="http://schemas.microsoft.com/office/drawing/2014/main" id="{216980CB-D2FC-673C-2CBE-52B9FDD861C6}"/>
               </a:ext>
             </a:extLst>
           </p:cNvPr>
@@ -6706,7 +7294,7 @@
         </p:nvSpPr>
         <p:spPr>
           <a:xfrm>
-            <a:off x="7401283" y="3104458"/>
+            <a:off x="1069193" y="4702738"/>
             <a:ext cx="997556" cy="270127"/>
           </a:xfrm>
           <a:prstGeom prst="rect">
@@ -6746,10 +7334,10 @@
       </p:sp>
       <p:sp>
         <p:nvSpPr>
-          <p:cNvPr id="28" name="Rectangle 27">
-            <a:extLst>
-              <a:ext uri="{FF2B5EF4-FFF2-40B4-BE49-F238E27FC236}">
-                <a16:creationId xmlns:a16="http://schemas.microsoft.com/office/drawing/2014/main" id="{7E88E235-7C03-33E6-2F24-CB225CAA6E6E}"/>
+          <p:cNvPr id="24" name="Rectangle 23">
+            <a:extLst>
+              <a:ext uri="{FF2B5EF4-FFF2-40B4-BE49-F238E27FC236}">
+                <a16:creationId xmlns:a16="http://schemas.microsoft.com/office/drawing/2014/main" id="{485A99AD-5209-EAEA-A26F-EB0B44D4AB65}"/>
               </a:ext>
             </a:extLst>
           </p:cNvPr>
@@ -6758,7 +7346,7 @@
         </p:nvSpPr>
         <p:spPr>
           <a:xfrm>
-            <a:off x="7401283" y="3471687"/>
+            <a:off x="1082046" y="5055277"/>
             <a:ext cx="997556" cy="270127"/>
           </a:xfrm>
           <a:prstGeom prst="rect">
@@ -6798,10 +7386,10 @@
       </p:sp>
       <p:sp>
         <p:nvSpPr>
-          <p:cNvPr id="30" name="Rectangle 29">
-            <a:extLst>
-              <a:ext uri="{FF2B5EF4-FFF2-40B4-BE49-F238E27FC236}">
-                <a16:creationId xmlns:a16="http://schemas.microsoft.com/office/drawing/2014/main" id="{BFF08183-A62B-5062-6B28-D2EC32155BDD}"/>
+          <p:cNvPr id="20" name="Rectangle 19">
+            <a:extLst>
+              <a:ext uri="{FF2B5EF4-FFF2-40B4-BE49-F238E27FC236}">
+                <a16:creationId xmlns:a16="http://schemas.microsoft.com/office/drawing/2014/main" id="{BA98FC6D-7F0E-44D1-6848-EA7BF02EF61B}"/>
               </a:ext>
             </a:extLst>
           </p:cNvPr>
@@ -6810,7 +7398,7 @@
         </p:nvSpPr>
         <p:spPr>
           <a:xfrm>
-            <a:off x="7401283" y="3958265"/>
+            <a:off x="1025897" y="2473387"/>
             <a:ext cx="997556" cy="270127"/>
           </a:xfrm>
           <a:prstGeom prst="rect">
@@ -6850,10 +7438,10 @@
       </p:sp>
       <p:sp>
         <p:nvSpPr>
-          <p:cNvPr id="32" name="Rectangle 31">
-            <a:extLst>
-              <a:ext uri="{FF2B5EF4-FFF2-40B4-BE49-F238E27FC236}">
-                <a16:creationId xmlns:a16="http://schemas.microsoft.com/office/drawing/2014/main" id="{D4624B0F-6ECE-2E73-F8DA-BEEFB9B8ED84}"/>
+          <p:cNvPr id="3" name="Rectangle 2">
+            <a:extLst>
+              <a:ext uri="{FF2B5EF4-FFF2-40B4-BE49-F238E27FC236}">
+                <a16:creationId xmlns:a16="http://schemas.microsoft.com/office/drawing/2014/main" id="{9A971D1E-5741-4560-2587-D655E436549D}"/>
               </a:ext>
             </a:extLst>
           </p:cNvPr>
@@ -6862,7 +7450,7 @@
         </p:nvSpPr>
         <p:spPr>
           <a:xfrm>
-            <a:off x="7401283" y="4288770"/>
+            <a:off x="1038750" y="2091469"/>
             <a:ext cx="997556" cy="270127"/>
           </a:xfrm>
           <a:prstGeom prst="rect">
@@ -7364,14 +7952,14 @@
       </p:par>
     </p:tnLst>
     <p:bldLst>
-      <p:bldP spid="3" grpId="0" animBg="1"/>
-      <p:bldP spid="20" grpId="0" animBg="1"/>
+      <p:bldP spid="32" grpId="0" animBg="1"/>
+      <p:bldP spid="30" grpId="0" animBg="1"/>
+      <p:bldP spid="28" grpId="0" animBg="1"/>
+      <p:bldP spid="26" grpId="0" animBg="1"/>
       <p:bldP spid="22" grpId="0" animBg="1"/>
       <p:bldP spid="24" grpId="0" animBg="1"/>
-      <p:bldP spid="26" grpId="0" animBg="1"/>
-      <p:bldP spid="28" grpId="0" animBg="1"/>
-      <p:bldP spid="30" grpId="0" animBg="1"/>
-      <p:bldP spid="32" grpId="0" animBg="1"/>
+      <p:bldP spid="20" grpId="0" animBg="1"/>
+      <p:bldP spid="3" grpId="0" animBg="1"/>
     </p:bldLst>
   </p:timing>
 </p:sld>
@@ -7394,6 +7982,66 @@
           <a:chExt cx="0" cy="0"/>
         </a:xfrm>
       </p:grpSpPr>
+      <p:pic>
+        <p:nvPicPr>
+          <p:cNvPr id="5" name="Picture 4" descr="A close up of a weight&#10;&#10;Description automatically generated">
+            <a:extLst>
+              <a:ext uri="{FF2B5EF4-FFF2-40B4-BE49-F238E27FC236}">
+                <a16:creationId xmlns:a16="http://schemas.microsoft.com/office/drawing/2014/main" id="{E9B619D3-B7C8-C1B2-87C2-FA31FDADCE34}"/>
+              </a:ext>
+            </a:extLst>
+          </p:cNvPr>
+          <p:cNvPicPr>
+            <a:picLocks noChangeAspect="1"/>
+          </p:cNvPicPr>
+          <p:nvPr/>
+        </p:nvPicPr>
+        <p:blipFill>
+          <a:blip r:embed="rId2"/>
+          <a:stretch>
+            <a:fillRect/>
+          </a:stretch>
+        </p:blipFill>
+        <p:spPr>
+          <a:xfrm>
+            <a:off x="1515245" y="4189124"/>
+            <a:ext cx="3219491" cy="1193488"/>
+          </a:xfrm>
+          <a:prstGeom prst="rect">
+            <a:avLst/>
+          </a:prstGeom>
+        </p:spPr>
+      </p:pic>
+      <p:pic>
+        <p:nvPicPr>
+          <p:cNvPr id="10" name="Picture 9" descr="A blue and white box with text&#10;&#10;Description automatically generated">
+            <a:extLst>
+              <a:ext uri="{FF2B5EF4-FFF2-40B4-BE49-F238E27FC236}">
+                <a16:creationId xmlns:a16="http://schemas.microsoft.com/office/drawing/2014/main" id="{394E6F4F-6030-2B25-EE92-1E456130ABF7}"/>
+              </a:ext>
+            </a:extLst>
+          </p:cNvPr>
+          <p:cNvPicPr>
+            <a:picLocks noChangeAspect="1"/>
+          </p:cNvPicPr>
+          <p:nvPr/>
+        </p:nvPicPr>
+        <p:blipFill>
+          <a:blip r:embed="rId3"/>
+          <a:stretch>
+            <a:fillRect/>
+          </a:stretch>
+        </p:blipFill>
+        <p:spPr>
+          <a:xfrm>
+            <a:off x="1586457" y="1591559"/>
+            <a:ext cx="3215055" cy="1174458"/>
+          </a:xfrm>
+          <a:prstGeom prst="rect">
+            <a:avLst/>
+          </a:prstGeom>
+        </p:spPr>
+      </p:pic>
       <p:cxnSp>
         <p:nvCxnSpPr>
           <p:cNvPr id="91" name="Straight Arrow Connector 90">
@@ -7489,10 +8137,10 @@
           <p:nvPr/>
         </p:nvPicPr>
         <p:blipFill>
-          <a:blip r:embed="rId2">
+          <a:blip r:embed="rId4">
             <a:extLst>
               <a:ext uri="{96DAC541-7B7A-43D3-8B79-37D633B846F1}">
-                <asvg:svgBlip xmlns:asvg="http://schemas.microsoft.com/office/drawing/2016/SVG/main" r:embed="rId3"/>
+                <asvg:svgBlip xmlns:asvg="http://schemas.microsoft.com/office/drawing/2016/SVG/main" r:embed="rId5"/>
               </a:ext>
             </a:extLst>
           </a:blip>
@@ -7525,10 +8173,10 @@
           <p:nvPr/>
         </p:nvPicPr>
         <p:blipFill>
-          <a:blip r:embed="rId2">
+          <a:blip r:embed="rId4">
             <a:extLst>
               <a:ext uri="{96DAC541-7B7A-43D3-8B79-37D633B846F1}">
-                <asvg:svgBlip xmlns:asvg="http://schemas.microsoft.com/office/drawing/2016/SVG/main" r:embed="rId3"/>
+                <asvg:svgBlip xmlns:asvg="http://schemas.microsoft.com/office/drawing/2016/SVG/main" r:embed="rId5"/>
               </a:ext>
             </a:extLst>
           </a:blip>
@@ -7561,10 +8209,10 @@
           <p:nvPr/>
         </p:nvPicPr>
         <p:blipFill>
-          <a:blip r:embed="rId4">
+          <a:blip r:embed="rId6">
             <a:extLst>
               <a:ext uri="{96DAC541-7B7A-43D3-8B79-37D633B846F1}">
-                <asvg:svgBlip xmlns:asvg="http://schemas.microsoft.com/office/drawing/2016/SVG/main" r:embed="rId5"/>
+                <asvg:svgBlip xmlns:asvg="http://schemas.microsoft.com/office/drawing/2016/SVG/main" r:embed="rId7"/>
               </a:ext>
             </a:extLst>
           </a:blip>
@@ -7764,66 +8412,6 @@
           <p:nvPr/>
         </p:nvPicPr>
         <p:blipFill>
-          <a:blip r:embed="rId6"/>
-          <a:stretch>
-            <a:fillRect/>
-          </a:stretch>
-        </p:blipFill>
-        <p:spPr>
-          <a:xfrm>
-            <a:off x="5997788" y="2519303"/>
-            <a:ext cx="171450" cy="114300"/>
-          </a:xfrm>
-          <a:prstGeom prst="rect">
-            <a:avLst/>
-          </a:prstGeom>
-        </p:spPr>
-      </p:pic>
-      <p:pic>
-        <p:nvPicPr>
-          <p:cNvPr id="25" name="Picture 24">
-            <a:extLst>
-              <a:ext uri="{FF2B5EF4-FFF2-40B4-BE49-F238E27FC236}">
-                <a16:creationId xmlns:a16="http://schemas.microsoft.com/office/drawing/2014/main" id="{5BCA6FBF-8C1D-2D76-432B-C7C2644FBEFC}"/>
-              </a:ext>
-            </a:extLst>
-          </p:cNvPr>
-          <p:cNvPicPr>
-            <a:picLocks noChangeAspect="1"/>
-          </p:cNvPicPr>
-          <p:nvPr/>
-        </p:nvPicPr>
-        <p:blipFill>
-          <a:blip r:embed="rId7"/>
-          <a:stretch>
-            <a:fillRect/>
-          </a:stretch>
-        </p:blipFill>
-        <p:spPr>
-          <a:xfrm>
-            <a:off x="6054232" y="4406785"/>
-            <a:ext cx="171450" cy="114300"/>
-          </a:xfrm>
-          <a:prstGeom prst="rect">
-            <a:avLst/>
-          </a:prstGeom>
-        </p:spPr>
-      </p:pic>
-      <p:pic>
-        <p:nvPicPr>
-          <p:cNvPr id="26" name="Picture 25">
-            <a:extLst>
-              <a:ext uri="{FF2B5EF4-FFF2-40B4-BE49-F238E27FC236}">
-                <a16:creationId xmlns:a16="http://schemas.microsoft.com/office/drawing/2014/main" id="{54832498-B736-453A-F2E8-5FEB897C7B3D}"/>
-              </a:ext>
-            </a:extLst>
-          </p:cNvPr>
-          <p:cNvPicPr>
-            <a:picLocks noChangeAspect="1"/>
-          </p:cNvPicPr>
-          <p:nvPr/>
-        </p:nvPicPr>
-        <p:blipFill>
           <a:blip r:embed="rId8"/>
           <a:stretch>
             <a:fillRect/>
@@ -7831,8 +8419,8 @@
         </p:blipFill>
         <p:spPr>
           <a:xfrm>
-            <a:off x="10057682" y="3341080"/>
-            <a:ext cx="600075" cy="152400"/>
+            <a:off x="5997788" y="2519303"/>
+            <a:ext cx="171450" cy="114300"/>
           </a:xfrm>
           <a:prstGeom prst="rect">
             <a:avLst/>
@@ -7841,10 +8429,10 @@
       </p:pic>
       <p:pic>
         <p:nvPicPr>
-          <p:cNvPr id="3" name="Picture 2" descr="A close-up of numbers&#10;&#10;Description automatically generated">
-            <a:extLst>
-              <a:ext uri="{FF2B5EF4-FFF2-40B4-BE49-F238E27FC236}">
-                <a16:creationId xmlns:a16="http://schemas.microsoft.com/office/drawing/2014/main" id="{7CF1A720-18E8-AB9D-6D38-B21A8A64360D}"/>
+          <p:cNvPr id="25" name="Picture 24">
+            <a:extLst>
+              <a:ext uri="{FF2B5EF4-FFF2-40B4-BE49-F238E27FC236}">
+                <a16:creationId xmlns:a16="http://schemas.microsoft.com/office/drawing/2014/main" id="{5BCA6FBF-8C1D-2D76-432B-C7C2644FBEFC}"/>
               </a:ext>
             </a:extLst>
           </p:cNvPr>
@@ -7861,8 +8449,8 @@
         </p:blipFill>
         <p:spPr>
           <a:xfrm>
-            <a:off x="1576949" y="1754584"/>
-            <a:ext cx="2899617" cy="768197"/>
+            <a:off x="6054232" y="4406785"/>
+            <a:ext cx="171450" cy="114300"/>
           </a:xfrm>
           <a:prstGeom prst="rect">
             <a:avLst/>
@@ -7871,10 +8459,10 @@
       </p:pic>
       <p:pic>
         <p:nvPicPr>
-          <p:cNvPr id="6" name="Picture 5" descr="A close up of numbers&#10;&#10;Description automatically generated">
-            <a:extLst>
-              <a:ext uri="{FF2B5EF4-FFF2-40B4-BE49-F238E27FC236}">
-                <a16:creationId xmlns:a16="http://schemas.microsoft.com/office/drawing/2014/main" id="{16D123C8-ADC1-5171-E8D0-95942AB357F0}"/>
+          <p:cNvPr id="26" name="Picture 25">
+            <a:extLst>
+              <a:ext uri="{FF2B5EF4-FFF2-40B4-BE49-F238E27FC236}">
+                <a16:creationId xmlns:a16="http://schemas.microsoft.com/office/drawing/2014/main" id="{54832498-B736-453A-F2E8-5FEB897C7B3D}"/>
               </a:ext>
             </a:extLst>
           </p:cNvPr>
@@ -7891,8 +8479,8 @@
         </p:blipFill>
         <p:spPr>
           <a:xfrm>
-            <a:off x="1573598" y="4287264"/>
-            <a:ext cx="2890092" cy="787247"/>
+            <a:off x="10057682" y="3341080"/>
+            <a:ext cx="600075" cy="152400"/>
           </a:xfrm>
           <a:prstGeom prst="rect">
             <a:avLst/>
@@ -7913,7 +8501,7 @@
         </p:nvGrpSpPr>
         <p:grpSpPr>
           <a:xfrm>
-            <a:off x="1048600" y="4889642"/>
+            <a:off x="1031282" y="5210028"/>
             <a:ext cx="1105954" cy="1075913"/>
             <a:chOff x="1002696" y="4329618"/>
             <a:chExt cx="1105954" cy="1075913"/>
@@ -8020,7 +8608,7 @@
         </p:nvGrpSpPr>
         <p:grpSpPr>
           <a:xfrm>
-            <a:off x="1048600" y="2427253"/>
+            <a:off x="1204464" y="2574458"/>
             <a:ext cx="1105954" cy="1075913"/>
             <a:chOff x="1002696" y="1867229"/>
             <a:chExt cx="1105954" cy="1075913"/>
@@ -8143,66 +8731,6 @@
           <a:chExt cx="0" cy="0"/>
         </a:xfrm>
       </p:grpSpPr>
-      <p:pic>
-        <p:nvPicPr>
-          <p:cNvPr id="15" name="Picture 14" descr="A close-up of numbers&#10;&#10;Description automatically generated">
-            <a:extLst>
-              <a:ext uri="{FF2B5EF4-FFF2-40B4-BE49-F238E27FC236}">
-                <a16:creationId xmlns:a16="http://schemas.microsoft.com/office/drawing/2014/main" id="{38B4C0CB-4927-7177-7434-4A54F0A6A4CD}"/>
-              </a:ext>
-            </a:extLst>
-          </p:cNvPr>
-          <p:cNvPicPr>
-            <a:picLocks noChangeAspect="1"/>
-          </p:cNvPicPr>
-          <p:nvPr/>
-        </p:nvPicPr>
-        <p:blipFill>
-          <a:blip r:embed="rId2"/>
-          <a:stretch>
-            <a:fillRect/>
-          </a:stretch>
-        </p:blipFill>
-        <p:spPr>
-          <a:xfrm>
-            <a:off x="1090371" y="1965741"/>
-            <a:ext cx="2899617" cy="768197"/>
-          </a:xfrm>
-          <a:prstGeom prst="rect">
-            <a:avLst/>
-          </a:prstGeom>
-        </p:spPr>
-      </p:pic>
-      <p:pic>
-        <p:nvPicPr>
-          <p:cNvPr id="27" name="Picture 26" descr="A close up of numbers&#10;&#10;Description automatically generated">
-            <a:extLst>
-              <a:ext uri="{FF2B5EF4-FFF2-40B4-BE49-F238E27FC236}">
-                <a16:creationId xmlns:a16="http://schemas.microsoft.com/office/drawing/2014/main" id="{7041BD97-46DB-DBE7-C575-6E0970AFB401}"/>
-              </a:ext>
-            </a:extLst>
-          </p:cNvPr>
-          <p:cNvPicPr>
-            <a:picLocks noChangeAspect="1"/>
-          </p:cNvPicPr>
-          <p:nvPr/>
-        </p:nvPicPr>
-        <p:blipFill>
-          <a:blip r:embed="rId3"/>
-          <a:stretch>
-            <a:fillRect/>
-          </a:stretch>
-        </p:blipFill>
-        <p:spPr>
-          <a:xfrm>
-            <a:off x="1087020" y="4498421"/>
-            <a:ext cx="2890092" cy="787247"/>
-          </a:xfrm>
-          <a:prstGeom prst="rect">
-            <a:avLst/>
-          </a:prstGeom>
-        </p:spPr>
-      </p:pic>
       <p:cxnSp>
         <p:nvCxnSpPr>
           <p:cNvPr id="91" name="Straight Arrow Connector 90">
@@ -8298,10 +8826,10 @@
           <p:nvPr/>
         </p:nvPicPr>
         <p:blipFill>
-          <a:blip r:embed="rId4">
+          <a:blip r:embed="rId2">
             <a:extLst>
               <a:ext uri="{96DAC541-7B7A-43D3-8B79-37D633B846F1}">
-                <asvg:svgBlip xmlns:asvg="http://schemas.microsoft.com/office/drawing/2016/SVG/main" r:embed="rId5"/>
+                <asvg:svgBlip xmlns:asvg="http://schemas.microsoft.com/office/drawing/2016/SVG/main" r:embed="rId3"/>
               </a:ext>
             </a:extLst>
           </a:blip>
@@ -8334,10 +8862,10 @@
           <p:nvPr/>
         </p:nvPicPr>
         <p:blipFill>
-          <a:blip r:embed="rId4">
+          <a:blip r:embed="rId2">
             <a:extLst>
               <a:ext uri="{96DAC541-7B7A-43D3-8B79-37D633B846F1}">
-                <asvg:svgBlip xmlns:asvg="http://schemas.microsoft.com/office/drawing/2016/SVG/main" r:embed="rId5"/>
+                <asvg:svgBlip xmlns:asvg="http://schemas.microsoft.com/office/drawing/2016/SVG/main" r:embed="rId3"/>
               </a:ext>
             </a:extLst>
           </a:blip>
@@ -8370,10 +8898,10 @@
           <p:nvPr/>
         </p:nvPicPr>
         <p:blipFill>
-          <a:blip r:embed="rId6">
+          <a:blip r:embed="rId4">
             <a:extLst>
               <a:ext uri="{96DAC541-7B7A-43D3-8B79-37D633B846F1}">
-                <asvg:svgBlip xmlns:asvg="http://schemas.microsoft.com/office/drawing/2016/SVG/main" r:embed="rId7"/>
+                <asvg:svgBlip xmlns:asvg="http://schemas.microsoft.com/office/drawing/2016/SVG/main" r:embed="rId5"/>
               </a:ext>
             </a:extLst>
           </a:blip>
@@ -8385,6 +8913,66 @@
           <a:xfrm>
             <a:off x="10293179" y="3054179"/>
             <a:ext cx="1065427" cy="1086021"/>
+          </a:xfrm>
+          <a:prstGeom prst="rect">
+            <a:avLst/>
+          </a:prstGeom>
+        </p:spPr>
+      </p:pic>
+      <p:pic>
+        <p:nvPicPr>
+          <p:cNvPr id="28" name="Picture 27" descr="A close up of a weight&#10;&#10;Description automatically generated">
+            <a:extLst>
+              <a:ext uri="{FF2B5EF4-FFF2-40B4-BE49-F238E27FC236}">
+                <a16:creationId xmlns:a16="http://schemas.microsoft.com/office/drawing/2014/main" id="{1E65FBA4-C849-4A67-56AE-F25D0EA71AB7}"/>
+              </a:ext>
+            </a:extLst>
+          </p:cNvPr>
+          <p:cNvPicPr>
+            <a:picLocks noChangeAspect="1"/>
+          </p:cNvPicPr>
+          <p:nvPr/>
+        </p:nvPicPr>
+        <p:blipFill>
+          <a:blip r:embed="rId6"/>
+          <a:stretch>
+            <a:fillRect/>
+          </a:stretch>
+        </p:blipFill>
+        <p:spPr>
+          <a:xfrm>
+            <a:off x="1030336" y="4509510"/>
+            <a:ext cx="2959719" cy="1098238"/>
+          </a:xfrm>
+          <a:prstGeom prst="rect">
+            <a:avLst/>
+          </a:prstGeom>
+        </p:spPr>
+      </p:pic>
+      <p:pic>
+        <p:nvPicPr>
+          <p:cNvPr id="30" name="Picture 29" descr="A blue and white box with text&#10;&#10;Description automatically generated">
+            <a:extLst>
+              <a:ext uri="{FF2B5EF4-FFF2-40B4-BE49-F238E27FC236}">
+                <a16:creationId xmlns:a16="http://schemas.microsoft.com/office/drawing/2014/main" id="{532F372A-28F1-793E-42AA-431EEBF19539}"/>
+              </a:ext>
+            </a:extLst>
+          </p:cNvPr>
+          <p:cNvPicPr>
+            <a:picLocks noChangeAspect="1"/>
+          </p:cNvPicPr>
+          <p:nvPr/>
+        </p:nvPicPr>
+        <p:blipFill>
+          <a:blip r:embed="rId7"/>
+          <a:stretch>
+            <a:fillRect/>
+          </a:stretch>
+        </p:blipFill>
+        <p:spPr>
+          <a:xfrm>
+            <a:off x="1101548" y="1911945"/>
+            <a:ext cx="2955283" cy="1079208"/>
           </a:xfrm>
           <a:prstGeom prst="rect">
             <a:avLst/>
@@ -9255,10 +9843,10 @@
       </p:grpSpPr>
       <p:pic>
         <p:nvPicPr>
-          <p:cNvPr id="96" name="Graphic 95" descr="Hospital with solid fill">
-            <a:extLst>
-              <a:ext uri="{FF2B5EF4-FFF2-40B4-BE49-F238E27FC236}">
-                <a16:creationId xmlns:a16="http://schemas.microsoft.com/office/drawing/2014/main" id="{188133AB-0F1C-9451-B33C-BDD6E1F6DD0F}"/>
+          <p:cNvPr id="8" name="Picture 7" descr="A close up of a weight&#10;&#10;Description automatically generated">
+            <a:extLst>
+              <a:ext uri="{FF2B5EF4-FFF2-40B4-BE49-F238E27FC236}">
+                <a16:creationId xmlns:a16="http://schemas.microsoft.com/office/drawing/2014/main" id="{1061ED77-BE1A-3A98-666E-DAF7FA9D4E97}"/>
               </a:ext>
             </a:extLst>
           </p:cNvPr>
@@ -9268,10 +9856,70 @@
           <p:nvPr/>
         </p:nvPicPr>
         <p:blipFill>
-          <a:blip r:embed="rId2">
+          <a:blip r:embed="rId2"/>
+          <a:stretch>
+            <a:fillRect/>
+          </a:stretch>
+        </p:blipFill>
+        <p:spPr>
+          <a:xfrm>
+            <a:off x="1099609" y="4388283"/>
+            <a:ext cx="2959719" cy="1098238"/>
+          </a:xfrm>
+          <a:prstGeom prst="rect">
+            <a:avLst/>
+          </a:prstGeom>
+        </p:spPr>
+      </p:pic>
+      <p:pic>
+        <p:nvPicPr>
+          <p:cNvPr id="14" name="Picture 13" descr="A blue and white box with text&#10;&#10;Description automatically generated">
+            <a:extLst>
+              <a:ext uri="{FF2B5EF4-FFF2-40B4-BE49-F238E27FC236}">
+                <a16:creationId xmlns:a16="http://schemas.microsoft.com/office/drawing/2014/main" id="{C9F4CFCB-7D59-949C-A900-0965855F1AC2}"/>
+              </a:ext>
+            </a:extLst>
+          </p:cNvPr>
+          <p:cNvPicPr>
+            <a:picLocks noChangeAspect="1"/>
+          </p:cNvPicPr>
+          <p:nvPr/>
+        </p:nvPicPr>
+        <p:blipFill>
+          <a:blip r:embed="rId3"/>
+          <a:stretch>
+            <a:fillRect/>
+          </a:stretch>
+        </p:blipFill>
+        <p:spPr>
+          <a:xfrm>
+            <a:off x="1101548" y="1911945"/>
+            <a:ext cx="2955283" cy="1079208"/>
+          </a:xfrm>
+          <a:prstGeom prst="rect">
+            <a:avLst/>
+          </a:prstGeom>
+        </p:spPr>
+      </p:pic>
+      <p:pic>
+        <p:nvPicPr>
+          <p:cNvPr id="96" name="Graphic 95" descr="Hospital with solid fill">
+            <a:extLst>
+              <a:ext uri="{FF2B5EF4-FFF2-40B4-BE49-F238E27FC236}">
+                <a16:creationId xmlns:a16="http://schemas.microsoft.com/office/drawing/2014/main" id="{188133AB-0F1C-9451-B33C-BDD6E1F6DD0F}"/>
+              </a:ext>
+            </a:extLst>
+          </p:cNvPr>
+          <p:cNvPicPr>
+            <a:picLocks noChangeAspect="1"/>
+          </p:cNvPicPr>
+          <p:nvPr/>
+        </p:nvPicPr>
+        <p:blipFill>
+          <a:blip r:embed="rId4">
             <a:extLst>
               <a:ext uri="{96DAC541-7B7A-43D3-8B79-37D633B846F1}">
-                <asvg:svgBlip xmlns:asvg="http://schemas.microsoft.com/office/drawing/2016/SVG/main" r:embed="rId3"/>
+                <asvg:svgBlip xmlns:asvg="http://schemas.microsoft.com/office/drawing/2016/SVG/main" r:embed="rId5"/>
               </a:ext>
             </a:extLst>
           </a:blip>
@@ -9291,10 +9939,10 @@
       </p:pic>
       <p:pic>
         <p:nvPicPr>
-          <p:cNvPr id="5" name="Picture 4" descr="A close-up of numbers&#10;&#10;Description automatically generated">
-            <a:extLst>
-              <a:ext uri="{FF2B5EF4-FFF2-40B4-BE49-F238E27FC236}">
-                <a16:creationId xmlns:a16="http://schemas.microsoft.com/office/drawing/2014/main" id="{974BCDA9-3788-9807-4687-1C9E334893B7}"/>
+          <p:cNvPr id="97" name="Graphic 96" descr="Hospital with solid fill">
+            <a:extLst>
+              <a:ext uri="{FF2B5EF4-FFF2-40B4-BE49-F238E27FC236}">
+                <a16:creationId xmlns:a16="http://schemas.microsoft.com/office/drawing/2014/main" id="{25039AC9-D2A5-D447-6111-1407BBBFD157}"/>
               </a:ext>
             </a:extLst>
           </p:cNvPr>
@@ -9304,70 +9952,10 @@
           <p:nvPr/>
         </p:nvPicPr>
         <p:blipFill>
-          <a:blip r:embed="rId4"/>
-          <a:stretch>
-            <a:fillRect/>
-          </a:stretch>
-        </p:blipFill>
-        <p:spPr>
-          <a:xfrm>
-            <a:off x="1099551" y="2020825"/>
-            <a:ext cx="2899617" cy="768197"/>
-          </a:xfrm>
-          <a:prstGeom prst="rect">
-            <a:avLst/>
-          </a:prstGeom>
-        </p:spPr>
-      </p:pic>
-      <p:pic>
-        <p:nvPicPr>
-          <p:cNvPr id="9" name="Picture 8" descr="A close up of numbers&#10;&#10;Description automatically generated">
-            <a:extLst>
-              <a:ext uri="{FF2B5EF4-FFF2-40B4-BE49-F238E27FC236}">
-                <a16:creationId xmlns:a16="http://schemas.microsoft.com/office/drawing/2014/main" id="{77F84A51-9FE7-DD89-B462-619AAF7B1F74}"/>
-              </a:ext>
-            </a:extLst>
-          </p:cNvPr>
-          <p:cNvPicPr>
-            <a:picLocks noChangeAspect="1"/>
-          </p:cNvPicPr>
-          <p:nvPr/>
-        </p:nvPicPr>
-        <p:blipFill>
-          <a:blip r:embed="rId5"/>
-          <a:stretch>
-            <a:fillRect/>
-          </a:stretch>
-        </p:blipFill>
-        <p:spPr>
-          <a:xfrm>
-            <a:off x="1096200" y="4553505"/>
-            <a:ext cx="2890092" cy="787247"/>
-          </a:xfrm>
-          <a:prstGeom prst="rect">
-            <a:avLst/>
-          </a:prstGeom>
-        </p:spPr>
-      </p:pic>
-      <p:pic>
-        <p:nvPicPr>
-          <p:cNvPr id="97" name="Graphic 96" descr="Hospital with solid fill">
-            <a:extLst>
-              <a:ext uri="{FF2B5EF4-FFF2-40B4-BE49-F238E27FC236}">
-                <a16:creationId xmlns:a16="http://schemas.microsoft.com/office/drawing/2014/main" id="{25039AC9-D2A5-D447-6111-1407BBBFD157}"/>
-              </a:ext>
-            </a:extLst>
-          </p:cNvPr>
-          <p:cNvPicPr>
-            <a:picLocks noChangeAspect="1"/>
-          </p:cNvPicPr>
-          <p:nvPr/>
-        </p:nvPicPr>
-        <p:blipFill>
-          <a:blip r:embed="rId2">
+          <a:blip r:embed="rId4">
             <a:extLst>
               <a:ext uri="{96DAC541-7B7A-43D3-8B79-37D633B846F1}">
-                <asvg:svgBlip xmlns:asvg="http://schemas.microsoft.com/office/drawing/2016/SVG/main" r:embed="rId3"/>
+                <asvg:svgBlip xmlns:asvg="http://schemas.microsoft.com/office/drawing/2016/SVG/main" r:embed="rId5"/>
               </a:ext>
             </a:extLst>
           </a:blip>
@@ -9449,7 +10037,7 @@
         </p:blipFill>
         <p:spPr>
           <a:xfrm>
-            <a:off x="1738353" y="2523219"/>
+            <a:off x="1573830" y="2808969"/>
             <a:ext cx="603956" cy="596901"/>
           </a:xfrm>
           <a:prstGeom prst="rect">
@@ -9485,7 +10073,7 @@
         </p:blipFill>
         <p:spPr>
           <a:xfrm>
-            <a:off x="1674088" y="5121874"/>
+            <a:off x="1570179" y="5295056"/>
             <a:ext cx="603956" cy="596901"/>
           </a:xfrm>
           <a:prstGeom prst="rect">
@@ -9645,7 +10233,7 @@
         </p:nvCxnSpPr>
         <p:spPr>
           <a:xfrm flipH="1">
-            <a:off x="3293532" y="2887133"/>
+            <a:off x="3596600" y="2991042"/>
             <a:ext cx="38101" cy="1514121"/>
           </a:xfrm>
           <a:prstGeom prst="straightConnector1">
@@ -9759,7 +10347,7 @@
         </p:blipFill>
         <p:spPr>
           <a:xfrm>
-            <a:off x="10005340" y="4554369"/>
+            <a:off x="10065954" y="4545710"/>
             <a:ext cx="603956" cy="596901"/>
           </a:xfrm>
           <a:prstGeom prst="rect">
@@ -9767,31 +10355,6 @@
           </a:prstGeom>
         </p:spPr>
       </p:pic>
-      <p:sp>
-        <p:nvSpPr>
-          <p:cNvPr id="6" name="Title 5">
-            <a:extLst>
-              <a:ext uri="{FF2B5EF4-FFF2-40B4-BE49-F238E27FC236}">
-                <a16:creationId xmlns:a16="http://schemas.microsoft.com/office/drawing/2014/main" id="{F7A5E3E1-952D-32F4-FEEE-0A77D3097F46}"/>
-              </a:ext>
-            </a:extLst>
-          </p:cNvPr>
-          <p:cNvSpPr>
-            <a:spLocks noGrp="1"/>
-          </p:cNvSpPr>
-          <p:nvPr>
-            <p:ph type="title"/>
-          </p:nvPr>
-        </p:nvSpPr>
-        <p:spPr/>
-        <p:txBody>
-          <a:bodyPr/>
-          <a:lstStyle/>
-          <a:p>
-            <a:endParaRPr lang="en-US"/>
-          </a:p>
-        </p:txBody>
-      </p:sp>
     </p:spTree>
     <p:extLst>
       <p:ext uri="{BB962C8B-B14F-4D97-AF65-F5344CB8AC3E}">
@@ -9822,36 +10385,6 @@
           <a:chExt cx="0" cy="0"/>
         </a:xfrm>
       </p:grpSpPr>
-      <p:pic>
-        <p:nvPicPr>
-          <p:cNvPr id="5" name="Picture 4" descr="A close up of numbers&#10;&#10;Description automatically generated">
-            <a:extLst>
-              <a:ext uri="{FF2B5EF4-FFF2-40B4-BE49-F238E27FC236}">
-                <a16:creationId xmlns:a16="http://schemas.microsoft.com/office/drawing/2014/main" id="{BDAC7A2F-C3CA-95BB-06B1-DCED6A49453B}"/>
-              </a:ext>
-            </a:extLst>
-          </p:cNvPr>
-          <p:cNvPicPr>
-            <a:picLocks noChangeAspect="1"/>
-          </p:cNvPicPr>
-          <p:nvPr/>
-        </p:nvPicPr>
-        <p:blipFill>
-          <a:blip r:embed="rId2"/>
-          <a:stretch>
-            <a:fillRect/>
-          </a:stretch>
-        </p:blipFill>
-        <p:spPr>
-          <a:xfrm>
-            <a:off x="1490971" y="4525964"/>
-            <a:ext cx="2890092" cy="787247"/>
-          </a:xfrm>
-          <a:prstGeom prst="rect">
-            <a:avLst/>
-          </a:prstGeom>
-        </p:spPr>
-      </p:pic>
       <p:cxnSp>
         <p:nvCxnSpPr>
           <p:cNvPr id="91" name="Straight Arrow Connector 90">
@@ -9934,10 +10467,10 @@
       </p:cxnSp>
       <p:pic>
         <p:nvPicPr>
-          <p:cNvPr id="96" name="Graphic 95" descr="Hospital with solid fill">
-            <a:extLst>
-              <a:ext uri="{FF2B5EF4-FFF2-40B4-BE49-F238E27FC236}">
-                <a16:creationId xmlns:a16="http://schemas.microsoft.com/office/drawing/2014/main" id="{188133AB-0F1C-9451-B33C-BDD6E1F6DD0F}"/>
+          <p:cNvPr id="23" name="Picture 22" descr="A blue and white box with text&#10;&#10;Description automatically generated">
+            <a:extLst>
+              <a:ext uri="{FF2B5EF4-FFF2-40B4-BE49-F238E27FC236}">
+                <a16:creationId xmlns:a16="http://schemas.microsoft.com/office/drawing/2014/main" id="{01EB01A9-3FCD-2C72-E6FA-078B025E9EAE}"/>
               </a:ext>
             </a:extLst>
           </p:cNvPr>
@@ -9947,10 +10480,70 @@
           <p:nvPr/>
         </p:nvPicPr>
         <p:blipFill>
-          <a:blip r:embed="rId3">
+          <a:blip r:embed="rId2"/>
+          <a:stretch>
+            <a:fillRect/>
+          </a:stretch>
+        </p:blipFill>
+        <p:spPr>
+          <a:xfrm>
+            <a:off x="1551821" y="1851331"/>
+            <a:ext cx="2955283" cy="1079208"/>
+          </a:xfrm>
+          <a:prstGeom prst="rect">
+            <a:avLst/>
+          </a:prstGeom>
+        </p:spPr>
+      </p:pic>
+      <p:pic>
+        <p:nvPicPr>
+          <p:cNvPr id="21" name="Picture 20" descr="A close up of a weight&#10;&#10;Description automatically generated">
+            <a:extLst>
+              <a:ext uri="{FF2B5EF4-FFF2-40B4-BE49-F238E27FC236}">
+                <a16:creationId xmlns:a16="http://schemas.microsoft.com/office/drawing/2014/main" id="{DADD46B1-8C20-9920-82C6-DFD6B8CBE1A3}"/>
+              </a:ext>
+            </a:extLst>
+          </p:cNvPr>
+          <p:cNvPicPr>
+            <a:picLocks noChangeAspect="1"/>
+          </p:cNvPicPr>
+          <p:nvPr/>
+        </p:nvPicPr>
+        <p:blipFill>
+          <a:blip r:embed="rId3"/>
+          <a:stretch>
+            <a:fillRect/>
+          </a:stretch>
+        </p:blipFill>
+        <p:spPr>
+          <a:xfrm>
+            <a:off x="1480609" y="4448896"/>
+            <a:ext cx="2959719" cy="1098238"/>
+          </a:xfrm>
+          <a:prstGeom prst="rect">
+            <a:avLst/>
+          </a:prstGeom>
+        </p:spPr>
+      </p:pic>
+      <p:pic>
+        <p:nvPicPr>
+          <p:cNvPr id="96" name="Graphic 95" descr="Hospital with solid fill">
+            <a:extLst>
+              <a:ext uri="{FF2B5EF4-FFF2-40B4-BE49-F238E27FC236}">
+                <a16:creationId xmlns:a16="http://schemas.microsoft.com/office/drawing/2014/main" id="{188133AB-0F1C-9451-B33C-BDD6E1F6DD0F}"/>
+              </a:ext>
+            </a:extLst>
+          </p:cNvPr>
+          <p:cNvPicPr>
+            <a:picLocks noChangeAspect="1"/>
+          </p:cNvPicPr>
+          <p:nvPr/>
+        </p:nvPicPr>
+        <p:blipFill>
+          <a:blip r:embed="rId4">
             <a:extLst>
               <a:ext uri="{96DAC541-7B7A-43D3-8B79-37D633B846F1}">
-                <asvg:svgBlip xmlns:asvg="http://schemas.microsoft.com/office/drawing/2016/SVG/main" r:embed="rId4"/>
+                <asvg:svgBlip xmlns:asvg="http://schemas.microsoft.com/office/drawing/2016/SVG/main" r:embed="rId5"/>
               </a:ext>
             </a:extLst>
           </a:blip>
@@ -9983,10 +10576,10 @@
           <p:nvPr/>
         </p:nvPicPr>
         <p:blipFill>
-          <a:blip r:embed="rId3">
+          <a:blip r:embed="rId4">
             <a:extLst>
               <a:ext uri="{96DAC541-7B7A-43D3-8B79-37D633B846F1}">
-                <asvg:svgBlip xmlns:asvg="http://schemas.microsoft.com/office/drawing/2016/SVG/main" r:embed="rId4"/>
+                <asvg:svgBlip xmlns:asvg="http://schemas.microsoft.com/office/drawing/2016/SVG/main" r:embed="rId5"/>
               </a:ext>
             </a:extLst>
           </a:blip>
@@ -10019,10 +10612,10 @@
           <p:nvPr/>
         </p:nvPicPr>
         <p:blipFill>
-          <a:blip r:embed="rId5">
+          <a:blip r:embed="rId6">
             <a:extLst>
               <a:ext uri="{96DAC541-7B7A-43D3-8B79-37D633B846F1}">
-                <asvg:svgBlip xmlns:asvg="http://schemas.microsoft.com/office/drawing/2016/SVG/main" r:embed="rId6"/>
+                <asvg:svgBlip xmlns:asvg="http://schemas.microsoft.com/office/drawing/2016/SVG/main" r:embed="rId7"/>
               </a:ext>
             </a:extLst>
           </a:blip>
@@ -10095,36 +10688,6 @@
           </a:p>
         </p:txBody>
       </p:sp>
-      <p:pic>
-        <p:nvPicPr>
-          <p:cNvPr id="3" name="Picture 2" descr="A close-up of numbers&#10;&#10;Description automatically generated">
-            <a:extLst>
-              <a:ext uri="{FF2B5EF4-FFF2-40B4-BE49-F238E27FC236}">
-                <a16:creationId xmlns:a16="http://schemas.microsoft.com/office/drawing/2014/main" id="{A180D1D9-57C7-9259-C826-5F81E3B1C3D0}"/>
-              </a:ext>
-            </a:extLst>
-          </p:cNvPr>
-          <p:cNvPicPr>
-            <a:picLocks noChangeAspect="1"/>
-          </p:cNvPicPr>
-          <p:nvPr/>
-        </p:nvPicPr>
-        <p:blipFill>
-          <a:blip r:embed="rId7"/>
-          <a:stretch>
-            <a:fillRect/>
-          </a:stretch>
-        </p:blipFill>
-        <p:spPr>
-          <a:xfrm>
-            <a:off x="1494322" y="1965741"/>
-            <a:ext cx="2899617" cy="768197"/>
-          </a:xfrm>
-          <a:prstGeom prst="rect">
-            <a:avLst/>
-          </a:prstGeom>
-        </p:spPr>
-      </p:pic>
       <p:sp>
         <p:nvSpPr>
           <p:cNvPr id="17" name="Oval 16">
@@ -10251,7 +10814,7 @@
         </p:nvGrpSpPr>
         <p:grpSpPr>
           <a:xfrm>
-            <a:off x="2508817" y="1894497"/>
+            <a:off x="2604067" y="2136952"/>
             <a:ext cx="501622" cy="454454"/>
             <a:chOff x="4221890" y="5077892"/>
             <a:chExt cx="1181242" cy="1072291"/>
@@ -10362,7 +10925,7 @@
         </p:nvGrpSpPr>
         <p:grpSpPr>
           <a:xfrm>
-            <a:off x="3457243" y="1894502"/>
+            <a:off x="3552493" y="2136957"/>
             <a:ext cx="501622" cy="454455"/>
             <a:chOff x="4221890" y="5077892"/>
             <a:chExt cx="1181242" cy="1072291"/>
@@ -10473,7 +11036,7 @@
         </p:nvGrpSpPr>
         <p:grpSpPr>
           <a:xfrm>
-            <a:off x="2506749" y="4858387"/>
+            <a:off x="2463454" y="5109501"/>
             <a:ext cx="501622" cy="454455"/>
             <a:chOff x="4221890" y="5077892"/>
             <a:chExt cx="1181242" cy="1072291"/>
@@ -10584,7 +11147,7 @@
         </p:nvGrpSpPr>
         <p:grpSpPr>
           <a:xfrm>
-            <a:off x="3457243" y="4858387"/>
+            <a:off x="3413948" y="5109501"/>
             <a:ext cx="501622" cy="454455"/>
             <a:chOff x="4221890" y="5077892"/>
             <a:chExt cx="1181242" cy="1072291"/>
@@ -10826,167 +11389,6 @@
           <a:chExt cx="0" cy="0"/>
         </a:xfrm>
       </p:grpSpPr>
-      <p:graphicFrame>
-        <p:nvGraphicFramePr>
-          <p:cNvPr id="7" name="Table 6">
-            <a:extLst>
-              <a:ext uri="{FF2B5EF4-FFF2-40B4-BE49-F238E27FC236}">
-                <a16:creationId xmlns:a16="http://schemas.microsoft.com/office/drawing/2014/main" id="{1803AB47-1518-A7F8-F5B9-352E9EBC7FDC}"/>
-              </a:ext>
-            </a:extLst>
-          </p:cNvPr>
-          <p:cNvGraphicFramePr>
-            <a:graphicFrameLocks noGrp="1"/>
-          </p:cNvGraphicFramePr>
-          <p:nvPr>
-            <p:extLst>
-              <p:ext uri="{D42A27DB-BD31-4B8C-83A1-F6EECF244321}">
-                <p14:modId xmlns:p14="http://schemas.microsoft.com/office/powerpoint/2010/main" val="902366712"/>
-              </p:ext>
-            </p:extLst>
-          </p:nvPr>
-        </p:nvGraphicFramePr>
-        <p:xfrm>
-          <a:off x="614149" y="3059372"/>
-          <a:ext cx="4438770" cy="1069071"/>
-        </p:xfrm>
-        <a:graphic>
-          <a:graphicData uri="http://schemas.openxmlformats.org/drawingml/2006/table">
-            <a:tbl>
-              <a:tblPr bandRow="1">
-                <a:tableStyleId>{21E4AEA4-8DFA-4A89-87EB-49C32662AFE0}</a:tableStyleId>
-              </a:tblPr>
-              <a:tblGrid>
-                <a:gridCol w="1479590">
-                  <a:extLst>
-                    <a:ext uri="{9D8B030D-6E8A-4147-A177-3AD203B41FA5}">
-                      <a16:colId xmlns:a16="http://schemas.microsoft.com/office/drawing/2014/main" val="1198045167"/>
-                    </a:ext>
-                  </a:extLst>
-                </a:gridCol>
-                <a:gridCol w="1479590">
-                  <a:extLst>
-                    <a:ext uri="{9D8B030D-6E8A-4147-A177-3AD203B41FA5}">
-                      <a16:colId xmlns:a16="http://schemas.microsoft.com/office/drawing/2014/main" val="3251982743"/>
-                    </a:ext>
-                  </a:extLst>
-                </a:gridCol>
-                <a:gridCol w="1479590">
-                  <a:extLst>
-                    <a:ext uri="{9D8B030D-6E8A-4147-A177-3AD203B41FA5}">
-                      <a16:colId xmlns:a16="http://schemas.microsoft.com/office/drawing/2014/main" val="3442802327"/>
-                    </a:ext>
-                  </a:extLst>
-                </a:gridCol>
-              </a:tblGrid>
-              <a:tr h="512263">
-                <a:tc>
-                  <a:txBody>
-                    <a:bodyPr/>
-                    <a:lstStyle/>
-                    <a:p>
-                      <a:pPr lvl="0">
-                        <a:buNone/>
-                      </a:pPr>
-                      <a:r>
-                        <a:rPr lang="en-US" sz="2000"/>
-                        <a:t>Charles</a:t>
-                      </a:r>
-                    </a:p>
-                  </a:txBody>
-                  <a:tcPr/>
-                </a:tc>
-                <a:tc>
-                  <a:txBody>
-                    <a:bodyPr/>
-                    <a:lstStyle/>
-                    <a:p>
-                      <a:r>
-                        <a:rPr lang="en-US" sz="2000"/>
-                        <a:t>50</a:t>
-                      </a:r>
-                    </a:p>
-                  </a:txBody>
-                  <a:tcPr/>
-                </a:tc>
-                <a:tc>
-                  <a:txBody>
-                    <a:bodyPr/>
-                    <a:lstStyle/>
-                    <a:p>
-                      <a:pPr lvl="0">
-                        <a:buNone/>
-                      </a:pPr>
-                      <a:r>
-                        <a:rPr lang="en-US" sz="2000"/>
-                        <a:t>170</a:t>
-                      </a:r>
-                    </a:p>
-                  </a:txBody>
-                  <a:tcPr/>
-                </a:tc>
-                <a:extLst>
-                  <a:ext uri="{0D108BD9-81ED-4DB2-BD59-A6C34878D82A}">
-                    <a16:rowId xmlns:a16="http://schemas.microsoft.com/office/drawing/2014/main" val="1263287024"/>
-                  </a:ext>
-                </a:extLst>
-              </a:tr>
-              <a:tr h="556808">
-                <a:tc>
-                  <a:txBody>
-                    <a:bodyPr/>
-                    <a:lstStyle/>
-                    <a:p>
-                      <a:r>
-                        <a:rPr lang="en-US" sz="2000"/>
-                        <a:t>Brandi</a:t>
-                      </a:r>
-                    </a:p>
-                  </a:txBody>
-                  <a:tcPr/>
-                </a:tc>
-                <a:tc>
-                  <a:txBody>
-                    <a:bodyPr/>
-                    <a:lstStyle/>
-                    <a:p>
-                      <a:pPr lvl="0">
-                        <a:buNone/>
-                      </a:pPr>
-                      <a:r>
-                        <a:rPr lang="en-US" sz="2000"/>
-                        <a:t>45</a:t>
-                      </a:r>
-                    </a:p>
-                  </a:txBody>
-                  <a:tcPr/>
-                </a:tc>
-                <a:tc>
-                  <a:txBody>
-                    <a:bodyPr/>
-                    <a:lstStyle/>
-                    <a:p>
-                      <a:pPr lvl="0">
-                        <a:buNone/>
-                      </a:pPr>
-                      <a:r>
-                        <a:rPr lang="en-US" sz="2000"/>
-                        <a:t>163</a:t>
-                      </a:r>
-                    </a:p>
-                  </a:txBody>
-                  <a:tcPr/>
-                </a:tc>
-                <a:extLst>
-                  <a:ext uri="{0D108BD9-81ED-4DB2-BD59-A6C34878D82A}">
-                    <a16:rowId xmlns:a16="http://schemas.microsoft.com/office/drawing/2014/main" val="262061066"/>
-                  </a:ext>
-                </a:extLst>
-              </a:tr>
-            </a:tbl>
-          </a:graphicData>
-        </a:graphic>
-      </p:graphicFrame>
       <p:cxnSp>
         <p:nvCxnSpPr>
           <p:cNvPr id="9" name="Straight Arrow Connector 8">
@@ -11026,174 +11428,6 @@
           </a:fontRef>
         </p:style>
       </p:cxnSp>
-      <p:graphicFrame>
-        <p:nvGraphicFramePr>
-          <p:cNvPr id="13" name="Table 12">
-            <a:extLst>
-              <a:ext uri="{FF2B5EF4-FFF2-40B4-BE49-F238E27FC236}">
-                <a16:creationId xmlns:a16="http://schemas.microsoft.com/office/drawing/2014/main" id="{ABE93011-07F8-F873-ACA6-B9B026A9ADFE}"/>
-              </a:ext>
-            </a:extLst>
-          </p:cNvPr>
-          <p:cNvGraphicFramePr>
-            <a:graphicFrameLocks noGrp="1"/>
-          </p:cNvGraphicFramePr>
-          <p:nvPr>
-            <p:extLst>
-              <p:ext uri="{D42A27DB-BD31-4B8C-83A1-F6EECF244321}">
-                <p14:modId xmlns:p14="http://schemas.microsoft.com/office/powerpoint/2010/main" val="532654357"/>
-              </p:ext>
-            </p:extLst>
-          </p:nvPr>
-        </p:nvGraphicFramePr>
-        <p:xfrm>
-          <a:off x="614149" y="4333162"/>
-          <a:ext cx="4438770" cy="1069071"/>
-        </p:xfrm>
-        <a:graphic>
-          <a:graphicData uri="http://schemas.openxmlformats.org/drawingml/2006/table">
-            <a:tbl>
-              <a:tblPr bandRow="1">
-                <a:tableStyleId>{21E4AEA4-8DFA-4A89-87EB-49C32662AFE0}</a:tableStyleId>
-              </a:tblPr>
-              <a:tblGrid>
-                <a:gridCol w="1479590">
-                  <a:extLst>
-                    <a:ext uri="{9D8B030D-6E8A-4147-A177-3AD203B41FA5}">
-                      <a16:colId xmlns:a16="http://schemas.microsoft.com/office/drawing/2014/main" val="1198045167"/>
-                    </a:ext>
-                  </a:extLst>
-                </a:gridCol>
-                <a:gridCol w="1479590">
-                  <a:extLst>
-                    <a:ext uri="{9D8B030D-6E8A-4147-A177-3AD203B41FA5}">
-                      <a16:colId xmlns:a16="http://schemas.microsoft.com/office/drawing/2014/main" val="3251982743"/>
-                    </a:ext>
-                  </a:extLst>
-                </a:gridCol>
-                <a:gridCol w="1479590">
-                  <a:extLst>
-                    <a:ext uri="{9D8B030D-6E8A-4147-A177-3AD203B41FA5}">
-                      <a16:colId xmlns:a16="http://schemas.microsoft.com/office/drawing/2014/main" val="3442802327"/>
-                    </a:ext>
-                  </a:extLst>
-                </a:gridCol>
-              </a:tblGrid>
-              <a:tr h="512263">
-                <a:tc>
-                  <a:txBody>
-                    <a:bodyPr/>
-                    <a:lstStyle/>
-                    <a:p>
-                      <a:pPr lvl="0">
-                        <a:buNone/>
-                      </a:pPr>
-                      <a:r>
-                        <a:rPr lang="en-US" sz="2000"/>
-                        <a:t>Jez</a:t>
-                      </a:r>
-                      <a:endParaRPr lang="en-US"/>
-                    </a:p>
-                  </a:txBody>
-                  <a:tcPr/>
-                </a:tc>
-                <a:tc>
-                  <a:txBody>
-                    <a:bodyPr/>
-                    <a:lstStyle/>
-                    <a:p>
-                      <a:r>
-                        <a:rPr lang="en-US" sz="2000"/>
-                        <a:t>33</a:t>
-                      </a:r>
-                    </a:p>
-                  </a:txBody>
-                  <a:tcPr/>
-                </a:tc>
-                <a:tc>
-                  <a:txBody>
-                    <a:bodyPr/>
-                    <a:lstStyle/>
-                    <a:p>
-                      <a:pPr lvl="0">
-                        <a:buNone/>
-                      </a:pPr>
-                      <a:r>
-                        <a:rPr lang="en-US" sz="2000"/>
-                        <a:t>193</a:t>
-                      </a:r>
-                      <a:endParaRPr lang="en-US"/>
-                    </a:p>
-                  </a:txBody>
-                  <a:tcPr/>
-                </a:tc>
-                <a:extLst>
-                  <a:ext uri="{0D108BD9-81ED-4DB2-BD59-A6C34878D82A}">
-                    <a16:rowId xmlns:a16="http://schemas.microsoft.com/office/drawing/2014/main" val="1263287024"/>
-                  </a:ext>
-                </a:extLst>
-              </a:tr>
-              <a:tr h="556808">
-                <a:tc>
-                  <a:txBody>
-                    <a:bodyPr/>
-                    <a:lstStyle/>
-                    <a:p>
-                      <a:pPr lvl="0">
-                        <a:buNone/>
-                      </a:pPr>
-                      <a:r>
-                        <a:rPr lang="en-US" sz="2000"/>
-                        <a:t>Dionne</a:t>
-                      </a:r>
-                    </a:p>
-                  </a:txBody>
-                  <a:tcPr/>
-                </a:tc>
-                <a:tc>
-                  <a:txBody>
-                    <a:bodyPr/>
-                    <a:lstStyle/>
-                    <a:p>
-                      <a:pPr lvl="0">
-                        <a:buNone/>
-                      </a:pPr>
-                      <a:r>
-                        <a:rPr lang="en-US" sz="2000"/>
-                        <a:t>25</a:t>
-                      </a:r>
-                      <a:endParaRPr lang="en-US"/>
-                    </a:p>
-                  </a:txBody>
-                  <a:tcPr/>
-                </a:tc>
-                <a:tc>
-                  <a:txBody>
-                    <a:bodyPr/>
-                    <a:lstStyle/>
-                    <a:p>
-                      <a:pPr lvl="0">
-                        <a:buNone/>
-                      </a:pPr>
-                      <a:r>
-                        <a:rPr lang="en-US" sz="2000"/>
-                        <a:t>168</a:t>
-                      </a:r>
-                      <a:endParaRPr lang="en-US"/>
-                    </a:p>
-                  </a:txBody>
-                  <a:tcPr/>
-                </a:tc>
-                <a:extLst>
-                  <a:ext uri="{0D108BD9-81ED-4DB2-BD59-A6C34878D82A}">
-                    <a16:rowId xmlns:a16="http://schemas.microsoft.com/office/drawing/2014/main" val="262061066"/>
-                  </a:ext>
-                </a:extLst>
-              </a:tr>
-            </a:tbl>
-          </a:graphicData>
-        </a:graphic>
-      </p:graphicFrame>
       <p:pic>
         <p:nvPicPr>
           <p:cNvPr id="14" name="Graphic 13" descr="Scissors with solid fill">
@@ -11230,431 +11464,6 @@
           </a:prstGeom>
         </p:spPr>
       </p:pic>
-      <p:graphicFrame>
-        <p:nvGraphicFramePr>
-          <p:cNvPr id="15" name="Table 14">
-            <a:extLst>
-              <a:ext uri="{FF2B5EF4-FFF2-40B4-BE49-F238E27FC236}">
-                <a16:creationId xmlns:a16="http://schemas.microsoft.com/office/drawing/2014/main" id="{3F02297E-5F7F-F6B4-DF38-567E76CE467F}"/>
-              </a:ext>
-            </a:extLst>
-          </p:cNvPr>
-          <p:cNvGraphicFramePr>
-            <a:graphicFrameLocks noGrp="1"/>
-          </p:cNvGraphicFramePr>
-          <p:nvPr>
-            <p:extLst>
-              <p:ext uri="{D42A27DB-BD31-4B8C-83A1-F6EECF244321}">
-                <p14:modId xmlns:p14="http://schemas.microsoft.com/office/powerpoint/2010/main" val="513398561"/>
-              </p:ext>
-            </p:extLst>
-          </p:nvPr>
-        </p:nvGraphicFramePr>
-        <p:xfrm>
-          <a:off x="5823044" y="3116237"/>
-          <a:ext cx="2959182" cy="2182684"/>
-        </p:xfrm>
-        <a:graphic>
-          <a:graphicData uri="http://schemas.openxmlformats.org/drawingml/2006/table">
-            <a:tbl>
-              <a:tblPr bandRow="1">
-                <a:tableStyleId>{00A15C55-8517-42AA-B614-E9B94910E393}</a:tableStyleId>
-              </a:tblPr>
-              <a:tblGrid>
-                <a:gridCol w="1479591">
-                  <a:extLst>
-                    <a:ext uri="{9D8B030D-6E8A-4147-A177-3AD203B41FA5}">
-                      <a16:colId xmlns:a16="http://schemas.microsoft.com/office/drawing/2014/main" val="1198045167"/>
-                    </a:ext>
-                  </a:extLst>
-                </a:gridCol>
-                <a:gridCol w="1479591">
-                  <a:extLst>
-                    <a:ext uri="{9D8B030D-6E8A-4147-A177-3AD203B41FA5}">
-                      <a16:colId xmlns:a16="http://schemas.microsoft.com/office/drawing/2014/main" val="3251982743"/>
-                    </a:ext>
-                  </a:extLst>
-                </a:gridCol>
-              </a:tblGrid>
-              <a:tr h="512263">
-                <a:tc>
-                  <a:txBody>
-                    <a:bodyPr/>
-                    <a:lstStyle/>
-                    <a:p>
-                      <a:pPr lvl="0">
-                        <a:buNone/>
-                      </a:pPr>
-                      <a:r>
-                        <a:rPr lang="en-US" sz="2000" b="0" i="0" u="none" strike="noStrike" noProof="0" dirty="0">
-                          <a:solidFill>
-                            <a:srgbClr val="000000"/>
-                          </a:solidFill>
-                          <a:latin typeface="Aptos"/>
-                        </a:rPr>
-                        <a:t>Charles</a:t>
-                      </a:r>
-                      <a:endParaRPr lang="en-US" sz="2000" dirty="0"/>
-                    </a:p>
-                  </a:txBody>
-                  <a:tcPr/>
-                </a:tc>
-                <a:tc>
-                  <a:txBody>
-                    <a:bodyPr/>
-                    <a:lstStyle/>
-                    <a:p>
-                      <a:r>
-                        <a:rPr lang="en-US" sz="2000" dirty="0"/>
-                        <a:t>50</a:t>
-                      </a:r>
-                    </a:p>
-                  </a:txBody>
-                  <a:tcPr/>
-                </a:tc>
-                <a:extLst>
-                  <a:ext uri="{0D108BD9-81ED-4DB2-BD59-A6C34878D82A}">
-                    <a16:rowId xmlns:a16="http://schemas.microsoft.com/office/drawing/2014/main" val="1263287024"/>
-                  </a:ext>
-                </a:extLst>
-              </a:tr>
-              <a:tr h="556807">
-                <a:tc>
-                  <a:txBody>
-                    <a:bodyPr/>
-                    <a:lstStyle/>
-                    <a:p>
-                      <a:pPr lvl="0">
-                        <a:buNone/>
-                      </a:pPr>
-                      <a:r>
-                        <a:rPr lang="en-US" sz="2000" b="0" i="0" u="none" strike="noStrike" noProof="0" dirty="0">
-                          <a:solidFill>
-                            <a:srgbClr val="000000"/>
-                          </a:solidFill>
-                          <a:latin typeface="Aptos"/>
-                        </a:rPr>
-                        <a:t>Brandi</a:t>
-                      </a:r>
-                      <a:endParaRPr lang="en-US" sz="2000" dirty="0"/>
-                    </a:p>
-                  </a:txBody>
-                  <a:tcPr/>
-                </a:tc>
-                <a:tc>
-                  <a:txBody>
-                    <a:bodyPr/>
-                    <a:lstStyle/>
-                    <a:p>
-                      <a:r>
-                        <a:rPr lang="en-US" sz="2000" dirty="0"/>
-                        <a:t>45</a:t>
-                      </a:r>
-                    </a:p>
-                  </a:txBody>
-                  <a:tcPr/>
-                </a:tc>
-                <a:extLst>
-                  <a:ext uri="{0D108BD9-81ED-4DB2-BD59-A6C34878D82A}">
-                    <a16:rowId xmlns:a16="http://schemas.microsoft.com/office/drawing/2014/main" val="262061066"/>
-                  </a:ext>
-                </a:extLst>
-              </a:tr>
-              <a:tr h="556807">
-                <a:tc>
-                  <a:txBody>
-                    <a:bodyPr/>
-                    <a:lstStyle/>
-                    <a:p>
-                      <a:pPr lvl="0">
-                        <a:buNone/>
-                      </a:pPr>
-                      <a:r>
-                        <a:rPr lang="en-US" sz="2000"/>
-                        <a:t>Jez</a:t>
-                      </a:r>
-                      <a:endParaRPr lang="en-US" sz="2000" err="1"/>
-                    </a:p>
-                  </a:txBody>
-                  <a:tcPr/>
-                </a:tc>
-                <a:tc>
-                  <a:txBody>
-                    <a:bodyPr/>
-                    <a:lstStyle/>
-                    <a:p>
-                      <a:pPr lvl="0">
-                        <a:buNone/>
-                      </a:pPr>
-                      <a:r>
-                        <a:rPr lang="en-US" sz="2000" dirty="0"/>
-                        <a:t>33</a:t>
-                      </a:r>
-                    </a:p>
-                  </a:txBody>
-                  <a:tcPr/>
-                </a:tc>
-                <a:extLst>
-                  <a:ext uri="{0D108BD9-81ED-4DB2-BD59-A6C34878D82A}">
-                    <a16:rowId xmlns:a16="http://schemas.microsoft.com/office/drawing/2014/main" val="1350179891"/>
-                  </a:ext>
-                </a:extLst>
-              </a:tr>
-              <a:tr h="556807">
-                <a:tc>
-                  <a:txBody>
-                    <a:bodyPr/>
-                    <a:lstStyle/>
-                    <a:p>
-                      <a:pPr lvl="0">
-                        <a:buNone/>
-                      </a:pPr>
-                      <a:r>
-                        <a:rPr lang="en-US" sz="2000" dirty="0"/>
-                        <a:t>Dionne</a:t>
-                      </a:r>
-                    </a:p>
-                  </a:txBody>
-                  <a:tcPr/>
-                </a:tc>
-                <a:tc>
-                  <a:txBody>
-                    <a:bodyPr/>
-                    <a:lstStyle/>
-                    <a:p>
-                      <a:pPr lvl="0">
-                        <a:buNone/>
-                      </a:pPr>
-                      <a:r>
-                        <a:rPr lang="en-US" sz="2000" dirty="0"/>
-                        <a:t>25</a:t>
-                      </a:r>
-                    </a:p>
-                  </a:txBody>
-                  <a:tcPr/>
-                </a:tc>
-                <a:extLst>
-                  <a:ext uri="{0D108BD9-81ED-4DB2-BD59-A6C34878D82A}">
-                    <a16:rowId xmlns:a16="http://schemas.microsoft.com/office/drawing/2014/main" val="3854401114"/>
-                  </a:ext>
-                </a:extLst>
-              </a:tr>
-            </a:tbl>
-          </a:graphicData>
-        </a:graphic>
-      </p:graphicFrame>
-      <p:graphicFrame>
-        <p:nvGraphicFramePr>
-          <p:cNvPr id="16" name="Table 15">
-            <a:extLst>
-              <a:ext uri="{FF2B5EF4-FFF2-40B4-BE49-F238E27FC236}">
-                <a16:creationId xmlns:a16="http://schemas.microsoft.com/office/drawing/2014/main" id="{60EB6B4E-50E8-315B-2C84-7B46228B4AEC}"/>
-              </a:ext>
-            </a:extLst>
-          </p:cNvPr>
-          <p:cNvGraphicFramePr>
-            <a:graphicFrameLocks noGrp="1"/>
-          </p:cNvGraphicFramePr>
-          <p:nvPr>
-            <p:extLst>
-              <p:ext uri="{D42A27DB-BD31-4B8C-83A1-F6EECF244321}">
-                <p14:modId xmlns:p14="http://schemas.microsoft.com/office/powerpoint/2010/main" val="1666370721"/>
-              </p:ext>
-            </p:extLst>
-          </p:nvPr>
-        </p:nvGraphicFramePr>
-        <p:xfrm>
-          <a:off x="9007520" y="3116236"/>
-          <a:ext cx="2959182" cy="2182684"/>
-        </p:xfrm>
-        <a:graphic>
-          <a:graphicData uri="http://schemas.openxmlformats.org/drawingml/2006/table">
-            <a:tbl>
-              <a:tblPr bandRow="1">
-                <a:tableStyleId>{00A15C55-8517-42AA-B614-E9B94910E393}</a:tableStyleId>
-              </a:tblPr>
-              <a:tblGrid>
-                <a:gridCol w="1479591">
-                  <a:extLst>
-                    <a:ext uri="{9D8B030D-6E8A-4147-A177-3AD203B41FA5}">
-                      <a16:colId xmlns:a16="http://schemas.microsoft.com/office/drawing/2014/main" val="1198045167"/>
-                    </a:ext>
-                  </a:extLst>
-                </a:gridCol>
-                <a:gridCol w="1479591">
-                  <a:extLst>
-                    <a:ext uri="{9D8B030D-6E8A-4147-A177-3AD203B41FA5}">
-                      <a16:colId xmlns:a16="http://schemas.microsoft.com/office/drawing/2014/main" val="3251982743"/>
-                    </a:ext>
-                  </a:extLst>
-                </a:gridCol>
-              </a:tblGrid>
-              <a:tr h="512263">
-                <a:tc>
-                  <a:txBody>
-                    <a:bodyPr/>
-                    <a:lstStyle/>
-                    <a:p>
-                      <a:pPr lvl="0">
-                        <a:buNone/>
-                      </a:pPr>
-                      <a:r>
-                        <a:rPr lang="en-US" sz="2000" b="0" i="0" u="none" strike="noStrike" noProof="0" dirty="0">
-                          <a:solidFill>
-                            <a:srgbClr val="000000"/>
-                          </a:solidFill>
-                          <a:latin typeface="Aptos"/>
-                        </a:rPr>
-                        <a:t>Charles</a:t>
-                      </a:r>
-                      <a:endParaRPr lang="en-US" sz="2000" dirty="0"/>
-                    </a:p>
-                  </a:txBody>
-                  <a:tcPr/>
-                </a:tc>
-                <a:tc>
-                  <a:txBody>
-                    <a:bodyPr/>
-                    <a:lstStyle/>
-                    <a:p>
-                      <a:r>
-                        <a:rPr lang="en-US" sz="2000" dirty="0"/>
-                        <a:t>170</a:t>
-                      </a:r>
-                    </a:p>
-                  </a:txBody>
-                  <a:tcPr/>
-                </a:tc>
-                <a:extLst>
-                  <a:ext uri="{0D108BD9-81ED-4DB2-BD59-A6C34878D82A}">
-                    <a16:rowId xmlns:a16="http://schemas.microsoft.com/office/drawing/2014/main" val="1263287024"/>
-                  </a:ext>
-                </a:extLst>
-              </a:tr>
-              <a:tr h="556807">
-                <a:tc>
-                  <a:txBody>
-                    <a:bodyPr/>
-                    <a:lstStyle/>
-                    <a:p>
-                      <a:pPr lvl="0">
-                        <a:buNone/>
-                      </a:pPr>
-                      <a:r>
-                        <a:rPr lang="en-US" sz="2000" b="0" i="0" u="none" strike="noStrike" noProof="0" dirty="0">
-                          <a:solidFill>
-                            <a:srgbClr val="000000"/>
-                          </a:solidFill>
-                          <a:latin typeface="Aptos"/>
-                        </a:rPr>
-                        <a:t>Brandi</a:t>
-                      </a:r>
-                      <a:endParaRPr lang="en-US" sz="2000" dirty="0"/>
-                    </a:p>
-                  </a:txBody>
-                  <a:tcPr/>
-                </a:tc>
-                <a:tc>
-                  <a:txBody>
-                    <a:bodyPr/>
-                    <a:lstStyle/>
-                    <a:p>
-                      <a:r>
-                        <a:rPr lang="en-US" sz="2000" dirty="0"/>
-                        <a:t>163</a:t>
-                      </a:r>
-                    </a:p>
-                  </a:txBody>
-                  <a:tcPr/>
-                </a:tc>
-                <a:extLst>
-                  <a:ext uri="{0D108BD9-81ED-4DB2-BD59-A6C34878D82A}">
-                    <a16:rowId xmlns:a16="http://schemas.microsoft.com/office/drawing/2014/main" val="262061066"/>
-                  </a:ext>
-                </a:extLst>
-              </a:tr>
-              <a:tr h="556807">
-                <a:tc>
-                  <a:txBody>
-                    <a:bodyPr/>
-                    <a:lstStyle/>
-                    <a:p>
-                      <a:pPr lvl="0">
-                        <a:buNone/>
-                      </a:pPr>
-                      <a:r>
-                        <a:rPr lang="en-US" sz="2000" dirty="0"/>
-                        <a:t>Jez</a:t>
-                      </a:r>
-                    </a:p>
-                  </a:txBody>
-                  <a:tcPr/>
-                </a:tc>
-                <a:tc>
-                  <a:txBody>
-                    <a:bodyPr/>
-                    <a:lstStyle/>
-                    <a:p>
-                      <a:pPr lvl="0">
-                        <a:buNone/>
-                      </a:pPr>
-                      <a:r>
-                        <a:rPr lang="en-US" sz="2000" dirty="0"/>
-                        <a:t>193</a:t>
-                      </a:r>
-                    </a:p>
-                  </a:txBody>
-                  <a:tcPr/>
-                </a:tc>
-                <a:extLst>
-                  <a:ext uri="{0D108BD9-81ED-4DB2-BD59-A6C34878D82A}">
-                    <a16:rowId xmlns:a16="http://schemas.microsoft.com/office/drawing/2014/main" val="1350179891"/>
-                  </a:ext>
-                </a:extLst>
-              </a:tr>
-              <a:tr h="556807">
-                <a:tc>
-                  <a:txBody>
-                    <a:bodyPr/>
-                    <a:lstStyle/>
-                    <a:p>
-                      <a:pPr lvl="0">
-                        <a:buNone/>
-                      </a:pPr>
-                      <a:r>
-                        <a:rPr lang="en-US" sz="2000" dirty="0"/>
-                        <a:t>Dionne</a:t>
-                      </a:r>
-                    </a:p>
-                  </a:txBody>
-                  <a:tcPr/>
-                </a:tc>
-                <a:tc>
-                  <a:txBody>
-                    <a:bodyPr/>
-                    <a:lstStyle/>
-                    <a:p>
-                      <a:pPr lvl="0">
-                        <a:buNone/>
-                      </a:pPr>
-                      <a:r>
-                        <a:rPr lang="en-US" sz="2000" dirty="0"/>
-                        <a:t>168</a:t>
-                      </a:r>
-                    </a:p>
-                  </a:txBody>
-                  <a:tcPr/>
-                </a:tc>
-                <a:extLst>
-                  <a:ext uri="{0D108BD9-81ED-4DB2-BD59-A6C34878D82A}">
-                    <a16:rowId xmlns:a16="http://schemas.microsoft.com/office/drawing/2014/main" val="3854401114"/>
-                  </a:ext>
-                </a:extLst>
-              </a:tr>
-            </a:tbl>
-          </a:graphicData>
-        </a:graphic>
-      </p:graphicFrame>
       <p:pic>
         <p:nvPicPr>
           <p:cNvPr id="17" name="Graphic 16" descr="Scissors with solid fill">
@@ -11818,6 +11627,126 @@
           </a:p>
         </p:txBody>
       </p:sp>
+      <p:pic>
+        <p:nvPicPr>
+          <p:cNvPr id="3" name="Picture 2" descr="A table with numbers and text&#10;&#10;Description automatically generated">
+            <a:extLst>
+              <a:ext uri="{FF2B5EF4-FFF2-40B4-BE49-F238E27FC236}">
+                <a16:creationId xmlns:a16="http://schemas.microsoft.com/office/drawing/2014/main" id="{D8C444D6-D210-9EBC-8647-78A5E8522CF4}"/>
+              </a:ext>
+            </a:extLst>
+          </p:cNvPr>
+          <p:cNvPicPr>
+            <a:picLocks noChangeAspect="1"/>
+          </p:cNvPicPr>
+          <p:nvPr/>
+        </p:nvPicPr>
+        <p:blipFill>
+          <a:blip r:embed="rId4"/>
+          <a:stretch>
+            <a:fillRect/>
+          </a:stretch>
+        </p:blipFill>
+        <p:spPr>
+          <a:xfrm>
+            <a:off x="9010526" y="3008031"/>
+            <a:ext cx="2921305" cy="1926530"/>
+          </a:xfrm>
+          <a:prstGeom prst="rect">
+            <a:avLst/>
+          </a:prstGeom>
+        </p:spPr>
+      </p:pic>
+      <p:pic>
+        <p:nvPicPr>
+          <p:cNvPr id="5" name="Picture 4" descr="A table with numbers and text&#10;&#10;Description automatically generated">
+            <a:extLst>
+              <a:ext uri="{FF2B5EF4-FFF2-40B4-BE49-F238E27FC236}">
+                <a16:creationId xmlns:a16="http://schemas.microsoft.com/office/drawing/2014/main" id="{43047E8C-D876-C2CB-0B48-1ED98D3C7239}"/>
+              </a:ext>
+            </a:extLst>
+          </p:cNvPr>
+          <p:cNvPicPr>
+            <a:picLocks noChangeAspect="1"/>
+          </p:cNvPicPr>
+          <p:nvPr/>
+        </p:nvPicPr>
+        <p:blipFill>
+          <a:blip r:embed="rId5"/>
+          <a:stretch>
+            <a:fillRect/>
+          </a:stretch>
+        </p:blipFill>
+        <p:spPr>
+          <a:xfrm>
+            <a:off x="5930767" y="3019221"/>
+            <a:ext cx="2848758" cy="1917918"/>
+          </a:xfrm>
+          <a:prstGeom prst="rect">
+            <a:avLst/>
+          </a:prstGeom>
+        </p:spPr>
+      </p:pic>
+      <p:pic>
+        <p:nvPicPr>
+          <p:cNvPr id="8" name="Picture 7" descr="A close up of a weight&#10;&#10;Description automatically generated">
+            <a:extLst>
+              <a:ext uri="{FF2B5EF4-FFF2-40B4-BE49-F238E27FC236}">
+                <a16:creationId xmlns:a16="http://schemas.microsoft.com/office/drawing/2014/main" id="{987AA0B0-AEA8-6468-A2BF-37BF38161E8F}"/>
+              </a:ext>
+            </a:extLst>
+          </p:cNvPr>
+          <p:cNvPicPr>
+            <a:picLocks noChangeAspect="1"/>
+          </p:cNvPicPr>
+          <p:nvPr/>
+        </p:nvPicPr>
+        <p:blipFill>
+          <a:blip r:embed="rId6"/>
+          <a:stretch>
+            <a:fillRect/>
+          </a:stretch>
+        </p:blipFill>
+        <p:spPr>
+          <a:xfrm>
+            <a:off x="1003042" y="2779512"/>
+            <a:ext cx="3661104" cy="1306056"/>
+          </a:xfrm>
+          <a:prstGeom prst="rect">
+            <a:avLst/>
+          </a:prstGeom>
+        </p:spPr>
+      </p:pic>
+      <p:pic>
+        <p:nvPicPr>
+          <p:cNvPr id="11" name="Picture 10" descr="A screenshot of a weight&#10;&#10;Description automatically generated">
+            <a:extLst>
+              <a:ext uri="{FF2B5EF4-FFF2-40B4-BE49-F238E27FC236}">
+                <a16:creationId xmlns:a16="http://schemas.microsoft.com/office/drawing/2014/main" id="{47E9F8B0-CED8-8BBE-DFB6-53F927BF6268}"/>
+              </a:ext>
+            </a:extLst>
+          </p:cNvPr>
+          <p:cNvPicPr>
+            <a:picLocks noChangeAspect="1"/>
+          </p:cNvPicPr>
+          <p:nvPr/>
+        </p:nvPicPr>
+        <p:blipFill>
+          <a:blip r:embed="rId7"/>
+          <a:stretch>
+            <a:fillRect/>
+          </a:stretch>
+        </p:blipFill>
+        <p:spPr>
+          <a:xfrm>
+            <a:off x="1004722" y="4341024"/>
+            <a:ext cx="3661104" cy="1289462"/>
+          </a:xfrm>
+          <a:prstGeom prst="rect">
+            <a:avLst/>
+          </a:prstGeom>
+        </p:spPr>
+      </p:pic>
     </p:spTree>
     <p:extLst>
       <p:ext uri="{BB962C8B-B14F-4D97-AF65-F5344CB8AC3E}">
@@ -12037,6 +11966,36 @@
           </a:p>
         </p:txBody>
       </p:sp>
+      <p:pic>
+        <p:nvPicPr>
+          <p:cNvPr id="12" name="Picture 11" descr="A close up of a weight&#10;&#10;Description automatically generated">
+            <a:extLst>
+              <a:ext uri="{FF2B5EF4-FFF2-40B4-BE49-F238E27FC236}">
+                <a16:creationId xmlns:a16="http://schemas.microsoft.com/office/drawing/2014/main" id="{279CE87A-1A18-4D38-CDFD-008AF0123661}"/>
+              </a:ext>
+            </a:extLst>
+          </p:cNvPr>
+          <p:cNvPicPr>
+            <a:picLocks noChangeAspect="1"/>
+          </p:cNvPicPr>
+          <p:nvPr/>
+        </p:nvPicPr>
+        <p:blipFill>
+          <a:blip r:embed="rId3"/>
+          <a:stretch>
+            <a:fillRect/>
+          </a:stretch>
+        </p:blipFill>
+        <p:spPr>
+          <a:xfrm>
+            <a:off x="1591979" y="1364640"/>
+            <a:ext cx="2622014" cy="933716"/>
+          </a:xfrm>
+          <a:prstGeom prst="rect">
+            <a:avLst/>
+          </a:prstGeom>
+        </p:spPr>
+      </p:pic>
       <p:cxnSp>
         <p:nvCxnSpPr>
           <p:cNvPr id="91" name="Straight Arrow Connector 90">
@@ -12179,10 +12138,10 @@
           <p:nvPr/>
         </p:nvPicPr>
         <p:blipFill>
-          <a:blip r:embed="rId3">
+          <a:blip r:embed="rId4">
             <a:extLst>
               <a:ext uri="{96DAC541-7B7A-43D3-8B79-37D633B846F1}">
-                <asvg:svgBlip xmlns:asvg="http://schemas.microsoft.com/office/drawing/2016/SVG/main" r:embed="rId4"/>
+                <asvg:svgBlip xmlns:asvg="http://schemas.microsoft.com/office/drawing/2016/SVG/main" r:embed="rId5"/>
               </a:ext>
             </a:extLst>
           </a:blip>
@@ -12202,10 +12161,10 @@
       </p:pic>
       <p:pic>
         <p:nvPicPr>
-          <p:cNvPr id="97" name="Graphic 96" descr="Hospital with solid fill">
-            <a:extLst>
-              <a:ext uri="{FF2B5EF4-FFF2-40B4-BE49-F238E27FC236}">
-                <a16:creationId xmlns:a16="http://schemas.microsoft.com/office/drawing/2014/main" id="{25039AC9-D2A5-D447-6111-1407BBBFD157}"/>
+          <p:cNvPr id="20" name="Picture 19" descr="A blue and white box with text&#10;&#10;Description automatically generated">
+            <a:extLst>
+              <a:ext uri="{FF2B5EF4-FFF2-40B4-BE49-F238E27FC236}">
+                <a16:creationId xmlns:a16="http://schemas.microsoft.com/office/drawing/2014/main" id="{44DFEB09-98F9-40D4-E28B-F878527D1D62}"/>
               </a:ext>
             </a:extLst>
           </p:cNvPr>
@@ -12215,10 +12174,40 @@
           <p:nvPr/>
         </p:nvPicPr>
         <p:blipFill>
-          <a:blip r:embed="rId3">
+          <a:blip r:embed="rId6"/>
+          <a:stretch>
+            <a:fillRect/>
+          </a:stretch>
+        </p:blipFill>
+        <p:spPr>
+          <a:xfrm>
+            <a:off x="1583219" y="4079815"/>
+            <a:ext cx="2622013" cy="916093"/>
+          </a:xfrm>
+          <a:prstGeom prst="rect">
+            <a:avLst/>
+          </a:prstGeom>
+        </p:spPr>
+      </p:pic>
+      <p:pic>
+        <p:nvPicPr>
+          <p:cNvPr id="97" name="Graphic 96" descr="Hospital with solid fill">
+            <a:extLst>
+              <a:ext uri="{FF2B5EF4-FFF2-40B4-BE49-F238E27FC236}">
+                <a16:creationId xmlns:a16="http://schemas.microsoft.com/office/drawing/2014/main" id="{25039AC9-D2A5-D447-6111-1407BBBFD157}"/>
+              </a:ext>
+            </a:extLst>
+          </p:cNvPr>
+          <p:cNvPicPr>
+            <a:picLocks noChangeAspect="1"/>
+          </p:cNvPicPr>
+          <p:nvPr/>
+        </p:nvPicPr>
+        <p:blipFill>
+          <a:blip r:embed="rId4">
             <a:extLst>
               <a:ext uri="{96DAC541-7B7A-43D3-8B79-37D633B846F1}">
-                <asvg:svgBlip xmlns:asvg="http://schemas.microsoft.com/office/drawing/2016/SVG/main" r:embed="rId4"/>
+                <asvg:svgBlip xmlns:asvg="http://schemas.microsoft.com/office/drawing/2016/SVG/main" r:embed="rId5"/>
               </a:ext>
             </a:extLst>
           </a:blip>
@@ -12251,10 +12240,10 @@
           <p:nvPr/>
         </p:nvPicPr>
         <p:blipFill>
-          <a:blip r:embed="rId5">
+          <a:blip r:embed="rId7">
             <a:extLst>
               <a:ext uri="{96DAC541-7B7A-43D3-8B79-37D633B846F1}">
-                <asvg:svgBlip xmlns:asvg="http://schemas.microsoft.com/office/drawing/2016/SVG/main" r:embed="rId6"/>
+                <asvg:svgBlip xmlns:asvg="http://schemas.microsoft.com/office/drawing/2016/SVG/main" r:embed="rId8"/>
               </a:ext>
             </a:extLst>
           </a:blip>
@@ -12398,7 +12387,7 @@
           <p:nvPr/>
         </p:nvPicPr>
         <p:blipFill>
-          <a:blip r:embed="rId7"/>
+          <a:blip r:embed="rId9"/>
           <a:stretch>
             <a:fillRect/>
           </a:stretch>
@@ -12428,7 +12417,7 @@
           <p:nvPr/>
         </p:nvPicPr>
         <p:blipFill>
-          <a:blip r:embed="rId8"/>
+          <a:blip r:embed="rId10"/>
           <a:stretch>
             <a:fillRect/>
           </a:stretch>
@@ -12690,7 +12679,7 @@
             <p:nvPr/>
           </p:nvPicPr>
           <p:blipFill>
-            <a:blip r:embed="rId9"/>
+            <a:blip r:embed="rId11"/>
             <a:stretch>
               <a:fillRect/>
             </a:stretch>
@@ -12706,66 +12695,6 @@
           </p:spPr>
         </p:pic>
       </p:grpSp>
-      <p:pic>
-        <p:nvPicPr>
-          <p:cNvPr id="19" name="Picture 18" descr="A close-up of numbers&#10;&#10;Description automatically generated">
-            <a:extLst>
-              <a:ext uri="{FF2B5EF4-FFF2-40B4-BE49-F238E27FC236}">
-                <a16:creationId xmlns:a16="http://schemas.microsoft.com/office/drawing/2014/main" id="{51B9EC60-149F-D91D-6725-80B1574B67FD}"/>
-              </a:ext>
-            </a:extLst>
-          </p:cNvPr>
-          <p:cNvPicPr>
-            <a:picLocks noChangeAspect="1"/>
-          </p:cNvPicPr>
-          <p:nvPr/>
-        </p:nvPicPr>
-        <p:blipFill>
-          <a:blip r:embed="rId10"/>
-          <a:stretch>
-            <a:fillRect/>
-          </a:stretch>
-        </p:blipFill>
-        <p:spPr>
-          <a:xfrm>
-            <a:off x="1567768" y="1469980"/>
-            <a:ext cx="2761907" cy="731475"/>
-          </a:xfrm>
-          <a:prstGeom prst="rect">
-            <a:avLst/>
-          </a:prstGeom>
-        </p:spPr>
-      </p:pic>
-      <p:pic>
-        <p:nvPicPr>
-          <p:cNvPr id="21" name="Picture 20" descr="A close up of numbers&#10;&#10;Description automatically generated">
-            <a:extLst>
-              <a:ext uri="{FF2B5EF4-FFF2-40B4-BE49-F238E27FC236}">
-                <a16:creationId xmlns:a16="http://schemas.microsoft.com/office/drawing/2014/main" id="{EC8AE1C9-3338-DC1A-F635-821181577089}"/>
-              </a:ext>
-            </a:extLst>
-          </p:cNvPr>
-          <p:cNvPicPr>
-            <a:picLocks noChangeAspect="1"/>
-          </p:cNvPicPr>
-          <p:nvPr/>
-        </p:nvPicPr>
-        <p:blipFill>
-          <a:blip r:embed="rId11"/>
-          <a:stretch>
-            <a:fillRect/>
-          </a:stretch>
-        </p:blipFill>
-        <p:spPr>
-          <a:xfrm>
-            <a:off x="1564417" y="4002660"/>
-            <a:ext cx="2752382" cy="750525"/>
-          </a:xfrm>
-          <a:prstGeom prst="rect">
-            <a:avLst/>
-          </a:prstGeom>
-        </p:spPr>
-      </p:pic>
       <p:grpSp>
         <p:nvGrpSpPr>
           <p:cNvPr id="13" name="Group 12">
